--- a/설계서/에코 화면 설계서0401.pptx
+++ b/설계서/에코 화면 설계서0401.pptx
@@ -13,9 +13,14 @@
     <p:sldId id="262" r:id="rId7"/>
     <p:sldId id="263" r:id="rId8"/>
     <p:sldId id="264" r:id="rId9"/>
-    <p:sldId id="265" r:id="rId10"/>
-    <p:sldId id="266" r:id="rId11"/>
+    <p:sldId id="266" r:id="rId10"/>
+    <p:sldId id="265" r:id="rId11"/>
     <p:sldId id="267" r:id="rId12"/>
+    <p:sldId id="270" r:id="rId13"/>
+    <p:sldId id="268" r:id="rId14"/>
+    <p:sldId id="269" r:id="rId15"/>
+    <p:sldId id="271" r:id="rId16"/>
+    <p:sldId id="272" r:id="rId17"/>
   </p:sldIdLst>
   <p:sldSz cx="12192000" cy="6858000"/>
   <p:notesSz cx="6858000" cy="9144000"/>
@@ -269,7 +274,7 @@
           <a:p>
             <a:fld id="{311549B4-8769-49F6-9774-B646BF029BA0}" type="datetimeFigureOut">
               <a:rPr lang="ko-KR" altLang="en-US" smtClean="0"/>
-              <a:t>2025-04-01</a:t>
+              <a:t>2025-04-07</a:t>
             </a:fld>
             <a:endParaRPr lang="ko-KR" altLang="en-US"/>
           </a:p>
@@ -467,7 +472,7 @@
           <a:p>
             <a:fld id="{311549B4-8769-49F6-9774-B646BF029BA0}" type="datetimeFigureOut">
               <a:rPr lang="ko-KR" altLang="en-US" smtClean="0"/>
-              <a:t>2025-04-01</a:t>
+              <a:t>2025-04-07</a:t>
             </a:fld>
             <a:endParaRPr lang="ko-KR" altLang="en-US"/>
           </a:p>
@@ -675,7 +680,7 @@
           <a:p>
             <a:fld id="{311549B4-8769-49F6-9774-B646BF029BA0}" type="datetimeFigureOut">
               <a:rPr lang="ko-KR" altLang="en-US" smtClean="0"/>
-              <a:t>2025-04-01</a:t>
+              <a:t>2025-04-07</a:t>
             </a:fld>
             <a:endParaRPr lang="ko-KR" altLang="en-US"/>
           </a:p>
@@ -873,7 +878,7 @@
           <a:p>
             <a:fld id="{311549B4-8769-49F6-9774-B646BF029BA0}" type="datetimeFigureOut">
               <a:rPr lang="ko-KR" altLang="en-US" smtClean="0"/>
-              <a:t>2025-04-01</a:t>
+              <a:t>2025-04-07</a:t>
             </a:fld>
             <a:endParaRPr lang="ko-KR" altLang="en-US"/>
           </a:p>
@@ -1148,7 +1153,7 @@
           <a:p>
             <a:fld id="{311549B4-8769-49F6-9774-B646BF029BA0}" type="datetimeFigureOut">
               <a:rPr lang="ko-KR" altLang="en-US" smtClean="0"/>
-              <a:t>2025-04-01</a:t>
+              <a:t>2025-04-07</a:t>
             </a:fld>
             <a:endParaRPr lang="ko-KR" altLang="en-US"/>
           </a:p>
@@ -1413,7 +1418,7 @@
           <a:p>
             <a:fld id="{311549B4-8769-49F6-9774-B646BF029BA0}" type="datetimeFigureOut">
               <a:rPr lang="ko-KR" altLang="en-US" smtClean="0"/>
-              <a:t>2025-04-01</a:t>
+              <a:t>2025-04-07</a:t>
             </a:fld>
             <a:endParaRPr lang="ko-KR" altLang="en-US"/>
           </a:p>
@@ -1825,7 +1830,7 @@
           <a:p>
             <a:fld id="{311549B4-8769-49F6-9774-B646BF029BA0}" type="datetimeFigureOut">
               <a:rPr lang="ko-KR" altLang="en-US" smtClean="0"/>
-              <a:t>2025-04-01</a:t>
+              <a:t>2025-04-07</a:t>
             </a:fld>
             <a:endParaRPr lang="ko-KR" altLang="en-US"/>
           </a:p>
@@ -1966,7 +1971,7 @@
           <a:p>
             <a:fld id="{311549B4-8769-49F6-9774-B646BF029BA0}" type="datetimeFigureOut">
               <a:rPr lang="ko-KR" altLang="en-US" smtClean="0"/>
-              <a:t>2025-04-01</a:t>
+              <a:t>2025-04-07</a:t>
             </a:fld>
             <a:endParaRPr lang="ko-KR" altLang="en-US"/>
           </a:p>
@@ -2079,7 +2084,7 @@
           <a:p>
             <a:fld id="{311549B4-8769-49F6-9774-B646BF029BA0}" type="datetimeFigureOut">
               <a:rPr lang="ko-KR" altLang="en-US" smtClean="0"/>
-              <a:t>2025-04-01</a:t>
+              <a:t>2025-04-07</a:t>
             </a:fld>
             <a:endParaRPr lang="ko-KR" altLang="en-US"/>
           </a:p>
@@ -2390,7 +2395,7 @@
           <a:p>
             <a:fld id="{311549B4-8769-49F6-9774-B646BF029BA0}" type="datetimeFigureOut">
               <a:rPr lang="ko-KR" altLang="en-US" smtClean="0"/>
-              <a:t>2025-04-01</a:t>
+              <a:t>2025-04-07</a:t>
             </a:fld>
             <a:endParaRPr lang="ko-KR" altLang="en-US"/>
           </a:p>
@@ -2678,7 +2683,7 @@
           <a:p>
             <a:fld id="{311549B4-8769-49F6-9774-B646BF029BA0}" type="datetimeFigureOut">
               <a:rPr lang="ko-KR" altLang="en-US" smtClean="0"/>
-              <a:t>2025-04-01</a:t>
+              <a:t>2025-04-07</a:t>
             </a:fld>
             <a:endParaRPr lang="ko-KR" altLang="en-US"/>
           </a:p>
@@ -2919,7 +2924,7 @@
           <a:p>
             <a:fld id="{311549B4-8769-49F6-9774-B646BF029BA0}" type="datetimeFigureOut">
               <a:rPr lang="ko-KR" altLang="en-US" smtClean="0"/>
-              <a:t>2025-04-01</a:t>
+              <a:t>2025-04-07</a:t>
             </a:fld>
             <a:endParaRPr lang="ko-KR" altLang="en-US"/>
           </a:p>
@@ -22554,7 +22559,7 @@
         <p:cNvPr id="1" name="">
           <a:extLst>
             <a:ext uri="{FF2B5EF4-FFF2-40B4-BE49-F238E27FC236}">
-              <a16:creationId xmlns:a16="http://schemas.microsoft.com/office/drawing/2014/main" id="{24BAF560-C2C7-2169-F878-6074B0799301}"/>
+              <a16:creationId xmlns:a16="http://schemas.microsoft.com/office/drawing/2014/main" id="{C0919A6F-A1BF-21DD-4070-59E3F21AC4CB}"/>
             </a:ext>
           </a:extLst>
         </p:cNvPr>
@@ -22574,7 +22579,7 @@
           <p:cNvPr id="2" name="제목 1">
             <a:extLst>
               <a:ext uri="{FF2B5EF4-FFF2-40B4-BE49-F238E27FC236}">
-                <a16:creationId xmlns:a16="http://schemas.microsoft.com/office/drawing/2014/main" id="{872A487B-9E16-7629-00D1-C1B882F5DB19}"/>
+                <a16:creationId xmlns:a16="http://schemas.microsoft.com/office/drawing/2014/main" id="{19ADE1F0-3B72-DC50-CB7D-9344EA82D560}"/>
               </a:ext>
             </a:extLst>
           </p:cNvPr>
@@ -22587,25 +22592,25 @@
         </p:nvSpPr>
         <p:spPr>
           <a:xfrm>
-            <a:off x="228600" y="418459"/>
-            <a:ext cx="3696037" cy="512659"/>
+            <a:off x="504646" y="159957"/>
+            <a:ext cx="10515600" cy="1325563"/>
           </a:xfrm>
         </p:spPr>
         <p:txBody>
           <a:bodyPr>
-            <a:normAutofit fontScale="90000"/>
+            <a:normAutofit/>
           </a:bodyPr>
           <a:lstStyle/>
           <a:p>
             <a:r>
-              <a:rPr lang="ko-KR" altLang="en-US" sz="2800" dirty="0"/>
-              <a:t>마이페이지</a:t>
+              <a:rPr lang="ko-KR" altLang="en-US" sz="3600" dirty="0"/>
+              <a:t>히스토리</a:t>
             </a:r>
             <a:r>
-              <a:rPr lang="en-US" altLang="ko-KR" sz="2800" dirty="0"/>
-              <a:t>(mypage.xml)</a:t>
+              <a:rPr lang="en-US" altLang="ko-KR" sz="3600" dirty="0"/>
+              <a:t>(history.xml)</a:t>
             </a:r>
-            <a:endParaRPr lang="ko-KR" altLang="en-US" sz="2800" dirty="0"/>
+            <a:endParaRPr lang="ko-KR" altLang="en-US" sz="3600" dirty="0"/>
           </a:p>
         </p:txBody>
       </p:sp>
@@ -22614,7 +22619,7 @@
           <p:cNvPr id="3" name="직사각형 2">
             <a:extLst>
               <a:ext uri="{FF2B5EF4-FFF2-40B4-BE49-F238E27FC236}">
-                <a16:creationId xmlns:a16="http://schemas.microsoft.com/office/drawing/2014/main" id="{A3C6F8C4-0D6D-51E0-269F-89E87AF83E5B}"/>
+                <a16:creationId xmlns:a16="http://schemas.microsoft.com/office/drawing/2014/main" id="{6A8B86C1-49FF-B568-A454-7EEBE7848EF2}"/>
               </a:ext>
             </a:extLst>
           </p:cNvPr>
@@ -22623,8 +22628,8 @@
         </p:nvSpPr>
         <p:spPr>
           <a:xfrm>
-            <a:off x="4204393" y="822738"/>
-            <a:ext cx="4030958" cy="5443759"/>
+            <a:off x="2292054" y="1127764"/>
+            <a:ext cx="4030958" cy="5570279"/>
           </a:xfrm>
           <a:prstGeom prst="rect">
             <a:avLst/>
@@ -22662,10 +22667,10 @@
       </p:sp>
       <p:sp>
         <p:nvSpPr>
-          <p:cNvPr id="7" name="사각형: 둥근 모서리 6">
+          <p:cNvPr id="4" name="말풍선: 모서리가 둥근 사각형 3">
             <a:extLst>
               <a:ext uri="{FF2B5EF4-FFF2-40B4-BE49-F238E27FC236}">
-                <a16:creationId xmlns:a16="http://schemas.microsoft.com/office/drawing/2014/main" id="{A97283A5-B3EF-821F-FDCE-BD5944CF55AE}"/>
+                <a16:creationId xmlns:a16="http://schemas.microsoft.com/office/drawing/2014/main" id="{F8DEB451-94EA-E205-6A64-634C13E79F68}"/>
               </a:ext>
             </a:extLst>
           </p:cNvPr>
@@ -22674,8 +22679,349 @@
         </p:nvSpPr>
         <p:spPr>
           <a:xfrm>
-            <a:off x="4413841" y="2582376"/>
-            <a:ext cx="891396" cy="529086"/>
+            <a:off x="2602523" y="1913206"/>
+            <a:ext cx="2405575" cy="1083212"/>
+          </a:xfrm>
+          <a:prstGeom prst="wedgeRoundRectCallout">
+            <a:avLst>
+              <a:gd name="adj1" fmla="val -20833"/>
+              <a:gd name="adj2" fmla="val -59534"/>
+              <a:gd name="adj3" fmla="val 16667"/>
+            </a:avLst>
+          </a:prstGeom>
+          <a:solidFill>
+            <a:schemeClr val="bg1">
+              <a:lumMod val="95000"/>
+            </a:schemeClr>
+          </a:solidFill>
+        </p:spPr>
+        <p:style>
+          <a:lnRef idx="2">
+            <a:schemeClr val="accent1">
+              <a:shade val="15000"/>
+            </a:schemeClr>
+          </a:lnRef>
+          <a:fillRef idx="1">
+            <a:schemeClr val="accent1"/>
+          </a:fillRef>
+          <a:effectRef idx="0">
+            <a:schemeClr val="accent1"/>
+          </a:effectRef>
+          <a:fontRef idx="minor">
+            <a:schemeClr val="lt1"/>
+          </a:fontRef>
+        </p:style>
+        <p:txBody>
+          <a:bodyPr rtlCol="0" anchor="ctr"/>
+          <a:lstStyle/>
+          <a:p>
+            <a:pPr algn="ctr"/>
+            <a:r>
+              <a:rPr lang="ko-KR" altLang="en-US" dirty="0">
+                <a:solidFill>
+                  <a:schemeClr val="tx1"/>
+                </a:solidFill>
+              </a:rPr>
+              <a:t>질문내용</a:t>
+            </a:r>
+          </a:p>
+        </p:txBody>
+      </p:sp>
+      <p:sp>
+        <p:nvSpPr>
+          <p:cNvPr id="5" name="말풍선: 모서리가 둥근 사각형 4">
+            <a:extLst>
+              <a:ext uri="{FF2B5EF4-FFF2-40B4-BE49-F238E27FC236}">
+                <a16:creationId xmlns:a16="http://schemas.microsoft.com/office/drawing/2014/main" id="{96E5CECC-0A4C-E76F-68B1-431A6E99C548}"/>
+              </a:ext>
+            </a:extLst>
+          </p:cNvPr>
+          <p:cNvSpPr/>
+          <p:nvPr/>
+        </p:nvSpPr>
+        <p:spPr>
+          <a:xfrm>
+            <a:off x="3696052" y="3078331"/>
+            <a:ext cx="1996811" cy="443382"/>
+          </a:xfrm>
+          <a:prstGeom prst="wedgeRoundRectCallout">
+            <a:avLst>
+              <a:gd name="adj1" fmla="val 55913"/>
+              <a:gd name="adj2" fmla="val -21460"/>
+              <a:gd name="adj3" fmla="val 16667"/>
+            </a:avLst>
+          </a:prstGeom>
+          <a:solidFill>
+            <a:schemeClr val="bg1">
+              <a:lumMod val="95000"/>
+            </a:schemeClr>
+          </a:solidFill>
+        </p:spPr>
+        <p:style>
+          <a:lnRef idx="2">
+            <a:schemeClr val="accent1">
+              <a:shade val="15000"/>
+            </a:schemeClr>
+          </a:lnRef>
+          <a:fillRef idx="1">
+            <a:schemeClr val="accent1"/>
+          </a:fillRef>
+          <a:effectRef idx="0">
+            <a:schemeClr val="accent1"/>
+          </a:effectRef>
+          <a:fontRef idx="minor">
+            <a:schemeClr val="lt1"/>
+          </a:fontRef>
+        </p:style>
+        <p:txBody>
+          <a:bodyPr rtlCol="0" anchor="ctr"/>
+          <a:lstStyle/>
+          <a:p>
+            <a:pPr algn="ctr"/>
+            <a:r>
+              <a:rPr lang="ko-KR" altLang="en-US" dirty="0">
+                <a:solidFill>
+                  <a:schemeClr val="tx1"/>
+                </a:solidFill>
+              </a:rPr>
+              <a:t>대답</a:t>
+            </a:r>
+          </a:p>
+        </p:txBody>
+      </p:sp>
+      <p:pic>
+        <p:nvPicPr>
+          <p:cNvPr id="6" name="Picture 12" descr="사용자 아이콘 PNG, 일러스트, PSD 및 클립 아트에 대한 무료 다운로드 | Pngtree">
+            <a:extLst>
+              <a:ext uri="{FF2B5EF4-FFF2-40B4-BE49-F238E27FC236}">
+                <a16:creationId xmlns:a16="http://schemas.microsoft.com/office/drawing/2014/main" id="{6982E264-DFF6-7490-D483-A2088798267F}"/>
+              </a:ext>
+            </a:extLst>
+          </p:cNvPr>
+          <p:cNvPicPr>
+            <a:picLocks noChangeAspect="1" noChangeArrowheads="1"/>
+          </p:cNvPicPr>
+          <p:nvPr/>
+        </p:nvPicPr>
+        <p:blipFill>
+          <a:blip r:embed="rId2">
+            <a:extLst>
+              <a:ext uri="{28A0092B-C50C-407E-A947-70E740481C1C}">
+                <a14:useLocalDpi xmlns:a14="http://schemas.microsoft.com/office/drawing/2010/main" val="0"/>
+              </a:ext>
+            </a:extLst>
+          </a:blip>
+          <a:srcRect/>
+          <a:stretch>
+            <a:fillRect/>
+          </a:stretch>
+        </p:blipFill>
+        <p:spPr bwMode="auto">
+          <a:xfrm>
+            <a:off x="5868988" y="3034529"/>
+            <a:ext cx="454024" cy="454024"/>
+          </a:xfrm>
+          <a:prstGeom prst="ellipse">
+            <a:avLst/>
+          </a:prstGeom>
+          <a:noFill/>
+          <a:extLst>
+            <a:ext uri="{909E8E84-426E-40DD-AFC4-6F175D3DCCD1}">
+              <a14:hiddenFill xmlns:a14="http://schemas.microsoft.com/office/drawing/2010/main">
+                <a:solidFill>
+                  <a:srgbClr val="FFFFFF"/>
+                </a:solidFill>
+              </a14:hiddenFill>
+            </a:ext>
+          </a:extLst>
+        </p:spPr>
+      </p:pic>
+      <p:sp>
+        <p:nvSpPr>
+          <p:cNvPr id="7" name="말풍선: 모서리가 둥근 사각형 6">
+            <a:extLst>
+              <a:ext uri="{FF2B5EF4-FFF2-40B4-BE49-F238E27FC236}">
+                <a16:creationId xmlns:a16="http://schemas.microsoft.com/office/drawing/2014/main" id="{5C8097D1-CF56-477D-BB53-52DE11D17DC4}"/>
+              </a:ext>
+            </a:extLst>
+          </p:cNvPr>
+          <p:cNvSpPr/>
+          <p:nvPr/>
+        </p:nvSpPr>
+        <p:spPr>
+          <a:xfrm>
+            <a:off x="2602523" y="3698415"/>
+            <a:ext cx="2405575" cy="888545"/>
+          </a:xfrm>
+          <a:prstGeom prst="wedgeRoundRectCallout">
+            <a:avLst>
+              <a:gd name="adj1" fmla="val -20833"/>
+              <a:gd name="adj2" fmla="val -59534"/>
+              <a:gd name="adj3" fmla="val 16667"/>
+            </a:avLst>
+          </a:prstGeom>
+          <a:solidFill>
+            <a:schemeClr val="bg1">
+              <a:lumMod val="95000"/>
+            </a:schemeClr>
+          </a:solidFill>
+        </p:spPr>
+        <p:style>
+          <a:lnRef idx="2">
+            <a:schemeClr val="accent1">
+              <a:shade val="15000"/>
+            </a:schemeClr>
+          </a:lnRef>
+          <a:fillRef idx="1">
+            <a:schemeClr val="accent1"/>
+          </a:fillRef>
+          <a:effectRef idx="0">
+            <a:schemeClr val="accent1"/>
+          </a:effectRef>
+          <a:fontRef idx="minor">
+            <a:schemeClr val="lt1"/>
+          </a:fontRef>
+        </p:style>
+        <p:txBody>
+          <a:bodyPr rtlCol="0" anchor="ctr"/>
+          <a:lstStyle/>
+          <a:p>
+            <a:pPr algn="ctr"/>
+            <a:r>
+              <a:rPr lang="ko-KR" altLang="en-US" dirty="0">
+                <a:solidFill>
+                  <a:schemeClr val="tx1"/>
+                </a:solidFill>
+              </a:rPr>
+              <a:t>피드백</a:t>
+            </a:r>
+          </a:p>
+        </p:txBody>
+      </p:sp>
+      <p:sp>
+        <p:nvSpPr>
+          <p:cNvPr id="9" name="말풍선: 모서리가 둥근 사각형 8">
+            <a:extLst>
+              <a:ext uri="{FF2B5EF4-FFF2-40B4-BE49-F238E27FC236}">
+                <a16:creationId xmlns:a16="http://schemas.microsoft.com/office/drawing/2014/main" id="{3ED9C10B-67AB-21A6-F38C-3D94B59CCD4A}"/>
+              </a:ext>
+            </a:extLst>
+          </p:cNvPr>
+          <p:cNvSpPr/>
+          <p:nvPr/>
+        </p:nvSpPr>
+        <p:spPr>
+          <a:xfrm>
+            <a:off x="2602523" y="5114524"/>
+            <a:ext cx="2405575" cy="796812"/>
+          </a:xfrm>
+          <a:prstGeom prst="wedgeRoundRectCallout">
+            <a:avLst>
+              <a:gd name="adj1" fmla="val -20833"/>
+              <a:gd name="adj2" fmla="val -59534"/>
+              <a:gd name="adj3" fmla="val 16667"/>
+            </a:avLst>
+          </a:prstGeom>
+          <a:solidFill>
+            <a:schemeClr val="bg1">
+              <a:lumMod val="95000"/>
+            </a:schemeClr>
+          </a:solidFill>
+        </p:spPr>
+        <p:style>
+          <a:lnRef idx="2">
+            <a:schemeClr val="accent1">
+              <a:shade val="15000"/>
+            </a:schemeClr>
+          </a:lnRef>
+          <a:fillRef idx="1">
+            <a:schemeClr val="accent1"/>
+          </a:fillRef>
+          <a:effectRef idx="0">
+            <a:schemeClr val="accent1"/>
+          </a:effectRef>
+          <a:fontRef idx="minor">
+            <a:schemeClr val="lt1"/>
+          </a:fontRef>
+        </p:style>
+        <p:txBody>
+          <a:bodyPr rtlCol="0" anchor="ctr"/>
+          <a:lstStyle/>
+          <a:p>
+            <a:pPr algn="ctr"/>
+            <a:r>
+              <a:rPr lang="ko-KR" altLang="en-US" dirty="0">
+                <a:solidFill>
+                  <a:schemeClr val="tx1"/>
+                </a:solidFill>
+              </a:rPr>
+              <a:t>질문내용</a:t>
+            </a:r>
+          </a:p>
+        </p:txBody>
+      </p:sp>
+      <p:sp>
+        <p:nvSpPr>
+          <p:cNvPr id="12" name="화살표: 왼쪽 11">
+            <a:extLst>
+              <a:ext uri="{FF2B5EF4-FFF2-40B4-BE49-F238E27FC236}">
+                <a16:creationId xmlns:a16="http://schemas.microsoft.com/office/drawing/2014/main" id="{9E2760EB-8E6B-7080-CFC9-49E0582D7C39}"/>
+              </a:ext>
+            </a:extLst>
+          </p:cNvPr>
+          <p:cNvSpPr/>
+          <p:nvPr/>
+        </p:nvSpPr>
+        <p:spPr>
+          <a:xfrm>
+            <a:off x="2424160" y="1312991"/>
+            <a:ext cx="391065" cy="345057"/>
+          </a:xfrm>
+          <a:prstGeom prst="leftArrow">
+            <a:avLst/>
+          </a:prstGeom>
+        </p:spPr>
+        <p:style>
+          <a:lnRef idx="2">
+            <a:schemeClr val="accent1">
+              <a:shade val="15000"/>
+            </a:schemeClr>
+          </a:lnRef>
+          <a:fillRef idx="1">
+            <a:schemeClr val="accent1"/>
+          </a:fillRef>
+          <a:effectRef idx="0">
+            <a:schemeClr val="accent1"/>
+          </a:effectRef>
+          <a:fontRef idx="minor">
+            <a:schemeClr val="lt1"/>
+          </a:fontRef>
+        </p:style>
+        <p:txBody>
+          <a:bodyPr rtlCol="0" anchor="ctr"/>
+          <a:lstStyle/>
+          <a:p>
+            <a:pPr algn="ctr"/>
+            <a:endParaRPr lang="ko-KR" altLang="en-US"/>
+          </a:p>
+        </p:txBody>
+      </p:sp>
+      <p:sp>
+        <p:nvSpPr>
+          <p:cNvPr id="13" name="사각형: 둥근 모서리 12">
+            <a:extLst>
+              <a:ext uri="{FF2B5EF4-FFF2-40B4-BE49-F238E27FC236}">
+                <a16:creationId xmlns:a16="http://schemas.microsoft.com/office/drawing/2014/main" id="{FE13B810-0250-44D2-C3A1-6D6B37C35F92}"/>
+              </a:ext>
+            </a:extLst>
+          </p:cNvPr>
+          <p:cNvSpPr/>
+          <p:nvPr/>
+        </p:nvSpPr>
+        <p:spPr>
+          <a:xfrm>
+            <a:off x="3059153" y="6233091"/>
+            <a:ext cx="2560320" cy="423852"/>
           </a:xfrm>
           <a:prstGeom prst="roundRect">
             <a:avLst/>
@@ -22703,57 +23049,8 @@
           <a:p>
             <a:pPr algn="ctr"/>
             <a:r>
-              <a:rPr lang="ko-KR" altLang="en-US" sz="1200" dirty="0"/>
-              <a:t>이메일</a:t>
-            </a:r>
-          </a:p>
-        </p:txBody>
-      </p:sp>
-      <p:sp>
-        <p:nvSpPr>
-          <p:cNvPr id="8" name="사각형: 둥근 모서리 7">
-            <a:extLst>
-              <a:ext uri="{FF2B5EF4-FFF2-40B4-BE49-F238E27FC236}">
-                <a16:creationId xmlns:a16="http://schemas.microsoft.com/office/drawing/2014/main" id="{F4FB583D-6038-C82E-C427-27A40FC2A099}"/>
-              </a:ext>
-            </a:extLst>
-          </p:cNvPr>
-          <p:cNvSpPr/>
-          <p:nvPr/>
-        </p:nvSpPr>
-        <p:spPr>
-          <a:xfrm>
-            <a:off x="4413841" y="1830085"/>
-            <a:ext cx="891396" cy="529086"/>
-          </a:xfrm>
-          <a:prstGeom prst="roundRect">
-            <a:avLst/>
-          </a:prstGeom>
-        </p:spPr>
-        <p:style>
-          <a:lnRef idx="2">
-            <a:schemeClr val="accent1">
-              <a:shade val="15000"/>
-            </a:schemeClr>
-          </a:lnRef>
-          <a:fillRef idx="1">
-            <a:schemeClr val="accent1"/>
-          </a:fillRef>
-          <a:effectRef idx="0">
-            <a:schemeClr val="accent1"/>
-          </a:effectRef>
-          <a:fontRef idx="minor">
-            <a:schemeClr val="lt1"/>
-          </a:fontRef>
-        </p:style>
-        <p:txBody>
-          <a:bodyPr rtlCol="0" anchor="ctr"/>
-          <a:lstStyle/>
-          <a:p>
-            <a:pPr algn="ctr"/>
-            <a:r>
-              <a:rPr lang="ko-KR" altLang="en-US" sz="1200" dirty="0"/>
-              <a:t>이름</a:t>
+              <a:rPr lang="ko-KR" altLang="en-US"/>
+              <a:t>오래된 질문 삭제</a:t>
             </a:r>
           </a:p>
         </p:txBody>
@@ -22763,7 +23060,7 @@
           <p:cNvPr id="14" name="제목 1">
             <a:extLst>
               <a:ext uri="{FF2B5EF4-FFF2-40B4-BE49-F238E27FC236}">
-                <a16:creationId xmlns:a16="http://schemas.microsoft.com/office/drawing/2014/main" id="{E92945E2-8280-47B0-61C1-DF4F2CCDFD38}"/>
+                <a16:creationId xmlns:a16="http://schemas.microsoft.com/office/drawing/2014/main" id="{EBEBDAE2-CC78-2746-3984-F103AFEE7731}"/>
               </a:ext>
             </a:extLst>
           </p:cNvPr>
@@ -22774,8 +23071,8 @@
         </p:nvSpPr>
         <p:spPr>
           <a:xfrm>
-            <a:off x="5825697" y="1943905"/>
-            <a:ext cx="1889194" cy="415266"/>
+            <a:off x="3392450" y="5934287"/>
+            <a:ext cx="2392013" cy="382483"/>
           </a:xfrm>
           <a:prstGeom prst="rect">
             <a:avLst/>
@@ -22783,7 +23080,7 @@
         </p:spPr>
         <p:txBody>
           <a:bodyPr vert="horz" lIns="91440" tIns="45720" rIns="91440" bIns="45720" rtlCol="0" anchor="ctr">
-            <a:normAutofit fontScale="62500" lnSpcReduction="20000"/>
+            <a:noAutofit/>
           </a:bodyPr>
           <a:lstStyle>
             <a:lvl1pPr algn="l" defTabSz="914400" rtl="0" eaLnBrk="1" latinLnBrk="1" hangingPunct="1">
@@ -22806,18 +23103,23 @@
           </a:lstStyle>
           <a:p>
             <a:r>
-              <a:rPr lang="ko-KR" altLang="en-US" dirty="0"/>
-              <a:t>이름</a:t>
+              <a:rPr lang="ko-KR" altLang="en-US" sz="1400" dirty="0"/>
+              <a:t>사용가능 질문 </a:t>
             </a:r>
+            <a:r>
+              <a:rPr lang="en-US" altLang="ko-KR" sz="1400" dirty="0"/>
+              <a:t>17/30</a:t>
+            </a:r>
+            <a:endParaRPr lang="ko-KR" altLang="en-US" sz="1400" dirty="0"/>
           </a:p>
         </p:txBody>
       </p:sp>
       <p:sp>
         <p:nvSpPr>
-          <p:cNvPr id="9" name="제목 1">
+          <p:cNvPr id="15" name="제목 1">
             <a:extLst>
               <a:ext uri="{FF2B5EF4-FFF2-40B4-BE49-F238E27FC236}">
-                <a16:creationId xmlns:a16="http://schemas.microsoft.com/office/drawing/2014/main" id="{B36746AF-42C3-95D7-9F1F-A89975F7A66F}"/>
+                <a16:creationId xmlns:a16="http://schemas.microsoft.com/office/drawing/2014/main" id="{7E2BC4A5-0847-7606-650D-60314214ED22}"/>
               </a:ext>
             </a:extLst>
           </p:cNvPr>
@@ -22828,8 +23130,8 @@
         </p:nvSpPr>
         <p:spPr>
           <a:xfrm>
-            <a:off x="5825697" y="2696196"/>
-            <a:ext cx="1889194" cy="415266"/>
+            <a:off x="3853595" y="4580765"/>
+            <a:ext cx="910237" cy="382483"/>
           </a:xfrm>
           <a:prstGeom prst="rect">
             <a:avLst/>
@@ -22837,7 +23139,7 @@
         </p:spPr>
         <p:txBody>
           <a:bodyPr vert="horz" lIns="91440" tIns="45720" rIns="91440" bIns="45720" rtlCol="0" anchor="ctr">
-            <a:normAutofit fontScale="62500" lnSpcReduction="20000"/>
+            <a:noAutofit/>
           </a:bodyPr>
           <a:lstStyle>
             <a:lvl1pPr algn="l" defTabSz="914400" rtl="0" eaLnBrk="1" latinLnBrk="1" hangingPunct="1">
@@ -22860,218 +23162,101 @@
           </a:lstStyle>
           <a:p>
             <a:r>
-              <a:rPr lang="ko-KR" altLang="en-US" dirty="0"/>
-              <a:t>이메일</a:t>
+              <a:rPr lang="ko-KR" altLang="en-US" sz="1400" dirty="0" err="1">
+                <a:solidFill>
+                  <a:srgbClr val="FF0000"/>
+                </a:solidFill>
+              </a:rPr>
+              <a:t>잘문삭제</a:t>
             </a:r>
+            <a:endParaRPr lang="ko-KR" altLang="en-US" sz="1400" dirty="0">
+              <a:solidFill>
+                <a:srgbClr val="FF0000"/>
+              </a:solidFill>
+            </a:endParaRPr>
           </a:p>
         </p:txBody>
       </p:sp>
-      <p:sp>
-        <p:nvSpPr>
-          <p:cNvPr id="10" name="제목 1">
+      <p:cxnSp>
+        <p:nvCxnSpPr>
+          <p:cNvPr id="16" name="직선 연결선 15">
             <a:extLst>
               <a:ext uri="{FF2B5EF4-FFF2-40B4-BE49-F238E27FC236}">
-                <a16:creationId xmlns:a16="http://schemas.microsoft.com/office/drawing/2014/main" id="{71FEB0CE-4681-4730-C0A5-4DE1986BABC2}"/>
+                <a16:creationId xmlns:a16="http://schemas.microsoft.com/office/drawing/2014/main" id="{EA716D64-61B2-75A1-FBE7-89F99B407D04}"/>
               </a:ext>
             </a:extLst>
           </p:cNvPr>
-          <p:cNvSpPr txBox="1">
-            <a:spLocks/>
-          </p:cNvSpPr>
+          <p:cNvCxnSpPr>
+            <a:cxnSpLocks/>
+          </p:cNvCxnSpPr>
           <p:nvPr/>
-        </p:nvSpPr>
+        </p:nvCxnSpPr>
         <p:spPr>
           <a:xfrm>
-            <a:off x="5825697" y="3429000"/>
-            <a:ext cx="1889194" cy="415266"/>
+            <a:off x="2292054" y="4768948"/>
+            <a:ext cx="1561541" cy="0"/>
           </a:xfrm>
-          <a:prstGeom prst="rect">
-            <a:avLst/>
-          </a:prstGeom>
-        </p:spPr>
-        <p:txBody>
-          <a:bodyPr vert="horz" lIns="91440" tIns="45720" rIns="91440" bIns="45720" rtlCol="0" anchor="ctr">
-            <a:normAutofit fontScale="62500" lnSpcReduction="20000"/>
-          </a:bodyPr>
-          <a:lstStyle>
-            <a:lvl1pPr algn="l" defTabSz="914400" rtl="0" eaLnBrk="1" latinLnBrk="1" hangingPunct="1">
-              <a:lnSpc>
-                <a:spcPct val="90000"/>
-              </a:lnSpc>
-              <a:spcBef>
-                <a:spcPct val="0"/>
-              </a:spcBef>
-              <a:buNone/>
-              <a:defRPr sz="4400" kern="1200">
-                <a:solidFill>
-                  <a:schemeClr val="tx1"/>
-                </a:solidFill>
-                <a:latin typeface="+mj-lt"/>
-                <a:ea typeface="+mj-ea"/>
-                <a:cs typeface="+mj-cs"/>
-              </a:defRPr>
-            </a:lvl1pPr>
-          </a:lstStyle>
-          <a:p>
-            <a:r>
-              <a:rPr lang="ko-KR" altLang="en-US" dirty="0"/>
-              <a:t>전화번호</a:t>
-            </a:r>
-          </a:p>
-        </p:txBody>
-      </p:sp>
-      <p:sp>
-        <p:nvSpPr>
-          <p:cNvPr id="22" name="사각형: 둥근 모서리 21">
-            <a:extLst>
-              <a:ext uri="{FF2B5EF4-FFF2-40B4-BE49-F238E27FC236}">
-                <a16:creationId xmlns:a16="http://schemas.microsoft.com/office/drawing/2014/main" id="{13A51523-36DF-474F-2077-437108E76015}"/>
-              </a:ext>
-            </a:extLst>
-          </p:cNvPr>
-          <p:cNvSpPr/>
-          <p:nvPr/>
-        </p:nvSpPr>
-        <p:spPr>
-          <a:xfrm>
-            <a:off x="4413841" y="3372090"/>
-            <a:ext cx="891396" cy="529086"/>
-          </a:xfrm>
-          <a:prstGeom prst="roundRect">
+          <a:prstGeom prst="line">
             <a:avLst/>
           </a:prstGeom>
         </p:spPr>
         <p:style>
           <a:lnRef idx="2">
-            <a:schemeClr val="accent1">
-              <a:shade val="15000"/>
-            </a:schemeClr>
+            <a:schemeClr val="accent1"/>
           </a:lnRef>
-          <a:fillRef idx="1">
+          <a:fillRef idx="0">
             <a:schemeClr val="accent1"/>
           </a:fillRef>
-          <a:effectRef idx="0">
+          <a:effectRef idx="1">
             <a:schemeClr val="accent1"/>
           </a:effectRef>
           <a:fontRef idx="minor">
-            <a:schemeClr val="lt1"/>
+            <a:schemeClr val="tx1"/>
           </a:fontRef>
         </p:style>
-        <p:txBody>
-          <a:bodyPr rtlCol="0" anchor="ctr"/>
-          <a:lstStyle/>
-          <a:p>
-            <a:pPr algn="ctr"/>
-            <a:r>
-              <a:rPr lang="ko-KR" altLang="en-US" sz="1200" dirty="0"/>
-              <a:t>전화번호</a:t>
-            </a:r>
-          </a:p>
-        </p:txBody>
-      </p:sp>
-      <p:sp>
-        <p:nvSpPr>
-          <p:cNvPr id="23" name="사각형: 둥근 모서리 22">
+      </p:cxnSp>
+      <p:cxnSp>
+        <p:nvCxnSpPr>
+          <p:cNvPr id="17" name="직선 연결선 16">
             <a:extLst>
               <a:ext uri="{FF2B5EF4-FFF2-40B4-BE49-F238E27FC236}">
-                <a16:creationId xmlns:a16="http://schemas.microsoft.com/office/drawing/2014/main" id="{26B170D7-B0ED-912E-6394-BF79702372CD}"/>
+                <a16:creationId xmlns:a16="http://schemas.microsoft.com/office/drawing/2014/main" id="{AD5C1F78-E2CD-CD73-560A-B925530D9A76}"/>
               </a:ext>
             </a:extLst>
           </p:cNvPr>
-          <p:cNvSpPr/>
+          <p:cNvCxnSpPr>
+            <a:cxnSpLocks/>
+          </p:cNvCxnSpPr>
           <p:nvPr/>
-        </p:nvSpPr>
+        </p:nvCxnSpPr>
         <p:spPr>
           <a:xfrm>
-            <a:off x="5061204" y="4799122"/>
-            <a:ext cx="891396" cy="529086"/>
+            <a:off x="4763832" y="4768948"/>
+            <a:ext cx="1559180" cy="0"/>
           </a:xfrm>
-          <a:prstGeom prst="roundRect">
+          <a:prstGeom prst="line">
             <a:avLst/>
           </a:prstGeom>
         </p:spPr>
         <p:style>
           <a:lnRef idx="2">
-            <a:schemeClr val="accent1">
-              <a:shade val="15000"/>
-            </a:schemeClr>
+            <a:schemeClr val="accent1"/>
           </a:lnRef>
-          <a:fillRef idx="1">
+          <a:fillRef idx="0">
             <a:schemeClr val="accent1"/>
           </a:fillRef>
-          <a:effectRef idx="0">
+          <a:effectRef idx="1">
             <a:schemeClr val="accent1"/>
           </a:effectRef>
           <a:fontRef idx="minor">
-            <a:schemeClr val="lt1"/>
+            <a:schemeClr val="tx1"/>
           </a:fontRef>
         </p:style>
-        <p:txBody>
-          <a:bodyPr rtlCol="0" anchor="ctr"/>
-          <a:lstStyle/>
-          <a:p>
-            <a:pPr algn="ctr"/>
-            <a:r>
-              <a:rPr lang="ko-KR" altLang="en-US" sz="1200"/>
-              <a:t>수정하기</a:t>
-            </a:r>
-            <a:endParaRPr lang="ko-KR" altLang="en-US" sz="1200" dirty="0"/>
-          </a:p>
-        </p:txBody>
-      </p:sp>
-      <p:sp>
-        <p:nvSpPr>
-          <p:cNvPr id="24" name="사각형: 둥근 모서리 23">
-            <a:extLst>
-              <a:ext uri="{FF2B5EF4-FFF2-40B4-BE49-F238E27FC236}">
-                <a16:creationId xmlns:a16="http://schemas.microsoft.com/office/drawing/2014/main" id="{A4C83E38-CC83-E43E-ADC2-2B72787ECE3A}"/>
-              </a:ext>
-            </a:extLst>
-          </p:cNvPr>
-          <p:cNvSpPr/>
-          <p:nvPr/>
-        </p:nvSpPr>
-        <p:spPr>
-          <a:xfrm>
-            <a:off x="6324596" y="4790838"/>
-            <a:ext cx="891396" cy="529086"/>
-          </a:xfrm>
-          <a:prstGeom prst="roundRect">
-            <a:avLst/>
-          </a:prstGeom>
-        </p:spPr>
-        <p:style>
-          <a:lnRef idx="2">
-            <a:schemeClr val="accent1">
-              <a:shade val="15000"/>
-            </a:schemeClr>
-          </a:lnRef>
-          <a:fillRef idx="1">
-            <a:schemeClr val="accent1"/>
-          </a:fillRef>
-          <a:effectRef idx="0">
-            <a:schemeClr val="accent1"/>
-          </a:effectRef>
-          <a:fontRef idx="minor">
-            <a:schemeClr val="lt1"/>
-          </a:fontRef>
-        </p:style>
-        <p:txBody>
-          <a:bodyPr rtlCol="0" anchor="ctr"/>
-          <a:lstStyle/>
-          <a:p>
-            <a:pPr algn="ctr"/>
-            <a:r>
-              <a:rPr lang="ko-KR" altLang="en-US" sz="1200" dirty="0"/>
-              <a:t>히스토리</a:t>
-            </a:r>
-          </a:p>
-        </p:txBody>
-      </p:sp>
+      </p:cxnSp>
     </p:spTree>
     <p:extLst>
       <p:ext uri="{BB962C8B-B14F-4D97-AF65-F5344CB8AC3E}">
-        <p14:creationId xmlns:p14="http://schemas.microsoft.com/office/powerpoint/2010/main" val="3203314519"/>
+        <p14:creationId xmlns:p14="http://schemas.microsoft.com/office/powerpoint/2010/main" val="883805256"/>
       </p:ext>
     </p:extLst>
   </p:cSld>
@@ -23122,23 +23307,23 @@
         </p:nvSpPr>
         <p:spPr>
           <a:xfrm>
-            <a:off x="228601" y="418459"/>
-            <a:ext cx="3736496" cy="512659"/>
+            <a:off x="228600" y="418459"/>
+            <a:ext cx="5606591" cy="512659"/>
           </a:xfrm>
         </p:spPr>
         <p:txBody>
           <a:bodyPr>
-            <a:normAutofit fontScale="90000"/>
+            <a:normAutofit/>
           </a:bodyPr>
           <a:lstStyle/>
           <a:p>
             <a:r>
               <a:rPr lang="ko-KR" altLang="en-US" sz="2800" dirty="0"/>
-              <a:t>분야별 후기</a:t>
+              <a:t>분야별 후기 리스트</a:t>
             </a:r>
             <a:r>
               <a:rPr lang="en-US" altLang="ko-KR" sz="2800" dirty="0"/>
-              <a:t>(review.xml)</a:t>
+              <a:t>(reviewList.xml)</a:t>
             </a:r>
             <a:endParaRPr lang="ko-KR" altLang="en-US" sz="2800" dirty="0"/>
           </a:p>
@@ -23191,6 +23376,1951 @@
           <a:lstStyle/>
           <a:p>
             <a:pPr algn="ctr"/>
+            <a:endParaRPr lang="ko-KR" altLang="en-US" dirty="0"/>
+          </a:p>
+        </p:txBody>
+      </p:sp>
+      <p:sp>
+        <p:nvSpPr>
+          <p:cNvPr id="12" name="사각형: 둥근 모서리 11">
+            <a:extLst>
+              <a:ext uri="{FF2B5EF4-FFF2-40B4-BE49-F238E27FC236}">
+                <a16:creationId xmlns:a16="http://schemas.microsoft.com/office/drawing/2014/main" id="{DD208867-ED2B-0AF2-75ED-199433BFDAA4}"/>
+              </a:ext>
+            </a:extLst>
+          </p:cNvPr>
+          <p:cNvSpPr/>
+          <p:nvPr/>
+        </p:nvSpPr>
+        <p:spPr>
+          <a:xfrm>
+            <a:off x="4801869" y="1652885"/>
+            <a:ext cx="2861383" cy="345057"/>
+          </a:xfrm>
+          <a:prstGeom prst="roundRect">
+            <a:avLst/>
+          </a:prstGeom>
+        </p:spPr>
+        <p:style>
+          <a:lnRef idx="2">
+            <a:schemeClr val="accent1">
+              <a:shade val="15000"/>
+            </a:schemeClr>
+          </a:lnRef>
+          <a:fillRef idx="1">
+            <a:schemeClr val="accent1"/>
+          </a:fillRef>
+          <a:effectRef idx="0">
+            <a:schemeClr val="accent1"/>
+          </a:effectRef>
+          <a:fontRef idx="minor">
+            <a:schemeClr val="lt1"/>
+          </a:fontRef>
+        </p:style>
+        <p:txBody>
+          <a:bodyPr rtlCol="0" anchor="ctr"/>
+          <a:lstStyle/>
+          <a:p>
+            <a:r>
+              <a:rPr lang="ko-KR" altLang="en-US" dirty="0"/>
+              <a:t>후기 제목</a:t>
+            </a:r>
+          </a:p>
+        </p:txBody>
+      </p:sp>
+      <p:sp>
+        <p:nvSpPr>
+          <p:cNvPr id="10" name="사각형: 둥근 모서리 9">
+            <a:extLst>
+              <a:ext uri="{FF2B5EF4-FFF2-40B4-BE49-F238E27FC236}">
+                <a16:creationId xmlns:a16="http://schemas.microsoft.com/office/drawing/2014/main" id="{41BDF2E9-1CD7-AD3B-3B16-7005602D07A2}"/>
+              </a:ext>
+            </a:extLst>
+          </p:cNvPr>
+          <p:cNvSpPr/>
+          <p:nvPr/>
+        </p:nvSpPr>
+        <p:spPr>
+          <a:xfrm>
+            <a:off x="7236754" y="942933"/>
+            <a:ext cx="852996" cy="408892"/>
+          </a:xfrm>
+          <a:prstGeom prst="roundRect">
+            <a:avLst/>
+          </a:prstGeom>
+        </p:spPr>
+        <p:style>
+          <a:lnRef idx="2">
+            <a:schemeClr val="accent1">
+              <a:shade val="15000"/>
+            </a:schemeClr>
+          </a:lnRef>
+          <a:fillRef idx="1">
+            <a:schemeClr val="accent1"/>
+          </a:fillRef>
+          <a:effectRef idx="0">
+            <a:schemeClr val="accent1"/>
+          </a:effectRef>
+          <a:fontRef idx="minor">
+            <a:schemeClr val="lt1"/>
+          </a:fontRef>
+        </p:style>
+        <p:txBody>
+          <a:bodyPr rtlCol="0" anchor="ctr"/>
+          <a:lstStyle/>
+          <a:p>
+            <a:pPr algn="ctr"/>
+            <a:r>
+              <a:rPr lang="ko-KR" altLang="en-US" sz="1200" dirty="0"/>
+              <a:t>추가하기</a:t>
+            </a:r>
+          </a:p>
+        </p:txBody>
+      </p:sp>
+      <p:sp>
+        <p:nvSpPr>
+          <p:cNvPr id="4" name="화살표: 왼쪽 3">
+            <a:extLst>
+              <a:ext uri="{FF2B5EF4-FFF2-40B4-BE49-F238E27FC236}">
+                <a16:creationId xmlns:a16="http://schemas.microsoft.com/office/drawing/2014/main" id="{B7AC47E5-A2FE-6146-C10D-C4BEC9ACD76F}"/>
+              </a:ext>
+            </a:extLst>
+          </p:cNvPr>
+          <p:cNvSpPr/>
+          <p:nvPr/>
+        </p:nvSpPr>
+        <p:spPr>
+          <a:xfrm>
+            <a:off x="4313716" y="931118"/>
+            <a:ext cx="391065" cy="345057"/>
+          </a:xfrm>
+          <a:prstGeom prst="leftArrow">
+            <a:avLst/>
+          </a:prstGeom>
+        </p:spPr>
+        <p:style>
+          <a:lnRef idx="2">
+            <a:schemeClr val="accent1">
+              <a:shade val="15000"/>
+            </a:schemeClr>
+          </a:lnRef>
+          <a:fillRef idx="1">
+            <a:schemeClr val="accent1"/>
+          </a:fillRef>
+          <a:effectRef idx="0">
+            <a:schemeClr val="accent1"/>
+          </a:effectRef>
+          <a:fontRef idx="minor">
+            <a:schemeClr val="lt1"/>
+          </a:fontRef>
+        </p:style>
+        <p:txBody>
+          <a:bodyPr rtlCol="0" anchor="ctr"/>
+          <a:lstStyle/>
+          <a:p>
+            <a:pPr algn="ctr"/>
+            <a:endParaRPr lang="ko-KR" altLang="en-US"/>
+          </a:p>
+        </p:txBody>
+      </p:sp>
+      <p:sp>
+        <p:nvSpPr>
+          <p:cNvPr id="6" name="사각형: 둥근 모서리 5">
+            <a:extLst>
+              <a:ext uri="{FF2B5EF4-FFF2-40B4-BE49-F238E27FC236}">
+                <a16:creationId xmlns:a16="http://schemas.microsoft.com/office/drawing/2014/main" id="{FB3CA761-F320-EA2A-AB57-F0E7B315EBF8}"/>
+              </a:ext>
+            </a:extLst>
+          </p:cNvPr>
+          <p:cNvSpPr/>
+          <p:nvPr/>
+        </p:nvSpPr>
+        <p:spPr>
+          <a:xfrm>
+            <a:off x="4789180" y="2075607"/>
+            <a:ext cx="2861383" cy="345057"/>
+          </a:xfrm>
+          <a:prstGeom prst="roundRect">
+            <a:avLst/>
+          </a:prstGeom>
+        </p:spPr>
+        <p:style>
+          <a:lnRef idx="2">
+            <a:schemeClr val="accent1">
+              <a:shade val="15000"/>
+            </a:schemeClr>
+          </a:lnRef>
+          <a:fillRef idx="1">
+            <a:schemeClr val="accent1"/>
+          </a:fillRef>
+          <a:effectRef idx="0">
+            <a:schemeClr val="accent1"/>
+          </a:effectRef>
+          <a:fontRef idx="minor">
+            <a:schemeClr val="lt1"/>
+          </a:fontRef>
+        </p:style>
+        <p:txBody>
+          <a:bodyPr rtlCol="0" anchor="ctr"/>
+          <a:lstStyle/>
+          <a:p>
+            <a:r>
+              <a:rPr lang="ko-KR" altLang="en-US" dirty="0"/>
+              <a:t>후기 제목</a:t>
+            </a:r>
+          </a:p>
+        </p:txBody>
+      </p:sp>
+      <p:sp>
+        <p:nvSpPr>
+          <p:cNvPr id="16" name="제목 1">
+            <a:extLst>
+              <a:ext uri="{FF2B5EF4-FFF2-40B4-BE49-F238E27FC236}">
+                <a16:creationId xmlns:a16="http://schemas.microsoft.com/office/drawing/2014/main" id="{1E172802-3302-DF5E-334E-D18A1282CC5A}"/>
+              </a:ext>
+            </a:extLst>
+          </p:cNvPr>
+          <p:cNvSpPr txBox="1">
+            <a:spLocks/>
+          </p:cNvSpPr>
+          <p:nvPr/>
+        </p:nvSpPr>
+        <p:spPr>
+          <a:xfrm>
+            <a:off x="7123365" y="1557467"/>
+            <a:ext cx="499148" cy="529086"/>
+          </a:xfrm>
+          <a:prstGeom prst="rect">
+            <a:avLst/>
+          </a:prstGeom>
+        </p:spPr>
+        <p:txBody>
+          <a:bodyPr vert="horz" lIns="91440" tIns="45720" rIns="91440" bIns="45720" rtlCol="0" anchor="ctr">
+            <a:normAutofit fontScale="97500"/>
+          </a:bodyPr>
+          <a:lstStyle>
+            <a:lvl1pPr algn="l" defTabSz="914400" rtl="0" eaLnBrk="1" latinLnBrk="1" hangingPunct="1">
+              <a:lnSpc>
+                <a:spcPct val="90000"/>
+              </a:lnSpc>
+              <a:spcBef>
+                <a:spcPct val="0"/>
+              </a:spcBef>
+              <a:buNone/>
+              <a:defRPr sz="4400" kern="1200">
+                <a:solidFill>
+                  <a:schemeClr val="tx1"/>
+                </a:solidFill>
+                <a:latin typeface="+mj-lt"/>
+                <a:ea typeface="+mj-ea"/>
+                <a:cs typeface="+mj-cs"/>
+              </a:defRPr>
+            </a:lvl1pPr>
+          </a:lstStyle>
+          <a:p>
+            <a:r>
+              <a:rPr lang="ko-KR" altLang="en-US" sz="1100" dirty="0">
+                <a:solidFill>
+                  <a:schemeClr val="bg1"/>
+                </a:solidFill>
+              </a:rPr>
+              <a:t>♥ </a:t>
+            </a:r>
+            <a:r>
+              <a:rPr lang="en-US" altLang="ko-KR" sz="1100" dirty="0">
+                <a:solidFill>
+                  <a:schemeClr val="bg1"/>
+                </a:solidFill>
+              </a:rPr>
+              <a:t>0</a:t>
+            </a:r>
+            <a:endParaRPr lang="ko-KR" altLang="en-US" sz="2800" dirty="0">
+              <a:solidFill>
+                <a:schemeClr val="bg1"/>
+              </a:solidFill>
+            </a:endParaRPr>
+          </a:p>
+        </p:txBody>
+      </p:sp>
+      <p:sp>
+        <p:nvSpPr>
+          <p:cNvPr id="21" name="제목 1">
+            <a:extLst>
+              <a:ext uri="{FF2B5EF4-FFF2-40B4-BE49-F238E27FC236}">
+                <a16:creationId xmlns:a16="http://schemas.microsoft.com/office/drawing/2014/main" id="{4292D2B3-A7A0-FE79-D9AA-2194459826A6}"/>
+              </a:ext>
+            </a:extLst>
+          </p:cNvPr>
+          <p:cNvSpPr txBox="1">
+            <a:spLocks/>
+          </p:cNvSpPr>
+          <p:nvPr/>
+        </p:nvSpPr>
+        <p:spPr>
+          <a:xfrm>
+            <a:off x="7125941" y="1961488"/>
+            <a:ext cx="499148" cy="529086"/>
+          </a:xfrm>
+          <a:prstGeom prst="rect">
+            <a:avLst/>
+          </a:prstGeom>
+        </p:spPr>
+        <p:txBody>
+          <a:bodyPr vert="horz" lIns="91440" tIns="45720" rIns="91440" bIns="45720" rtlCol="0" anchor="ctr">
+            <a:normAutofit fontScale="97500"/>
+          </a:bodyPr>
+          <a:lstStyle>
+            <a:lvl1pPr algn="l" defTabSz="914400" rtl="0" eaLnBrk="1" latinLnBrk="1" hangingPunct="1">
+              <a:lnSpc>
+                <a:spcPct val="90000"/>
+              </a:lnSpc>
+              <a:spcBef>
+                <a:spcPct val="0"/>
+              </a:spcBef>
+              <a:buNone/>
+              <a:defRPr sz="4400" kern="1200">
+                <a:solidFill>
+                  <a:schemeClr val="tx1"/>
+                </a:solidFill>
+                <a:latin typeface="+mj-lt"/>
+                <a:ea typeface="+mj-ea"/>
+                <a:cs typeface="+mj-cs"/>
+              </a:defRPr>
+            </a:lvl1pPr>
+          </a:lstStyle>
+          <a:p>
+            <a:r>
+              <a:rPr lang="ko-KR" altLang="en-US" sz="1100" dirty="0">
+                <a:solidFill>
+                  <a:schemeClr val="bg1"/>
+                </a:solidFill>
+              </a:rPr>
+              <a:t>♥ </a:t>
+            </a:r>
+            <a:r>
+              <a:rPr lang="en-US" altLang="ko-KR" sz="1100" dirty="0">
+                <a:solidFill>
+                  <a:schemeClr val="bg1"/>
+                </a:solidFill>
+              </a:rPr>
+              <a:t>0</a:t>
+            </a:r>
+            <a:endParaRPr lang="ko-KR" altLang="en-US" sz="2800" dirty="0">
+              <a:solidFill>
+                <a:schemeClr val="bg1"/>
+              </a:solidFill>
+            </a:endParaRPr>
+          </a:p>
+        </p:txBody>
+      </p:sp>
+      <p:sp>
+        <p:nvSpPr>
+          <p:cNvPr id="31" name="사각형: 둥근 모서리 30">
+            <a:extLst>
+              <a:ext uri="{FF2B5EF4-FFF2-40B4-BE49-F238E27FC236}">
+                <a16:creationId xmlns:a16="http://schemas.microsoft.com/office/drawing/2014/main" id="{45646552-F359-82BC-D75F-8E7A10FA3A6C}"/>
+              </a:ext>
+            </a:extLst>
+          </p:cNvPr>
+          <p:cNvSpPr/>
+          <p:nvPr/>
+        </p:nvSpPr>
+        <p:spPr>
+          <a:xfrm>
+            <a:off x="4801869" y="2483032"/>
+            <a:ext cx="2861383" cy="345057"/>
+          </a:xfrm>
+          <a:prstGeom prst="roundRect">
+            <a:avLst/>
+          </a:prstGeom>
+        </p:spPr>
+        <p:style>
+          <a:lnRef idx="2">
+            <a:schemeClr val="accent1">
+              <a:shade val="15000"/>
+            </a:schemeClr>
+          </a:lnRef>
+          <a:fillRef idx="1">
+            <a:schemeClr val="accent1"/>
+          </a:fillRef>
+          <a:effectRef idx="0">
+            <a:schemeClr val="accent1"/>
+          </a:effectRef>
+          <a:fontRef idx="minor">
+            <a:schemeClr val="lt1"/>
+          </a:fontRef>
+        </p:style>
+        <p:txBody>
+          <a:bodyPr rtlCol="0" anchor="ctr"/>
+          <a:lstStyle/>
+          <a:p>
+            <a:r>
+              <a:rPr lang="ko-KR" altLang="en-US" dirty="0"/>
+              <a:t>후기 제목</a:t>
+            </a:r>
+          </a:p>
+        </p:txBody>
+      </p:sp>
+      <p:sp>
+        <p:nvSpPr>
+          <p:cNvPr id="32" name="사각형: 둥근 모서리 31">
+            <a:extLst>
+              <a:ext uri="{FF2B5EF4-FFF2-40B4-BE49-F238E27FC236}">
+                <a16:creationId xmlns:a16="http://schemas.microsoft.com/office/drawing/2014/main" id="{AC2BC182-C770-1487-C2A9-A77636552394}"/>
+              </a:ext>
+            </a:extLst>
+          </p:cNvPr>
+          <p:cNvSpPr/>
+          <p:nvPr/>
+        </p:nvSpPr>
+        <p:spPr>
+          <a:xfrm>
+            <a:off x="4789180" y="2905754"/>
+            <a:ext cx="2861383" cy="345057"/>
+          </a:xfrm>
+          <a:prstGeom prst="roundRect">
+            <a:avLst/>
+          </a:prstGeom>
+        </p:spPr>
+        <p:style>
+          <a:lnRef idx="2">
+            <a:schemeClr val="accent1">
+              <a:shade val="15000"/>
+            </a:schemeClr>
+          </a:lnRef>
+          <a:fillRef idx="1">
+            <a:schemeClr val="accent1"/>
+          </a:fillRef>
+          <a:effectRef idx="0">
+            <a:schemeClr val="accent1"/>
+          </a:effectRef>
+          <a:fontRef idx="minor">
+            <a:schemeClr val="lt1"/>
+          </a:fontRef>
+        </p:style>
+        <p:txBody>
+          <a:bodyPr rtlCol="0" anchor="ctr"/>
+          <a:lstStyle/>
+          <a:p>
+            <a:r>
+              <a:rPr lang="ko-KR" altLang="en-US" dirty="0"/>
+              <a:t>후기 제목</a:t>
+            </a:r>
+          </a:p>
+        </p:txBody>
+      </p:sp>
+      <p:sp>
+        <p:nvSpPr>
+          <p:cNvPr id="33" name="제목 1">
+            <a:extLst>
+              <a:ext uri="{FF2B5EF4-FFF2-40B4-BE49-F238E27FC236}">
+                <a16:creationId xmlns:a16="http://schemas.microsoft.com/office/drawing/2014/main" id="{829658F0-7A76-23EE-1FDC-82D35046571A}"/>
+              </a:ext>
+            </a:extLst>
+          </p:cNvPr>
+          <p:cNvSpPr txBox="1">
+            <a:spLocks/>
+          </p:cNvSpPr>
+          <p:nvPr/>
+        </p:nvSpPr>
+        <p:spPr>
+          <a:xfrm>
+            <a:off x="7123365" y="2387614"/>
+            <a:ext cx="499148" cy="529086"/>
+          </a:xfrm>
+          <a:prstGeom prst="rect">
+            <a:avLst/>
+          </a:prstGeom>
+        </p:spPr>
+        <p:txBody>
+          <a:bodyPr vert="horz" lIns="91440" tIns="45720" rIns="91440" bIns="45720" rtlCol="0" anchor="ctr">
+            <a:normAutofit fontScale="97500"/>
+          </a:bodyPr>
+          <a:lstStyle>
+            <a:lvl1pPr algn="l" defTabSz="914400" rtl="0" eaLnBrk="1" latinLnBrk="1" hangingPunct="1">
+              <a:lnSpc>
+                <a:spcPct val="90000"/>
+              </a:lnSpc>
+              <a:spcBef>
+                <a:spcPct val="0"/>
+              </a:spcBef>
+              <a:buNone/>
+              <a:defRPr sz="4400" kern="1200">
+                <a:solidFill>
+                  <a:schemeClr val="tx1"/>
+                </a:solidFill>
+                <a:latin typeface="+mj-lt"/>
+                <a:ea typeface="+mj-ea"/>
+                <a:cs typeface="+mj-cs"/>
+              </a:defRPr>
+            </a:lvl1pPr>
+          </a:lstStyle>
+          <a:p>
+            <a:r>
+              <a:rPr lang="ko-KR" altLang="en-US" sz="1100" dirty="0">
+                <a:solidFill>
+                  <a:schemeClr val="bg1"/>
+                </a:solidFill>
+              </a:rPr>
+              <a:t>♥ </a:t>
+            </a:r>
+            <a:r>
+              <a:rPr lang="en-US" altLang="ko-KR" sz="1100" dirty="0">
+                <a:solidFill>
+                  <a:schemeClr val="bg1"/>
+                </a:solidFill>
+              </a:rPr>
+              <a:t>0</a:t>
+            </a:r>
+            <a:endParaRPr lang="ko-KR" altLang="en-US" sz="2800" dirty="0">
+              <a:solidFill>
+                <a:schemeClr val="bg1"/>
+              </a:solidFill>
+            </a:endParaRPr>
+          </a:p>
+        </p:txBody>
+      </p:sp>
+      <p:sp>
+        <p:nvSpPr>
+          <p:cNvPr id="34" name="제목 1">
+            <a:extLst>
+              <a:ext uri="{FF2B5EF4-FFF2-40B4-BE49-F238E27FC236}">
+                <a16:creationId xmlns:a16="http://schemas.microsoft.com/office/drawing/2014/main" id="{95070ADB-93D2-2E0D-7601-D1C72DFFBB36}"/>
+              </a:ext>
+            </a:extLst>
+          </p:cNvPr>
+          <p:cNvSpPr txBox="1">
+            <a:spLocks/>
+          </p:cNvSpPr>
+          <p:nvPr/>
+        </p:nvSpPr>
+        <p:spPr>
+          <a:xfrm>
+            <a:off x="7125941" y="2791635"/>
+            <a:ext cx="499148" cy="529086"/>
+          </a:xfrm>
+          <a:prstGeom prst="rect">
+            <a:avLst/>
+          </a:prstGeom>
+        </p:spPr>
+        <p:txBody>
+          <a:bodyPr vert="horz" lIns="91440" tIns="45720" rIns="91440" bIns="45720" rtlCol="0" anchor="ctr">
+            <a:normAutofit fontScale="97500"/>
+          </a:bodyPr>
+          <a:lstStyle>
+            <a:lvl1pPr algn="l" defTabSz="914400" rtl="0" eaLnBrk="1" latinLnBrk="1" hangingPunct="1">
+              <a:lnSpc>
+                <a:spcPct val="90000"/>
+              </a:lnSpc>
+              <a:spcBef>
+                <a:spcPct val="0"/>
+              </a:spcBef>
+              <a:buNone/>
+              <a:defRPr sz="4400" kern="1200">
+                <a:solidFill>
+                  <a:schemeClr val="tx1"/>
+                </a:solidFill>
+                <a:latin typeface="+mj-lt"/>
+                <a:ea typeface="+mj-ea"/>
+                <a:cs typeface="+mj-cs"/>
+              </a:defRPr>
+            </a:lvl1pPr>
+          </a:lstStyle>
+          <a:p>
+            <a:r>
+              <a:rPr lang="ko-KR" altLang="en-US" sz="1100" dirty="0">
+                <a:solidFill>
+                  <a:schemeClr val="bg1"/>
+                </a:solidFill>
+              </a:rPr>
+              <a:t>♥ </a:t>
+            </a:r>
+            <a:r>
+              <a:rPr lang="en-US" altLang="ko-KR" sz="1100" dirty="0">
+                <a:solidFill>
+                  <a:schemeClr val="bg1"/>
+                </a:solidFill>
+              </a:rPr>
+              <a:t>0</a:t>
+            </a:r>
+            <a:endParaRPr lang="ko-KR" altLang="en-US" sz="2800" dirty="0">
+              <a:solidFill>
+                <a:schemeClr val="bg1"/>
+              </a:solidFill>
+            </a:endParaRPr>
+          </a:p>
+        </p:txBody>
+      </p:sp>
+      <p:sp>
+        <p:nvSpPr>
+          <p:cNvPr id="35" name="사각형: 둥근 모서리 34">
+            <a:extLst>
+              <a:ext uri="{FF2B5EF4-FFF2-40B4-BE49-F238E27FC236}">
+                <a16:creationId xmlns:a16="http://schemas.microsoft.com/office/drawing/2014/main" id="{BBA8E4E6-CBAA-92A3-39C0-0D7C634BBAF8}"/>
+              </a:ext>
+            </a:extLst>
+          </p:cNvPr>
+          <p:cNvSpPr/>
+          <p:nvPr/>
+        </p:nvSpPr>
+        <p:spPr>
+          <a:xfrm>
+            <a:off x="4789180" y="3313179"/>
+            <a:ext cx="2861383" cy="345057"/>
+          </a:xfrm>
+          <a:prstGeom prst="roundRect">
+            <a:avLst/>
+          </a:prstGeom>
+        </p:spPr>
+        <p:style>
+          <a:lnRef idx="2">
+            <a:schemeClr val="accent1">
+              <a:shade val="15000"/>
+            </a:schemeClr>
+          </a:lnRef>
+          <a:fillRef idx="1">
+            <a:schemeClr val="accent1"/>
+          </a:fillRef>
+          <a:effectRef idx="0">
+            <a:schemeClr val="accent1"/>
+          </a:effectRef>
+          <a:fontRef idx="minor">
+            <a:schemeClr val="lt1"/>
+          </a:fontRef>
+        </p:style>
+        <p:txBody>
+          <a:bodyPr rtlCol="0" anchor="ctr"/>
+          <a:lstStyle/>
+          <a:p>
+            <a:r>
+              <a:rPr lang="ko-KR" altLang="en-US" dirty="0"/>
+              <a:t>후기 제목</a:t>
+            </a:r>
+          </a:p>
+        </p:txBody>
+      </p:sp>
+      <p:sp>
+        <p:nvSpPr>
+          <p:cNvPr id="36" name="사각형: 둥근 모서리 35">
+            <a:extLst>
+              <a:ext uri="{FF2B5EF4-FFF2-40B4-BE49-F238E27FC236}">
+                <a16:creationId xmlns:a16="http://schemas.microsoft.com/office/drawing/2014/main" id="{C2F7A5EE-880A-1B26-6550-46E0FE44050F}"/>
+              </a:ext>
+            </a:extLst>
+          </p:cNvPr>
+          <p:cNvSpPr/>
+          <p:nvPr/>
+        </p:nvSpPr>
+        <p:spPr>
+          <a:xfrm>
+            <a:off x="4776491" y="3735901"/>
+            <a:ext cx="2861383" cy="345057"/>
+          </a:xfrm>
+          <a:prstGeom prst="roundRect">
+            <a:avLst/>
+          </a:prstGeom>
+        </p:spPr>
+        <p:style>
+          <a:lnRef idx="2">
+            <a:schemeClr val="accent1">
+              <a:shade val="15000"/>
+            </a:schemeClr>
+          </a:lnRef>
+          <a:fillRef idx="1">
+            <a:schemeClr val="accent1"/>
+          </a:fillRef>
+          <a:effectRef idx="0">
+            <a:schemeClr val="accent1"/>
+          </a:effectRef>
+          <a:fontRef idx="minor">
+            <a:schemeClr val="lt1"/>
+          </a:fontRef>
+        </p:style>
+        <p:txBody>
+          <a:bodyPr rtlCol="0" anchor="ctr"/>
+          <a:lstStyle/>
+          <a:p>
+            <a:r>
+              <a:rPr lang="ko-KR" altLang="en-US" dirty="0"/>
+              <a:t>후기 제목</a:t>
+            </a:r>
+          </a:p>
+        </p:txBody>
+      </p:sp>
+      <p:sp>
+        <p:nvSpPr>
+          <p:cNvPr id="37" name="제목 1">
+            <a:extLst>
+              <a:ext uri="{FF2B5EF4-FFF2-40B4-BE49-F238E27FC236}">
+                <a16:creationId xmlns:a16="http://schemas.microsoft.com/office/drawing/2014/main" id="{6145C123-56E0-F45A-3FBB-7A1B82317A0E}"/>
+              </a:ext>
+            </a:extLst>
+          </p:cNvPr>
+          <p:cNvSpPr txBox="1">
+            <a:spLocks/>
+          </p:cNvSpPr>
+          <p:nvPr/>
+        </p:nvSpPr>
+        <p:spPr>
+          <a:xfrm>
+            <a:off x="7110676" y="3217761"/>
+            <a:ext cx="499148" cy="529086"/>
+          </a:xfrm>
+          <a:prstGeom prst="rect">
+            <a:avLst/>
+          </a:prstGeom>
+        </p:spPr>
+        <p:txBody>
+          <a:bodyPr vert="horz" lIns="91440" tIns="45720" rIns="91440" bIns="45720" rtlCol="0" anchor="ctr">
+            <a:normAutofit fontScale="97500"/>
+          </a:bodyPr>
+          <a:lstStyle>
+            <a:lvl1pPr algn="l" defTabSz="914400" rtl="0" eaLnBrk="1" latinLnBrk="1" hangingPunct="1">
+              <a:lnSpc>
+                <a:spcPct val="90000"/>
+              </a:lnSpc>
+              <a:spcBef>
+                <a:spcPct val="0"/>
+              </a:spcBef>
+              <a:buNone/>
+              <a:defRPr sz="4400" kern="1200">
+                <a:solidFill>
+                  <a:schemeClr val="tx1"/>
+                </a:solidFill>
+                <a:latin typeface="+mj-lt"/>
+                <a:ea typeface="+mj-ea"/>
+                <a:cs typeface="+mj-cs"/>
+              </a:defRPr>
+            </a:lvl1pPr>
+          </a:lstStyle>
+          <a:p>
+            <a:r>
+              <a:rPr lang="ko-KR" altLang="en-US" sz="1100" dirty="0">
+                <a:solidFill>
+                  <a:schemeClr val="bg1"/>
+                </a:solidFill>
+              </a:rPr>
+              <a:t>♥ </a:t>
+            </a:r>
+            <a:r>
+              <a:rPr lang="en-US" altLang="ko-KR" sz="1100" dirty="0">
+                <a:solidFill>
+                  <a:schemeClr val="bg1"/>
+                </a:solidFill>
+              </a:rPr>
+              <a:t>0</a:t>
+            </a:r>
+            <a:endParaRPr lang="ko-KR" altLang="en-US" sz="2800" dirty="0">
+              <a:solidFill>
+                <a:schemeClr val="bg1"/>
+              </a:solidFill>
+            </a:endParaRPr>
+          </a:p>
+        </p:txBody>
+      </p:sp>
+      <p:sp>
+        <p:nvSpPr>
+          <p:cNvPr id="38" name="제목 1">
+            <a:extLst>
+              <a:ext uri="{FF2B5EF4-FFF2-40B4-BE49-F238E27FC236}">
+                <a16:creationId xmlns:a16="http://schemas.microsoft.com/office/drawing/2014/main" id="{7680ED23-A4F6-5F8A-FD3C-C7867A2B3791}"/>
+              </a:ext>
+            </a:extLst>
+          </p:cNvPr>
+          <p:cNvSpPr txBox="1">
+            <a:spLocks/>
+          </p:cNvSpPr>
+          <p:nvPr/>
+        </p:nvSpPr>
+        <p:spPr>
+          <a:xfrm>
+            <a:off x="7113252" y="3621782"/>
+            <a:ext cx="499148" cy="529086"/>
+          </a:xfrm>
+          <a:prstGeom prst="rect">
+            <a:avLst/>
+          </a:prstGeom>
+        </p:spPr>
+        <p:txBody>
+          <a:bodyPr vert="horz" lIns="91440" tIns="45720" rIns="91440" bIns="45720" rtlCol="0" anchor="ctr">
+            <a:normAutofit fontScale="97500"/>
+          </a:bodyPr>
+          <a:lstStyle>
+            <a:lvl1pPr algn="l" defTabSz="914400" rtl="0" eaLnBrk="1" latinLnBrk="1" hangingPunct="1">
+              <a:lnSpc>
+                <a:spcPct val="90000"/>
+              </a:lnSpc>
+              <a:spcBef>
+                <a:spcPct val="0"/>
+              </a:spcBef>
+              <a:buNone/>
+              <a:defRPr sz="4400" kern="1200">
+                <a:solidFill>
+                  <a:schemeClr val="tx1"/>
+                </a:solidFill>
+                <a:latin typeface="+mj-lt"/>
+                <a:ea typeface="+mj-ea"/>
+                <a:cs typeface="+mj-cs"/>
+              </a:defRPr>
+            </a:lvl1pPr>
+          </a:lstStyle>
+          <a:p>
+            <a:r>
+              <a:rPr lang="ko-KR" altLang="en-US" sz="1100" dirty="0">
+                <a:solidFill>
+                  <a:schemeClr val="bg1"/>
+                </a:solidFill>
+              </a:rPr>
+              <a:t>♥ </a:t>
+            </a:r>
+            <a:r>
+              <a:rPr lang="en-US" altLang="ko-KR" sz="1100" dirty="0">
+                <a:solidFill>
+                  <a:schemeClr val="bg1"/>
+                </a:solidFill>
+              </a:rPr>
+              <a:t>0</a:t>
+            </a:r>
+            <a:endParaRPr lang="ko-KR" altLang="en-US" sz="2800" dirty="0">
+              <a:solidFill>
+                <a:schemeClr val="bg1"/>
+              </a:solidFill>
+            </a:endParaRPr>
+          </a:p>
+        </p:txBody>
+      </p:sp>
+      <p:sp>
+        <p:nvSpPr>
+          <p:cNvPr id="39" name="사각형: 둥근 모서리 38">
+            <a:extLst>
+              <a:ext uri="{FF2B5EF4-FFF2-40B4-BE49-F238E27FC236}">
+                <a16:creationId xmlns:a16="http://schemas.microsoft.com/office/drawing/2014/main" id="{0019F26B-B5BF-E9A0-CEC5-F2A4DD2D976C}"/>
+              </a:ext>
+            </a:extLst>
+          </p:cNvPr>
+          <p:cNvSpPr/>
+          <p:nvPr/>
+        </p:nvSpPr>
+        <p:spPr>
+          <a:xfrm>
+            <a:off x="4789180" y="4143326"/>
+            <a:ext cx="2861383" cy="345057"/>
+          </a:xfrm>
+          <a:prstGeom prst="roundRect">
+            <a:avLst/>
+          </a:prstGeom>
+        </p:spPr>
+        <p:style>
+          <a:lnRef idx="2">
+            <a:schemeClr val="accent1">
+              <a:shade val="15000"/>
+            </a:schemeClr>
+          </a:lnRef>
+          <a:fillRef idx="1">
+            <a:schemeClr val="accent1"/>
+          </a:fillRef>
+          <a:effectRef idx="0">
+            <a:schemeClr val="accent1"/>
+          </a:effectRef>
+          <a:fontRef idx="minor">
+            <a:schemeClr val="lt1"/>
+          </a:fontRef>
+        </p:style>
+        <p:txBody>
+          <a:bodyPr rtlCol="0" anchor="ctr"/>
+          <a:lstStyle/>
+          <a:p>
+            <a:r>
+              <a:rPr lang="ko-KR" altLang="en-US" dirty="0"/>
+              <a:t>후기 제목</a:t>
+            </a:r>
+          </a:p>
+        </p:txBody>
+      </p:sp>
+      <p:sp>
+        <p:nvSpPr>
+          <p:cNvPr id="40" name="사각형: 둥근 모서리 39">
+            <a:extLst>
+              <a:ext uri="{FF2B5EF4-FFF2-40B4-BE49-F238E27FC236}">
+                <a16:creationId xmlns:a16="http://schemas.microsoft.com/office/drawing/2014/main" id="{9C6FBEC1-50C7-0F2C-2E8B-06833956F811}"/>
+              </a:ext>
+            </a:extLst>
+          </p:cNvPr>
+          <p:cNvSpPr/>
+          <p:nvPr/>
+        </p:nvSpPr>
+        <p:spPr>
+          <a:xfrm>
+            <a:off x="4776491" y="4566048"/>
+            <a:ext cx="2861383" cy="345057"/>
+          </a:xfrm>
+          <a:prstGeom prst="roundRect">
+            <a:avLst/>
+          </a:prstGeom>
+        </p:spPr>
+        <p:style>
+          <a:lnRef idx="2">
+            <a:schemeClr val="accent1">
+              <a:shade val="15000"/>
+            </a:schemeClr>
+          </a:lnRef>
+          <a:fillRef idx="1">
+            <a:schemeClr val="accent1"/>
+          </a:fillRef>
+          <a:effectRef idx="0">
+            <a:schemeClr val="accent1"/>
+          </a:effectRef>
+          <a:fontRef idx="minor">
+            <a:schemeClr val="lt1"/>
+          </a:fontRef>
+        </p:style>
+        <p:txBody>
+          <a:bodyPr rtlCol="0" anchor="ctr"/>
+          <a:lstStyle/>
+          <a:p>
+            <a:r>
+              <a:rPr lang="ko-KR" altLang="en-US" dirty="0"/>
+              <a:t>후기 제목</a:t>
+            </a:r>
+          </a:p>
+        </p:txBody>
+      </p:sp>
+      <p:sp>
+        <p:nvSpPr>
+          <p:cNvPr id="41" name="제목 1">
+            <a:extLst>
+              <a:ext uri="{FF2B5EF4-FFF2-40B4-BE49-F238E27FC236}">
+                <a16:creationId xmlns:a16="http://schemas.microsoft.com/office/drawing/2014/main" id="{4836B2F3-DBC7-B187-B4FC-54C27E635636}"/>
+              </a:ext>
+            </a:extLst>
+          </p:cNvPr>
+          <p:cNvSpPr txBox="1">
+            <a:spLocks/>
+          </p:cNvSpPr>
+          <p:nvPr/>
+        </p:nvSpPr>
+        <p:spPr>
+          <a:xfrm>
+            <a:off x="7110676" y="4047908"/>
+            <a:ext cx="499148" cy="529086"/>
+          </a:xfrm>
+          <a:prstGeom prst="rect">
+            <a:avLst/>
+          </a:prstGeom>
+        </p:spPr>
+        <p:txBody>
+          <a:bodyPr vert="horz" lIns="91440" tIns="45720" rIns="91440" bIns="45720" rtlCol="0" anchor="ctr">
+            <a:normAutofit fontScale="97500"/>
+          </a:bodyPr>
+          <a:lstStyle>
+            <a:lvl1pPr algn="l" defTabSz="914400" rtl="0" eaLnBrk="1" latinLnBrk="1" hangingPunct="1">
+              <a:lnSpc>
+                <a:spcPct val="90000"/>
+              </a:lnSpc>
+              <a:spcBef>
+                <a:spcPct val="0"/>
+              </a:spcBef>
+              <a:buNone/>
+              <a:defRPr sz="4400" kern="1200">
+                <a:solidFill>
+                  <a:schemeClr val="tx1"/>
+                </a:solidFill>
+                <a:latin typeface="+mj-lt"/>
+                <a:ea typeface="+mj-ea"/>
+                <a:cs typeface="+mj-cs"/>
+              </a:defRPr>
+            </a:lvl1pPr>
+          </a:lstStyle>
+          <a:p>
+            <a:r>
+              <a:rPr lang="ko-KR" altLang="en-US" sz="1100" dirty="0">
+                <a:solidFill>
+                  <a:schemeClr val="bg1"/>
+                </a:solidFill>
+              </a:rPr>
+              <a:t>♥ </a:t>
+            </a:r>
+            <a:r>
+              <a:rPr lang="en-US" altLang="ko-KR" sz="1100" dirty="0">
+                <a:solidFill>
+                  <a:schemeClr val="bg1"/>
+                </a:solidFill>
+              </a:rPr>
+              <a:t>0</a:t>
+            </a:r>
+            <a:endParaRPr lang="ko-KR" altLang="en-US" sz="2800" dirty="0">
+              <a:solidFill>
+                <a:schemeClr val="bg1"/>
+              </a:solidFill>
+            </a:endParaRPr>
+          </a:p>
+        </p:txBody>
+      </p:sp>
+      <p:sp>
+        <p:nvSpPr>
+          <p:cNvPr id="42" name="제목 1">
+            <a:extLst>
+              <a:ext uri="{FF2B5EF4-FFF2-40B4-BE49-F238E27FC236}">
+                <a16:creationId xmlns:a16="http://schemas.microsoft.com/office/drawing/2014/main" id="{D9293521-33FE-2B0D-159F-91E362410338}"/>
+              </a:ext>
+            </a:extLst>
+          </p:cNvPr>
+          <p:cNvSpPr txBox="1">
+            <a:spLocks/>
+          </p:cNvSpPr>
+          <p:nvPr/>
+        </p:nvSpPr>
+        <p:spPr>
+          <a:xfrm>
+            <a:off x="7113252" y="4451929"/>
+            <a:ext cx="499148" cy="529086"/>
+          </a:xfrm>
+          <a:prstGeom prst="rect">
+            <a:avLst/>
+          </a:prstGeom>
+        </p:spPr>
+        <p:txBody>
+          <a:bodyPr vert="horz" lIns="91440" tIns="45720" rIns="91440" bIns="45720" rtlCol="0" anchor="ctr">
+            <a:normAutofit fontScale="97500"/>
+          </a:bodyPr>
+          <a:lstStyle>
+            <a:lvl1pPr algn="l" defTabSz="914400" rtl="0" eaLnBrk="1" latinLnBrk="1" hangingPunct="1">
+              <a:lnSpc>
+                <a:spcPct val="90000"/>
+              </a:lnSpc>
+              <a:spcBef>
+                <a:spcPct val="0"/>
+              </a:spcBef>
+              <a:buNone/>
+              <a:defRPr sz="4400" kern="1200">
+                <a:solidFill>
+                  <a:schemeClr val="tx1"/>
+                </a:solidFill>
+                <a:latin typeface="+mj-lt"/>
+                <a:ea typeface="+mj-ea"/>
+                <a:cs typeface="+mj-cs"/>
+              </a:defRPr>
+            </a:lvl1pPr>
+          </a:lstStyle>
+          <a:p>
+            <a:r>
+              <a:rPr lang="ko-KR" altLang="en-US" sz="1100" dirty="0">
+                <a:solidFill>
+                  <a:schemeClr val="bg1"/>
+                </a:solidFill>
+              </a:rPr>
+              <a:t>♥ </a:t>
+            </a:r>
+            <a:r>
+              <a:rPr lang="en-US" altLang="ko-KR" sz="1100" dirty="0">
+                <a:solidFill>
+                  <a:schemeClr val="bg1"/>
+                </a:solidFill>
+              </a:rPr>
+              <a:t>0</a:t>
+            </a:r>
+            <a:endParaRPr lang="ko-KR" altLang="en-US" sz="2800" dirty="0">
+              <a:solidFill>
+                <a:schemeClr val="bg1"/>
+              </a:solidFill>
+            </a:endParaRPr>
+          </a:p>
+        </p:txBody>
+      </p:sp>
+      <p:sp>
+        <p:nvSpPr>
+          <p:cNvPr id="59" name="사각형: 둥근 모서리 58">
+            <a:extLst>
+              <a:ext uri="{FF2B5EF4-FFF2-40B4-BE49-F238E27FC236}">
+                <a16:creationId xmlns:a16="http://schemas.microsoft.com/office/drawing/2014/main" id="{34A0153D-4E07-65A6-D676-0FD047EA4056}"/>
+              </a:ext>
+            </a:extLst>
+          </p:cNvPr>
+          <p:cNvSpPr/>
+          <p:nvPr/>
+        </p:nvSpPr>
+        <p:spPr>
+          <a:xfrm>
+            <a:off x="4789180" y="4988770"/>
+            <a:ext cx="2861383" cy="345057"/>
+          </a:xfrm>
+          <a:prstGeom prst="roundRect">
+            <a:avLst/>
+          </a:prstGeom>
+        </p:spPr>
+        <p:style>
+          <a:lnRef idx="2">
+            <a:schemeClr val="accent1">
+              <a:shade val="15000"/>
+            </a:schemeClr>
+          </a:lnRef>
+          <a:fillRef idx="1">
+            <a:schemeClr val="accent1"/>
+          </a:fillRef>
+          <a:effectRef idx="0">
+            <a:schemeClr val="accent1"/>
+          </a:effectRef>
+          <a:fontRef idx="minor">
+            <a:schemeClr val="lt1"/>
+          </a:fontRef>
+        </p:style>
+        <p:txBody>
+          <a:bodyPr rtlCol="0" anchor="ctr"/>
+          <a:lstStyle/>
+          <a:p>
+            <a:r>
+              <a:rPr lang="ko-KR" altLang="en-US" dirty="0"/>
+              <a:t>후기 제목</a:t>
+            </a:r>
+          </a:p>
+        </p:txBody>
+      </p:sp>
+      <p:sp>
+        <p:nvSpPr>
+          <p:cNvPr id="60" name="사각형: 둥근 모서리 59">
+            <a:extLst>
+              <a:ext uri="{FF2B5EF4-FFF2-40B4-BE49-F238E27FC236}">
+                <a16:creationId xmlns:a16="http://schemas.microsoft.com/office/drawing/2014/main" id="{8CDC31EF-49BC-6C5D-38B2-2AD1CF017A21}"/>
+              </a:ext>
+            </a:extLst>
+          </p:cNvPr>
+          <p:cNvSpPr/>
+          <p:nvPr/>
+        </p:nvSpPr>
+        <p:spPr>
+          <a:xfrm>
+            <a:off x="4776491" y="5411492"/>
+            <a:ext cx="2861383" cy="345057"/>
+          </a:xfrm>
+          <a:prstGeom prst="roundRect">
+            <a:avLst/>
+          </a:prstGeom>
+        </p:spPr>
+        <p:style>
+          <a:lnRef idx="2">
+            <a:schemeClr val="accent1">
+              <a:shade val="15000"/>
+            </a:schemeClr>
+          </a:lnRef>
+          <a:fillRef idx="1">
+            <a:schemeClr val="accent1"/>
+          </a:fillRef>
+          <a:effectRef idx="0">
+            <a:schemeClr val="accent1"/>
+          </a:effectRef>
+          <a:fontRef idx="minor">
+            <a:schemeClr val="lt1"/>
+          </a:fontRef>
+        </p:style>
+        <p:txBody>
+          <a:bodyPr rtlCol="0" anchor="ctr"/>
+          <a:lstStyle/>
+          <a:p>
+            <a:r>
+              <a:rPr lang="ko-KR" altLang="en-US" dirty="0"/>
+              <a:t>후기 제목</a:t>
+            </a:r>
+          </a:p>
+        </p:txBody>
+      </p:sp>
+      <p:sp>
+        <p:nvSpPr>
+          <p:cNvPr id="61" name="제목 1">
+            <a:extLst>
+              <a:ext uri="{FF2B5EF4-FFF2-40B4-BE49-F238E27FC236}">
+                <a16:creationId xmlns:a16="http://schemas.microsoft.com/office/drawing/2014/main" id="{AF88B964-D940-81B2-2563-B8D6C5AA3A05}"/>
+              </a:ext>
+            </a:extLst>
+          </p:cNvPr>
+          <p:cNvSpPr txBox="1">
+            <a:spLocks/>
+          </p:cNvSpPr>
+          <p:nvPr/>
+        </p:nvSpPr>
+        <p:spPr>
+          <a:xfrm>
+            <a:off x="7110676" y="4893352"/>
+            <a:ext cx="499148" cy="529086"/>
+          </a:xfrm>
+          <a:prstGeom prst="rect">
+            <a:avLst/>
+          </a:prstGeom>
+        </p:spPr>
+        <p:txBody>
+          <a:bodyPr vert="horz" lIns="91440" tIns="45720" rIns="91440" bIns="45720" rtlCol="0" anchor="ctr">
+            <a:normAutofit fontScale="97500"/>
+          </a:bodyPr>
+          <a:lstStyle>
+            <a:lvl1pPr algn="l" defTabSz="914400" rtl="0" eaLnBrk="1" latinLnBrk="1" hangingPunct="1">
+              <a:lnSpc>
+                <a:spcPct val="90000"/>
+              </a:lnSpc>
+              <a:spcBef>
+                <a:spcPct val="0"/>
+              </a:spcBef>
+              <a:buNone/>
+              <a:defRPr sz="4400" kern="1200">
+                <a:solidFill>
+                  <a:schemeClr val="tx1"/>
+                </a:solidFill>
+                <a:latin typeface="+mj-lt"/>
+                <a:ea typeface="+mj-ea"/>
+                <a:cs typeface="+mj-cs"/>
+              </a:defRPr>
+            </a:lvl1pPr>
+          </a:lstStyle>
+          <a:p>
+            <a:r>
+              <a:rPr lang="ko-KR" altLang="en-US" sz="1100" dirty="0">
+                <a:solidFill>
+                  <a:schemeClr val="bg1"/>
+                </a:solidFill>
+              </a:rPr>
+              <a:t>♥ </a:t>
+            </a:r>
+            <a:r>
+              <a:rPr lang="en-US" altLang="ko-KR" sz="1100" dirty="0">
+                <a:solidFill>
+                  <a:schemeClr val="bg1"/>
+                </a:solidFill>
+              </a:rPr>
+              <a:t>0</a:t>
+            </a:r>
+            <a:endParaRPr lang="ko-KR" altLang="en-US" sz="2800" dirty="0">
+              <a:solidFill>
+                <a:schemeClr val="bg1"/>
+              </a:solidFill>
+            </a:endParaRPr>
+          </a:p>
+        </p:txBody>
+      </p:sp>
+      <p:sp>
+        <p:nvSpPr>
+          <p:cNvPr id="62" name="제목 1">
+            <a:extLst>
+              <a:ext uri="{FF2B5EF4-FFF2-40B4-BE49-F238E27FC236}">
+                <a16:creationId xmlns:a16="http://schemas.microsoft.com/office/drawing/2014/main" id="{BFAFDF6C-1568-E0A1-B478-0B0C389580EA}"/>
+              </a:ext>
+            </a:extLst>
+          </p:cNvPr>
+          <p:cNvSpPr txBox="1">
+            <a:spLocks/>
+          </p:cNvSpPr>
+          <p:nvPr/>
+        </p:nvSpPr>
+        <p:spPr>
+          <a:xfrm>
+            <a:off x="7113252" y="5297373"/>
+            <a:ext cx="499148" cy="529086"/>
+          </a:xfrm>
+          <a:prstGeom prst="rect">
+            <a:avLst/>
+          </a:prstGeom>
+        </p:spPr>
+        <p:txBody>
+          <a:bodyPr vert="horz" lIns="91440" tIns="45720" rIns="91440" bIns="45720" rtlCol="0" anchor="ctr">
+            <a:normAutofit fontScale="97500"/>
+          </a:bodyPr>
+          <a:lstStyle>
+            <a:lvl1pPr algn="l" defTabSz="914400" rtl="0" eaLnBrk="1" latinLnBrk="1" hangingPunct="1">
+              <a:lnSpc>
+                <a:spcPct val="90000"/>
+              </a:lnSpc>
+              <a:spcBef>
+                <a:spcPct val="0"/>
+              </a:spcBef>
+              <a:buNone/>
+              <a:defRPr sz="4400" kern="1200">
+                <a:solidFill>
+                  <a:schemeClr val="tx1"/>
+                </a:solidFill>
+                <a:latin typeface="+mj-lt"/>
+                <a:ea typeface="+mj-ea"/>
+                <a:cs typeface="+mj-cs"/>
+              </a:defRPr>
+            </a:lvl1pPr>
+          </a:lstStyle>
+          <a:p>
+            <a:r>
+              <a:rPr lang="ko-KR" altLang="en-US" sz="1100" dirty="0">
+                <a:solidFill>
+                  <a:schemeClr val="bg1"/>
+                </a:solidFill>
+              </a:rPr>
+              <a:t>♥ </a:t>
+            </a:r>
+            <a:r>
+              <a:rPr lang="en-US" altLang="ko-KR" sz="1100" dirty="0">
+                <a:solidFill>
+                  <a:schemeClr val="bg1"/>
+                </a:solidFill>
+              </a:rPr>
+              <a:t>0</a:t>
+            </a:r>
+            <a:endParaRPr lang="ko-KR" altLang="en-US" sz="2800" dirty="0">
+              <a:solidFill>
+                <a:schemeClr val="bg1"/>
+              </a:solidFill>
+            </a:endParaRPr>
+          </a:p>
+        </p:txBody>
+      </p:sp>
+      <p:sp>
+        <p:nvSpPr>
+          <p:cNvPr id="63" name="TextBox 62">
+            <a:extLst>
+              <a:ext uri="{FF2B5EF4-FFF2-40B4-BE49-F238E27FC236}">
+                <a16:creationId xmlns:a16="http://schemas.microsoft.com/office/drawing/2014/main" id="{C8481AF2-4464-53C8-7105-9E65316EC600}"/>
+              </a:ext>
+            </a:extLst>
+          </p:cNvPr>
+          <p:cNvSpPr txBox="1"/>
+          <p:nvPr/>
+        </p:nvSpPr>
+        <p:spPr>
+          <a:xfrm>
+            <a:off x="4974312" y="5826459"/>
+            <a:ext cx="2465740" cy="369332"/>
+          </a:xfrm>
+          <a:prstGeom prst="rect">
+            <a:avLst/>
+          </a:prstGeom>
+          <a:noFill/>
+        </p:spPr>
+        <p:txBody>
+          <a:bodyPr wrap="none" rtlCol="0">
+            <a:spAutoFit/>
+          </a:bodyPr>
+          <a:lstStyle/>
+          <a:p>
+            <a:r>
+              <a:rPr lang="en-US" altLang="ko-KR" dirty="0"/>
+              <a:t>&lt;</a:t>
+            </a:r>
+            <a:r>
+              <a:rPr lang="ko-KR" altLang="en-US" dirty="0"/>
+              <a:t> </a:t>
+            </a:r>
+            <a:r>
+              <a:rPr lang="en-US" altLang="ko-KR" dirty="0"/>
+              <a:t>1</a:t>
+            </a:r>
+            <a:r>
+              <a:rPr lang="ko-KR" altLang="en-US" dirty="0"/>
+              <a:t> </a:t>
+            </a:r>
+            <a:r>
+              <a:rPr lang="en-US" altLang="ko-KR" dirty="0"/>
+              <a:t>2</a:t>
+            </a:r>
+            <a:r>
+              <a:rPr lang="ko-KR" altLang="en-US" dirty="0"/>
+              <a:t> </a:t>
+            </a:r>
+            <a:r>
+              <a:rPr lang="en-US" altLang="ko-KR" dirty="0"/>
+              <a:t>3</a:t>
+            </a:r>
+            <a:r>
+              <a:rPr lang="ko-KR" altLang="en-US" dirty="0"/>
+              <a:t> </a:t>
+            </a:r>
+            <a:r>
+              <a:rPr lang="en-US" altLang="ko-KR" dirty="0"/>
+              <a:t>4</a:t>
+            </a:r>
+            <a:r>
+              <a:rPr lang="ko-KR" altLang="en-US" dirty="0"/>
+              <a:t> </a:t>
+            </a:r>
+            <a:r>
+              <a:rPr lang="en-US" altLang="ko-KR" dirty="0"/>
+              <a:t>5</a:t>
+            </a:r>
+            <a:r>
+              <a:rPr lang="ko-KR" altLang="en-US" dirty="0"/>
+              <a:t> </a:t>
+            </a:r>
+            <a:r>
+              <a:rPr lang="en-US" altLang="ko-KR" dirty="0"/>
+              <a:t>6</a:t>
+            </a:r>
+            <a:r>
+              <a:rPr lang="ko-KR" altLang="en-US" dirty="0"/>
+              <a:t> </a:t>
+            </a:r>
+            <a:r>
+              <a:rPr lang="en-US" altLang="ko-KR" dirty="0"/>
+              <a:t>7</a:t>
+            </a:r>
+            <a:r>
+              <a:rPr lang="ko-KR" altLang="en-US" dirty="0"/>
+              <a:t> </a:t>
+            </a:r>
+            <a:r>
+              <a:rPr lang="en-US" altLang="ko-KR" dirty="0"/>
+              <a:t>8</a:t>
+            </a:r>
+            <a:r>
+              <a:rPr lang="ko-KR" altLang="en-US" dirty="0"/>
+              <a:t> </a:t>
+            </a:r>
+            <a:r>
+              <a:rPr lang="en-US" altLang="ko-KR" dirty="0"/>
+              <a:t>9</a:t>
+            </a:r>
+            <a:r>
+              <a:rPr lang="ko-KR" altLang="en-US" dirty="0"/>
+              <a:t> </a:t>
+            </a:r>
+            <a:r>
+              <a:rPr lang="en-US" altLang="ko-KR" dirty="0"/>
+              <a:t>&gt;</a:t>
+            </a:r>
+            <a:endParaRPr lang="ko-KR" altLang="en-US" dirty="0"/>
+          </a:p>
+        </p:txBody>
+      </p:sp>
+      <p:sp>
+        <p:nvSpPr>
+          <p:cNvPr id="64" name="사각형: 둥근 모서리 63">
+            <a:extLst>
+              <a:ext uri="{FF2B5EF4-FFF2-40B4-BE49-F238E27FC236}">
+                <a16:creationId xmlns:a16="http://schemas.microsoft.com/office/drawing/2014/main" id="{302E58D8-0901-8F55-DCC8-0550FB046684}"/>
+              </a:ext>
+            </a:extLst>
+          </p:cNvPr>
+          <p:cNvSpPr/>
+          <p:nvPr/>
+        </p:nvSpPr>
+        <p:spPr>
+          <a:xfrm>
+            <a:off x="4801869" y="1417989"/>
+            <a:ext cx="2861383" cy="157231"/>
+          </a:xfrm>
+          <a:prstGeom prst="roundRect">
+            <a:avLst/>
+          </a:prstGeom>
+        </p:spPr>
+        <p:style>
+          <a:lnRef idx="2">
+            <a:schemeClr val="accent1">
+              <a:shade val="15000"/>
+            </a:schemeClr>
+          </a:lnRef>
+          <a:fillRef idx="1">
+            <a:schemeClr val="accent1"/>
+          </a:fillRef>
+          <a:effectRef idx="0">
+            <a:schemeClr val="accent1"/>
+          </a:effectRef>
+          <a:fontRef idx="minor">
+            <a:schemeClr val="lt1"/>
+          </a:fontRef>
+        </p:style>
+        <p:txBody>
+          <a:bodyPr rtlCol="0" anchor="ctr"/>
+          <a:lstStyle/>
+          <a:p>
+            <a:r>
+              <a:rPr lang="ko-KR" altLang="en-US" sz="1400" dirty="0"/>
+              <a:t>필터</a:t>
+            </a:r>
+          </a:p>
+        </p:txBody>
+      </p:sp>
+    </p:spTree>
+    <p:extLst>
+      <p:ext uri="{BB962C8B-B14F-4D97-AF65-F5344CB8AC3E}">
+        <p14:creationId xmlns:p14="http://schemas.microsoft.com/office/powerpoint/2010/main" val="2219965898"/>
+      </p:ext>
+    </p:extLst>
+  </p:cSld>
+  <p:clrMapOvr>
+    <a:masterClrMapping/>
+  </p:clrMapOvr>
+</p:sld>
+</file>
+
+<file path=ppt/slides/slide12.xml><?xml version="1.0" encoding="utf-8"?>
+<p:sld xmlns:a="http://schemas.openxmlformats.org/drawingml/2006/main" xmlns:r="http://schemas.openxmlformats.org/officeDocument/2006/relationships" xmlns:p="http://schemas.openxmlformats.org/presentationml/2006/main">
+  <p:cSld>
+    <p:spTree>
+      <p:nvGrpSpPr>
+        <p:cNvPr id="1" name="">
+          <a:extLst>
+            <a:ext uri="{FF2B5EF4-FFF2-40B4-BE49-F238E27FC236}">
+              <a16:creationId xmlns:a16="http://schemas.microsoft.com/office/drawing/2014/main" id="{B6B682AD-2804-56A5-7429-9EA6FD04D32D}"/>
+            </a:ext>
+          </a:extLst>
+        </p:cNvPr>
+        <p:cNvGrpSpPr/>
+        <p:nvPr/>
+      </p:nvGrpSpPr>
+      <p:grpSpPr>
+        <a:xfrm>
+          <a:off x="0" y="0"/>
+          <a:ext cx="0" cy="0"/>
+          <a:chOff x="0" y="0"/>
+          <a:chExt cx="0" cy="0"/>
+        </a:xfrm>
+      </p:grpSpPr>
+      <p:sp>
+        <p:nvSpPr>
+          <p:cNvPr id="2" name="제목 1">
+            <a:extLst>
+              <a:ext uri="{FF2B5EF4-FFF2-40B4-BE49-F238E27FC236}">
+                <a16:creationId xmlns:a16="http://schemas.microsoft.com/office/drawing/2014/main" id="{BE592679-C06E-DEDB-B0F1-EE861C5681D9}"/>
+              </a:ext>
+            </a:extLst>
+          </p:cNvPr>
+          <p:cNvSpPr>
+            <a:spLocks noGrp="1"/>
+          </p:cNvSpPr>
+          <p:nvPr>
+            <p:ph type="title"/>
+          </p:nvPr>
+        </p:nvSpPr>
+        <p:spPr>
+          <a:xfrm>
+            <a:off x="228601" y="418459"/>
+            <a:ext cx="4192570" cy="512659"/>
+          </a:xfrm>
+        </p:spPr>
+        <p:txBody>
+          <a:bodyPr>
+            <a:normAutofit fontScale="90000"/>
+          </a:bodyPr>
+          <a:lstStyle/>
+          <a:p>
+            <a:r>
+              <a:rPr lang="ko-KR" altLang="en-US" sz="2800" dirty="0"/>
+              <a:t>분야별 추가</a:t>
+            </a:r>
+            <a:r>
+              <a:rPr lang="en-US" altLang="ko-KR" sz="2800" dirty="0"/>
+              <a:t>(reviewAdd.xml)</a:t>
+            </a:r>
+            <a:endParaRPr lang="ko-KR" altLang="en-US" sz="2800" dirty="0"/>
+          </a:p>
+        </p:txBody>
+      </p:sp>
+      <p:sp>
+        <p:nvSpPr>
+          <p:cNvPr id="3" name="직사각형 2">
+            <a:extLst>
+              <a:ext uri="{FF2B5EF4-FFF2-40B4-BE49-F238E27FC236}">
+                <a16:creationId xmlns:a16="http://schemas.microsoft.com/office/drawing/2014/main" id="{1BF14359-B575-FC1A-295C-CC225F761090}"/>
+              </a:ext>
+            </a:extLst>
+          </p:cNvPr>
+          <p:cNvSpPr/>
+          <p:nvPr/>
+        </p:nvSpPr>
+        <p:spPr>
+          <a:xfrm>
+            <a:off x="4204393" y="851019"/>
+            <a:ext cx="4030958" cy="5443759"/>
+          </a:xfrm>
+          <a:prstGeom prst="rect">
+            <a:avLst/>
+          </a:prstGeom>
+          <a:solidFill>
+            <a:schemeClr val="bg2">
+              <a:lumMod val="90000"/>
+            </a:schemeClr>
+          </a:solidFill>
+        </p:spPr>
+        <p:style>
+          <a:lnRef idx="2">
+            <a:schemeClr val="accent1">
+              <a:shade val="15000"/>
+            </a:schemeClr>
+          </a:lnRef>
+          <a:fillRef idx="1">
+            <a:schemeClr val="accent1"/>
+          </a:fillRef>
+          <a:effectRef idx="0">
+            <a:schemeClr val="accent1"/>
+          </a:effectRef>
+          <a:fontRef idx="minor">
+            <a:schemeClr val="lt1"/>
+          </a:fontRef>
+        </p:style>
+        <p:txBody>
+          <a:bodyPr rtlCol="0" anchor="ctr"/>
+          <a:lstStyle/>
+          <a:p>
+            <a:pPr algn="ctr"/>
+            <a:endParaRPr lang="ko-KR" altLang="en-US"/>
+          </a:p>
+        </p:txBody>
+      </p:sp>
+      <p:sp>
+        <p:nvSpPr>
+          <p:cNvPr id="12" name="사각형: 둥근 모서리 11">
+            <a:extLst>
+              <a:ext uri="{FF2B5EF4-FFF2-40B4-BE49-F238E27FC236}">
+                <a16:creationId xmlns:a16="http://schemas.microsoft.com/office/drawing/2014/main" id="{403579D4-8B4C-B3CA-84E4-8A68103ABB60}"/>
+              </a:ext>
+            </a:extLst>
+          </p:cNvPr>
+          <p:cNvSpPr/>
+          <p:nvPr/>
+        </p:nvSpPr>
+        <p:spPr>
+          <a:xfrm>
+            <a:off x="5036504" y="1478329"/>
+            <a:ext cx="2408169" cy="790096"/>
+          </a:xfrm>
+          <a:prstGeom prst="roundRect">
+            <a:avLst/>
+          </a:prstGeom>
+        </p:spPr>
+        <p:style>
+          <a:lnRef idx="2">
+            <a:schemeClr val="accent1">
+              <a:shade val="15000"/>
+            </a:schemeClr>
+          </a:lnRef>
+          <a:fillRef idx="1">
+            <a:schemeClr val="accent1"/>
+          </a:fillRef>
+          <a:effectRef idx="0">
+            <a:schemeClr val="accent1"/>
+          </a:effectRef>
+          <a:fontRef idx="minor">
+            <a:schemeClr val="lt1"/>
+          </a:fontRef>
+        </p:style>
+        <p:txBody>
+          <a:bodyPr rtlCol="0" anchor="ctr"/>
+          <a:lstStyle/>
+          <a:p>
+            <a:pPr algn="ctr"/>
+            <a:r>
+              <a:rPr lang="ko-KR" altLang="en-US" dirty="0"/>
+              <a:t>후기 제목</a:t>
+            </a:r>
+          </a:p>
+        </p:txBody>
+      </p:sp>
+      <p:sp>
+        <p:nvSpPr>
+          <p:cNvPr id="4" name="화살표: 왼쪽 3">
+            <a:extLst>
+              <a:ext uri="{FF2B5EF4-FFF2-40B4-BE49-F238E27FC236}">
+                <a16:creationId xmlns:a16="http://schemas.microsoft.com/office/drawing/2014/main" id="{DECC9606-515F-2278-09C7-8981E5BBE011}"/>
+              </a:ext>
+            </a:extLst>
+          </p:cNvPr>
+          <p:cNvSpPr/>
+          <p:nvPr/>
+        </p:nvSpPr>
+        <p:spPr>
+          <a:xfrm>
+            <a:off x="4313716" y="931118"/>
+            <a:ext cx="391065" cy="345057"/>
+          </a:xfrm>
+          <a:prstGeom prst="leftArrow">
+            <a:avLst/>
+          </a:prstGeom>
+        </p:spPr>
+        <p:style>
+          <a:lnRef idx="2">
+            <a:schemeClr val="accent1">
+              <a:shade val="15000"/>
+            </a:schemeClr>
+          </a:lnRef>
+          <a:fillRef idx="1">
+            <a:schemeClr val="accent1"/>
+          </a:fillRef>
+          <a:effectRef idx="0">
+            <a:schemeClr val="accent1"/>
+          </a:effectRef>
+          <a:fontRef idx="minor">
+            <a:schemeClr val="lt1"/>
+          </a:fontRef>
+        </p:style>
+        <p:txBody>
+          <a:bodyPr rtlCol="0" anchor="ctr"/>
+          <a:lstStyle/>
+          <a:p>
+            <a:pPr algn="ctr"/>
+            <a:endParaRPr lang="ko-KR" altLang="en-US"/>
+          </a:p>
+        </p:txBody>
+      </p:sp>
+      <p:sp>
+        <p:nvSpPr>
+          <p:cNvPr id="5" name="사각형: 둥근 모서리 4">
+            <a:extLst>
+              <a:ext uri="{FF2B5EF4-FFF2-40B4-BE49-F238E27FC236}">
+                <a16:creationId xmlns:a16="http://schemas.microsoft.com/office/drawing/2014/main" id="{A19EA0F9-F6CE-BDC9-0703-877C0793F9A4}"/>
+              </a:ext>
+            </a:extLst>
+          </p:cNvPr>
+          <p:cNvSpPr/>
+          <p:nvPr/>
+        </p:nvSpPr>
+        <p:spPr>
+          <a:xfrm>
+            <a:off x="7030707" y="5506176"/>
+            <a:ext cx="891396" cy="529086"/>
+          </a:xfrm>
+          <a:prstGeom prst="roundRect">
+            <a:avLst/>
+          </a:prstGeom>
+        </p:spPr>
+        <p:style>
+          <a:lnRef idx="2">
+            <a:schemeClr val="accent1">
+              <a:shade val="15000"/>
+            </a:schemeClr>
+          </a:lnRef>
+          <a:fillRef idx="1">
+            <a:schemeClr val="accent1"/>
+          </a:fillRef>
+          <a:effectRef idx="0">
+            <a:schemeClr val="accent1"/>
+          </a:effectRef>
+          <a:fontRef idx="minor">
+            <a:schemeClr val="lt1"/>
+          </a:fontRef>
+        </p:style>
+        <p:txBody>
+          <a:bodyPr rtlCol="0" anchor="ctr"/>
+          <a:lstStyle/>
+          <a:p>
+            <a:pPr algn="ctr"/>
+            <a:r>
+              <a:rPr lang="ko-KR" altLang="en-US" sz="1200" dirty="0"/>
+              <a:t>추가하기</a:t>
+            </a:r>
+          </a:p>
+        </p:txBody>
+      </p:sp>
+      <p:sp>
+        <p:nvSpPr>
+          <p:cNvPr id="6" name="사각형: 둥근 모서리 5">
+            <a:extLst>
+              <a:ext uri="{FF2B5EF4-FFF2-40B4-BE49-F238E27FC236}">
+                <a16:creationId xmlns:a16="http://schemas.microsoft.com/office/drawing/2014/main" id="{CEDC4479-428F-6616-741A-5B1F192BCEB7}"/>
+              </a:ext>
+            </a:extLst>
+          </p:cNvPr>
+          <p:cNvSpPr/>
+          <p:nvPr/>
+        </p:nvSpPr>
+        <p:spPr>
+          <a:xfrm>
+            <a:off x="4509249" y="2541657"/>
+            <a:ext cx="3412854" cy="2733284"/>
+          </a:xfrm>
+          <a:prstGeom prst="roundRect">
+            <a:avLst/>
+          </a:prstGeom>
+        </p:spPr>
+        <p:style>
+          <a:lnRef idx="2">
+            <a:schemeClr val="accent1">
+              <a:shade val="15000"/>
+            </a:schemeClr>
+          </a:lnRef>
+          <a:fillRef idx="1">
+            <a:schemeClr val="accent1"/>
+          </a:fillRef>
+          <a:effectRef idx="0">
+            <a:schemeClr val="accent1"/>
+          </a:effectRef>
+          <a:fontRef idx="minor">
+            <a:schemeClr val="lt1"/>
+          </a:fontRef>
+        </p:style>
+        <p:txBody>
+          <a:bodyPr rtlCol="0" anchor="ctr"/>
+          <a:lstStyle/>
+          <a:p>
+            <a:pPr algn="ctr"/>
+            <a:r>
+              <a:rPr lang="ko-KR" altLang="en-US" dirty="0"/>
+              <a:t>기존 내용</a:t>
+            </a:r>
+          </a:p>
+        </p:txBody>
+      </p:sp>
+      <p:sp>
+        <p:nvSpPr>
+          <p:cNvPr id="8" name="사각형: 둥근 모서리 7">
+            <a:extLst>
+              <a:ext uri="{FF2B5EF4-FFF2-40B4-BE49-F238E27FC236}">
+                <a16:creationId xmlns:a16="http://schemas.microsoft.com/office/drawing/2014/main" id="{A1F7CDAD-6A19-07E8-BD81-D1E3EA18D14F}"/>
+              </a:ext>
+            </a:extLst>
+          </p:cNvPr>
+          <p:cNvSpPr/>
+          <p:nvPr/>
+        </p:nvSpPr>
+        <p:spPr>
+          <a:xfrm>
+            <a:off x="4597113" y="5473681"/>
+            <a:ext cx="891396" cy="529086"/>
+          </a:xfrm>
+          <a:prstGeom prst="roundRect">
+            <a:avLst/>
+          </a:prstGeom>
+        </p:spPr>
+        <p:style>
+          <a:lnRef idx="2">
+            <a:schemeClr val="accent1">
+              <a:shade val="15000"/>
+            </a:schemeClr>
+          </a:lnRef>
+          <a:fillRef idx="1">
+            <a:schemeClr val="accent1"/>
+          </a:fillRef>
+          <a:effectRef idx="0">
+            <a:schemeClr val="accent1"/>
+          </a:effectRef>
+          <a:fontRef idx="minor">
+            <a:schemeClr val="lt1"/>
+          </a:fontRef>
+        </p:style>
+        <p:txBody>
+          <a:bodyPr rtlCol="0" anchor="ctr"/>
+          <a:lstStyle/>
+          <a:p>
+            <a:pPr algn="ctr"/>
+            <a:r>
+              <a:rPr lang="ko-KR" altLang="en-US" sz="1200" dirty="0"/>
+              <a:t>취소</a:t>
+            </a:r>
+          </a:p>
+        </p:txBody>
+      </p:sp>
+    </p:spTree>
+    <p:extLst>
+      <p:ext uri="{BB962C8B-B14F-4D97-AF65-F5344CB8AC3E}">
+        <p14:creationId xmlns:p14="http://schemas.microsoft.com/office/powerpoint/2010/main" val="4122562794"/>
+      </p:ext>
+    </p:extLst>
+  </p:cSld>
+  <p:clrMapOvr>
+    <a:masterClrMapping/>
+  </p:clrMapOvr>
+</p:sld>
+</file>
+
+<file path=ppt/slides/slide13.xml><?xml version="1.0" encoding="utf-8"?>
+<p:sld xmlns:a="http://schemas.openxmlformats.org/drawingml/2006/main" xmlns:r="http://schemas.openxmlformats.org/officeDocument/2006/relationships" xmlns:p="http://schemas.openxmlformats.org/presentationml/2006/main">
+  <p:cSld>
+    <p:spTree>
+      <p:nvGrpSpPr>
+        <p:cNvPr id="1" name="">
+          <a:extLst>
+            <a:ext uri="{FF2B5EF4-FFF2-40B4-BE49-F238E27FC236}">
+              <a16:creationId xmlns:a16="http://schemas.microsoft.com/office/drawing/2014/main" id="{3F71589A-DE6D-B2B5-6EF2-241CB11B757D}"/>
+            </a:ext>
+          </a:extLst>
+        </p:cNvPr>
+        <p:cNvGrpSpPr/>
+        <p:nvPr/>
+      </p:nvGrpSpPr>
+      <p:grpSpPr>
+        <a:xfrm>
+          <a:off x="0" y="0"/>
+          <a:ext cx="0" cy="0"/>
+          <a:chOff x="0" y="0"/>
+          <a:chExt cx="0" cy="0"/>
+        </a:xfrm>
+      </p:grpSpPr>
+      <p:sp>
+        <p:nvSpPr>
+          <p:cNvPr id="2" name="제목 1">
+            <a:extLst>
+              <a:ext uri="{FF2B5EF4-FFF2-40B4-BE49-F238E27FC236}">
+                <a16:creationId xmlns:a16="http://schemas.microsoft.com/office/drawing/2014/main" id="{14037507-36EF-30F8-BCC8-D85D629F2766}"/>
+              </a:ext>
+            </a:extLst>
+          </p:cNvPr>
+          <p:cNvSpPr>
+            <a:spLocks noGrp="1"/>
+          </p:cNvSpPr>
+          <p:nvPr>
+            <p:ph type="title"/>
+          </p:nvPr>
+        </p:nvSpPr>
+        <p:spPr>
+          <a:xfrm>
+            <a:off x="228600" y="418459"/>
+            <a:ext cx="4807903" cy="512659"/>
+          </a:xfrm>
+        </p:spPr>
+        <p:txBody>
+          <a:bodyPr>
+            <a:normAutofit fontScale="90000"/>
+          </a:bodyPr>
+          <a:lstStyle/>
+          <a:p>
+            <a:r>
+              <a:rPr lang="ko-KR" altLang="en-US" sz="2800" dirty="0"/>
+              <a:t>분야별 수정</a:t>
+            </a:r>
+            <a:r>
+              <a:rPr lang="en-US" altLang="ko-KR" sz="2800" dirty="0"/>
+              <a:t>(reviewUpdate.xml)</a:t>
+            </a:r>
+            <a:endParaRPr lang="ko-KR" altLang="en-US" sz="2800" dirty="0"/>
+          </a:p>
+        </p:txBody>
+      </p:sp>
+      <p:sp>
+        <p:nvSpPr>
+          <p:cNvPr id="3" name="직사각형 2">
+            <a:extLst>
+              <a:ext uri="{FF2B5EF4-FFF2-40B4-BE49-F238E27FC236}">
+                <a16:creationId xmlns:a16="http://schemas.microsoft.com/office/drawing/2014/main" id="{78E921E8-3BC7-B4B0-74DA-6EEEBD9F7D76}"/>
+              </a:ext>
+            </a:extLst>
+          </p:cNvPr>
+          <p:cNvSpPr/>
+          <p:nvPr/>
+        </p:nvSpPr>
+        <p:spPr>
+          <a:xfrm>
+            <a:off x="4204393" y="822738"/>
+            <a:ext cx="4030958" cy="5443759"/>
+          </a:xfrm>
+          <a:prstGeom prst="rect">
+            <a:avLst/>
+          </a:prstGeom>
+          <a:solidFill>
+            <a:schemeClr val="bg2">
+              <a:lumMod val="90000"/>
+            </a:schemeClr>
+          </a:solidFill>
+        </p:spPr>
+        <p:style>
+          <a:lnRef idx="2">
+            <a:schemeClr val="accent1">
+              <a:shade val="15000"/>
+            </a:schemeClr>
+          </a:lnRef>
+          <a:fillRef idx="1">
+            <a:schemeClr val="accent1"/>
+          </a:fillRef>
+          <a:effectRef idx="0">
+            <a:schemeClr val="accent1"/>
+          </a:effectRef>
+          <a:fontRef idx="minor">
+            <a:schemeClr val="lt1"/>
+          </a:fontRef>
+        </p:style>
+        <p:txBody>
+          <a:bodyPr rtlCol="0" anchor="ctr"/>
+          <a:lstStyle/>
+          <a:p>
+            <a:pPr algn="ctr"/>
             <a:endParaRPr lang="ko-KR" altLang="en-US"/>
           </a:p>
         </p:txBody>
@@ -23200,7 +25330,377 @@
           <p:cNvPr id="7" name="사각형: 둥근 모서리 6">
             <a:extLst>
               <a:ext uri="{FF2B5EF4-FFF2-40B4-BE49-F238E27FC236}">
-                <a16:creationId xmlns:a16="http://schemas.microsoft.com/office/drawing/2014/main" id="{186ECFC5-7071-A8FE-2E3D-2F6CC44CEF54}"/>
+                <a16:creationId xmlns:a16="http://schemas.microsoft.com/office/drawing/2014/main" id="{6891739C-7565-14EB-36EF-67D4D1746CA5}"/>
+              </a:ext>
+            </a:extLst>
+          </p:cNvPr>
+          <p:cNvSpPr/>
+          <p:nvPr/>
+        </p:nvSpPr>
+        <p:spPr>
+          <a:xfrm>
+            <a:off x="7030707" y="5506176"/>
+            <a:ext cx="891396" cy="529086"/>
+          </a:xfrm>
+          <a:prstGeom prst="roundRect">
+            <a:avLst/>
+          </a:prstGeom>
+        </p:spPr>
+        <p:style>
+          <a:lnRef idx="2">
+            <a:schemeClr val="accent1">
+              <a:shade val="15000"/>
+            </a:schemeClr>
+          </a:lnRef>
+          <a:fillRef idx="1">
+            <a:schemeClr val="accent1"/>
+          </a:fillRef>
+          <a:effectRef idx="0">
+            <a:schemeClr val="accent1"/>
+          </a:effectRef>
+          <a:fontRef idx="minor">
+            <a:schemeClr val="lt1"/>
+          </a:fontRef>
+        </p:style>
+        <p:txBody>
+          <a:bodyPr rtlCol="0" anchor="ctr"/>
+          <a:lstStyle/>
+          <a:p>
+            <a:pPr algn="ctr"/>
+            <a:r>
+              <a:rPr lang="ko-KR" altLang="en-US" sz="1200"/>
+              <a:t>수정하기</a:t>
+            </a:r>
+            <a:endParaRPr lang="ko-KR" altLang="en-US" sz="1200" dirty="0"/>
+          </a:p>
+        </p:txBody>
+      </p:sp>
+      <p:sp>
+        <p:nvSpPr>
+          <p:cNvPr id="11" name="사각형: 둥근 모서리 10">
+            <a:extLst>
+              <a:ext uri="{FF2B5EF4-FFF2-40B4-BE49-F238E27FC236}">
+                <a16:creationId xmlns:a16="http://schemas.microsoft.com/office/drawing/2014/main" id="{DD141859-6B30-2DA6-CA27-7721270E59BF}"/>
+              </a:ext>
+            </a:extLst>
+          </p:cNvPr>
+          <p:cNvSpPr/>
+          <p:nvPr/>
+        </p:nvSpPr>
+        <p:spPr>
+          <a:xfrm>
+            <a:off x="4509249" y="2541657"/>
+            <a:ext cx="3412854" cy="2733284"/>
+          </a:xfrm>
+          <a:prstGeom prst="roundRect">
+            <a:avLst/>
+          </a:prstGeom>
+        </p:spPr>
+        <p:style>
+          <a:lnRef idx="2">
+            <a:schemeClr val="accent1">
+              <a:shade val="15000"/>
+            </a:schemeClr>
+          </a:lnRef>
+          <a:fillRef idx="1">
+            <a:schemeClr val="accent1"/>
+          </a:fillRef>
+          <a:effectRef idx="0">
+            <a:schemeClr val="accent1"/>
+          </a:effectRef>
+          <a:fontRef idx="minor">
+            <a:schemeClr val="lt1"/>
+          </a:fontRef>
+        </p:style>
+        <p:txBody>
+          <a:bodyPr rtlCol="0" anchor="ctr"/>
+          <a:lstStyle/>
+          <a:p>
+            <a:pPr algn="ctr"/>
+            <a:r>
+              <a:rPr lang="ko-KR" altLang="en-US" dirty="0"/>
+              <a:t>기존 내용</a:t>
+            </a:r>
+          </a:p>
+        </p:txBody>
+      </p:sp>
+      <p:sp>
+        <p:nvSpPr>
+          <p:cNvPr id="12" name="사각형: 둥근 모서리 11">
+            <a:extLst>
+              <a:ext uri="{FF2B5EF4-FFF2-40B4-BE49-F238E27FC236}">
+                <a16:creationId xmlns:a16="http://schemas.microsoft.com/office/drawing/2014/main" id="{CFAB6C43-AC23-6D86-9167-B2BF2FE22BDE}"/>
+              </a:ext>
+            </a:extLst>
+          </p:cNvPr>
+          <p:cNvSpPr/>
+          <p:nvPr/>
+        </p:nvSpPr>
+        <p:spPr>
+          <a:xfrm>
+            <a:off x="5036504" y="1478329"/>
+            <a:ext cx="2408169" cy="790096"/>
+          </a:xfrm>
+          <a:prstGeom prst="roundRect">
+            <a:avLst/>
+          </a:prstGeom>
+        </p:spPr>
+        <p:style>
+          <a:lnRef idx="2">
+            <a:schemeClr val="accent1">
+              <a:shade val="15000"/>
+            </a:schemeClr>
+          </a:lnRef>
+          <a:fillRef idx="1">
+            <a:schemeClr val="accent1"/>
+          </a:fillRef>
+          <a:effectRef idx="0">
+            <a:schemeClr val="accent1"/>
+          </a:effectRef>
+          <a:fontRef idx="minor">
+            <a:schemeClr val="lt1"/>
+          </a:fontRef>
+        </p:style>
+        <p:txBody>
+          <a:bodyPr rtlCol="0" anchor="ctr"/>
+          <a:lstStyle/>
+          <a:p>
+            <a:pPr algn="ctr"/>
+            <a:r>
+              <a:rPr lang="ko-KR" altLang="en-US" dirty="0"/>
+              <a:t>기존 제목</a:t>
+            </a:r>
+          </a:p>
+        </p:txBody>
+      </p:sp>
+      <p:sp>
+        <p:nvSpPr>
+          <p:cNvPr id="4" name="화살표: 왼쪽 3">
+            <a:extLst>
+              <a:ext uri="{FF2B5EF4-FFF2-40B4-BE49-F238E27FC236}">
+                <a16:creationId xmlns:a16="http://schemas.microsoft.com/office/drawing/2014/main" id="{DCE00EAD-8A98-D74B-CBBE-A6273755DFC1}"/>
+              </a:ext>
+            </a:extLst>
+          </p:cNvPr>
+          <p:cNvSpPr/>
+          <p:nvPr/>
+        </p:nvSpPr>
+        <p:spPr>
+          <a:xfrm>
+            <a:off x="4313716" y="931118"/>
+            <a:ext cx="391065" cy="345057"/>
+          </a:xfrm>
+          <a:prstGeom prst="leftArrow">
+            <a:avLst/>
+          </a:prstGeom>
+        </p:spPr>
+        <p:style>
+          <a:lnRef idx="2">
+            <a:schemeClr val="accent1">
+              <a:shade val="15000"/>
+            </a:schemeClr>
+          </a:lnRef>
+          <a:fillRef idx="1">
+            <a:schemeClr val="accent1"/>
+          </a:fillRef>
+          <a:effectRef idx="0">
+            <a:schemeClr val="accent1"/>
+          </a:effectRef>
+          <a:fontRef idx="minor">
+            <a:schemeClr val="lt1"/>
+          </a:fontRef>
+        </p:style>
+        <p:txBody>
+          <a:bodyPr rtlCol="0" anchor="ctr"/>
+          <a:lstStyle/>
+          <a:p>
+            <a:pPr algn="ctr"/>
+            <a:endParaRPr lang="ko-KR" altLang="en-US"/>
+          </a:p>
+        </p:txBody>
+      </p:sp>
+      <p:sp>
+        <p:nvSpPr>
+          <p:cNvPr id="5" name="사각형: 둥근 모서리 4">
+            <a:extLst>
+              <a:ext uri="{FF2B5EF4-FFF2-40B4-BE49-F238E27FC236}">
+                <a16:creationId xmlns:a16="http://schemas.microsoft.com/office/drawing/2014/main" id="{2E9C7C09-775A-8110-0D68-FF8A0D1A411A}"/>
+              </a:ext>
+            </a:extLst>
+          </p:cNvPr>
+          <p:cNvSpPr/>
+          <p:nvPr/>
+        </p:nvSpPr>
+        <p:spPr>
+          <a:xfrm>
+            <a:off x="4597113" y="5473681"/>
+            <a:ext cx="891396" cy="529086"/>
+          </a:xfrm>
+          <a:prstGeom prst="roundRect">
+            <a:avLst/>
+          </a:prstGeom>
+        </p:spPr>
+        <p:style>
+          <a:lnRef idx="2">
+            <a:schemeClr val="accent1">
+              <a:shade val="15000"/>
+            </a:schemeClr>
+          </a:lnRef>
+          <a:fillRef idx="1">
+            <a:schemeClr val="accent1"/>
+          </a:fillRef>
+          <a:effectRef idx="0">
+            <a:schemeClr val="accent1"/>
+          </a:effectRef>
+          <a:fontRef idx="minor">
+            <a:schemeClr val="lt1"/>
+          </a:fontRef>
+        </p:style>
+        <p:txBody>
+          <a:bodyPr rtlCol="0" anchor="ctr"/>
+          <a:lstStyle/>
+          <a:p>
+            <a:pPr algn="ctr"/>
+            <a:r>
+              <a:rPr lang="ko-KR" altLang="en-US" sz="1200" dirty="0"/>
+              <a:t>취소</a:t>
+            </a:r>
+          </a:p>
+        </p:txBody>
+      </p:sp>
+    </p:spTree>
+    <p:extLst>
+      <p:ext uri="{BB962C8B-B14F-4D97-AF65-F5344CB8AC3E}">
+        <p14:creationId xmlns:p14="http://schemas.microsoft.com/office/powerpoint/2010/main" val="3425880199"/>
+      </p:ext>
+    </p:extLst>
+  </p:cSld>
+  <p:clrMapOvr>
+    <a:masterClrMapping/>
+  </p:clrMapOvr>
+</p:sld>
+</file>
+
+<file path=ppt/slides/slide14.xml><?xml version="1.0" encoding="utf-8"?>
+<p:sld xmlns:a="http://schemas.openxmlformats.org/drawingml/2006/main" xmlns:r="http://schemas.openxmlformats.org/officeDocument/2006/relationships" xmlns:p="http://schemas.openxmlformats.org/presentationml/2006/main">
+  <p:cSld>
+    <p:spTree>
+      <p:nvGrpSpPr>
+        <p:cNvPr id="1" name="">
+          <a:extLst>
+            <a:ext uri="{FF2B5EF4-FFF2-40B4-BE49-F238E27FC236}">
+              <a16:creationId xmlns:a16="http://schemas.microsoft.com/office/drawing/2014/main" id="{DD6A193E-51D8-D249-7051-CC42893720C7}"/>
+            </a:ext>
+          </a:extLst>
+        </p:cNvPr>
+        <p:cNvGrpSpPr/>
+        <p:nvPr/>
+      </p:nvGrpSpPr>
+      <p:grpSpPr>
+        <a:xfrm>
+          <a:off x="0" y="0"/>
+          <a:ext cx="0" cy="0"/>
+          <a:chOff x="0" y="0"/>
+          <a:chExt cx="0" cy="0"/>
+        </a:xfrm>
+      </p:grpSpPr>
+      <p:sp>
+        <p:nvSpPr>
+          <p:cNvPr id="2" name="제목 1">
+            <a:extLst>
+              <a:ext uri="{FF2B5EF4-FFF2-40B4-BE49-F238E27FC236}">
+                <a16:creationId xmlns:a16="http://schemas.microsoft.com/office/drawing/2014/main" id="{E266B75A-8187-0AF9-72D6-BECF26DB9E0A}"/>
+              </a:ext>
+            </a:extLst>
+          </p:cNvPr>
+          <p:cNvSpPr>
+            <a:spLocks noGrp="1"/>
+          </p:cNvSpPr>
+          <p:nvPr>
+            <p:ph type="title"/>
+          </p:nvPr>
+        </p:nvSpPr>
+        <p:spPr>
+          <a:xfrm>
+            <a:off x="228601" y="418459"/>
+            <a:ext cx="3736496" cy="512659"/>
+          </a:xfrm>
+        </p:spPr>
+        <p:txBody>
+          <a:bodyPr>
+            <a:normAutofit fontScale="90000"/>
+          </a:bodyPr>
+          <a:lstStyle/>
+          <a:p>
+            <a:r>
+              <a:rPr lang="ko-KR" altLang="en-US" sz="2800" dirty="0"/>
+              <a:t>분야별 조회</a:t>
+            </a:r>
+            <a:r>
+              <a:rPr lang="en-US" altLang="ko-KR" sz="2800" dirty="0"/>
+              <a:t>(review.xml)</a:t>
+            </a:r>
+            <a:endParaRPr lang="ko-KR" altLang="en-US" sz="2800" dirty="0"/>
+          </a:p>
+        </p:txBody>
+      </p:sp>
+      <p:sp>
+        <p:nvSpPr>
+          <p:cNvPr id="3" name="직사각형 2">
+            <a:extLst>
+              <a:ext uri="{FF2B5EF4-FFF2-40B4-BE49-F238E27FC236}">
+                <a16:creationId xmlns:a16="http://schemas.microsoft.com/office/drawing/2014/main" id="{142737D6-04FB-9A98-8B9F-56C7A3E21FC4}"/>
+              </a:ext>
+            </a:extLst>
+          </p:cNvPr>
+          <p:cNvSpPr/>
+          <p:nvPr/>
+        </p:nvSpPr>
+        <p:spPr>
+          <a:xfrm>
+            <a:off x="4204393" y="822738"/>
+            <a:ext cx="4030958" cy="5443759"/>
+          </a:xfrm>
+          <a:prstGeom prst="rect">
+            <a:avLst/>
+          </a:prstGeom>
+          <a:solidFill>
+            <a:schemeClr val="bg2">
+              <a:lumMod val="90000"/>
+            </a:schemeClr>
+          </a:solidFill>
+        </p:spPr>
+        <p:style>
+          <a:lnRef idx="2">
+            <a:schemeClr val="accent1">
+              <a:shade val="15000"/>
+            </a:schemeClr>
+          </a:lnRef>
+          <a:fillRef idx="1">
+            <a:schemeClr val="accent1"/>
+          </a:fillRef>
+          <a:effectRef idx="0">
+            <a:schemeClr val="accent1"/>
+          </a:effectRef>
+          <a:fontRef idx="minor">
+            <a:schemeClr val="lt1"/>
+          </a:fontRef>
+        </p:style>
+        <p:txBody>
+          <a:bodyPr rtlCol="0" anchor="ctr"/>
+          <a:lstStyle/>
+          <a:p>
+            <a:pPr algn="ctr"/>
+            <a:endParaRPr lang="ko-KR" altLang="en-US"/>
+          </a:p>
+        </p:txBody>
+      </p:sp>
+      <p:sp>
+        <p:nvSpPr>
+          <p:cNvPr id="7" name="사각형: 둥근 모서리 6">
+            <a:extLst>
+              <a:ext uri="{FF2B5EF4-FFF2-40B4-BE49-F238E27FC236}">
+                <a16:creationId xmlns:a16="http://schemas.microsoft.com/office/drawing/2014/main" id="{905709C3-E7A3-382A-8D15-EE87868EA1F9}"/>
               </a:ext>
             </a:extLst>
           </p:cNvPr>
@@ -23250,7 +25750,7 @@
           <p:cNvPr id="11" name="사각형: 둥근 모서리 10">
             <a:extLst>
               <a:ext uri="{FF2B5EF4-FFF2-40B4-BE49-F238E27FC236}">
-                <a16:creationId xmlns:a16="http://schemas.microsoft.com/office/drawing/2014/main" id="{4A748524-C58B-08EE-688B-A013EE664D17}"/>
+                <a16:creationId xmlns:a16="http://schemas.microsoft.com/office/drawing/2014/main" id="{5B282911-2791-88DC-B3AC-CE75C1C7BBBC}"/>
               </a:ext>
             </a:extLst>
           </p:cNvPr>
@@ -23299,7 +25799,7 @@
           <p:cNvPr id="12" name="사각형: 둥근 모서리 11">
             <a:extLst>
               <a:ext uri="{FF2B5EF4-FFF2-40B4-BE49-F238E27FC236}">
-                <a16:creationId xmlns:a16="http://schemas.microsoft.com/office/drawing/2014/main" id="{DD208867-ED2B-0AF2-75ED-199433BFDAA4}"/>
+                <a16:creationId xmlns:a16="http://schemas.microsoft.com/office/drawing/2014/main" id="{7D34DC79-705C-9E7E-0E4B-09D4649899C3}"/>
               </a:ext>
             </a:extLst>
           </p:cNvPr>
@@ -23348,7 +25848,7 @@
           <p:cNvPr id="9" name="제목 1">
             <a:extLst>
               <a:ext uri="{FF2B5EF4-FFF2-40B4-BE49-F238E27FC236}">
-                <a16:creationId xmlns:a16="http://schemas.microsoft.com/office/drawing/2014/main" id="{C7905240-BD48-38DF-93B6-99140FA9269C}"/>
+                <a16:creationId xmlns:a16="http://schemas.microsoft.com/office/drawing/2014/main" id="{B0415C10-9F5F-9004-FAE3-17C76E3C094B}"/>
               </a:ext>
             </a:extLst>
           </p:cNvPr>
@@ -23407,7 +25907,7 @@
           <p:cNvPr id="10" name="사각형: 둥근 모서리 9">
             <a:extLst>
               <a:ext uri="{FF2B5EF4-FFF2-40B4-BE49-F238E27FC236}">
-                <a16:creationId xmlns:a16="http://schemas.microsoft.com/office/drawing/2014/main" id="{41BDF2E9-1CD7-AD3B-3B16-7005602D07A2}"/>
+                <a16:creationId xmlns:a16="http://schemas.microsoft.com/office/drawing/2014/main" id="{1C73052F-2D0A-E1C9-52D7-941F64584434}"/>
               </a:ext>
             </a:extLst>
           </p:cNvPr>
@@ -23451,10 +25951,1148 @@
           </a:p>
         </p:txBody>
       </p:sp>
+      <p:sp>
+        <p:nvSpPr>
+          <p:cNvPr id="4" name="화살표: 왼쪽 3">
+            <a:extLst>
+              <a:ext uri="{FF2B5EF4-FFF2-40B4-BE49-F238E27FC236}">
+                <a16:creationId xmlns:a16="http://schemas.microsoft.com/office/drawing/2014/main" id="{E4A6DF0E-8DC8-E0C5-423A-D46237801D0E}"/>
+              </a:ext>
+            </a:extLst>
+          </p:cNvPr>
+          <p:cNvSpPr/>
+          <p:nvPr/>
+        </p:nvSpPr>
+        <p:spPr>
+          <a:xfrm>
+            <a:off x="4313716" y="931118"/>
+            <a:ext cx="391065" cy="345057"/>
+          </a:xfrm>
+          <a:prstGeom prst="leftArrow">
+            <a:avLst/>
+          </a:prstGeom>
+        </p:spPr>
+        <p:style>
+          <a:lnRef idx="2">
+            <a:schemeClr val="accent1">
+              <a:shade val="15000"/>
+            </a:schemeClr>
+          </a:lnRef>
+          <a:fillRef idx="1">
+            <a:schemeClr val="accent1"/>
+          </a:fillRef>
+          <a:effectRef idx="0">
+            <a:schemeClr val="accent1"/>
+          </a:effectRef>
+          <a:fontRef idx="minor">
+            <a:schemeClr val="lt1"/>
+          </a:fontRef>
+        </p:style>
+        <p:txBody>
+          <a:bodyPr rtlCol="0" anchor="ctr"/>
+          <a:lstStyle/>
+          <a:p>
+            <a:pPr algn="ctr"/>
+            <a:endParaRPr lang="ko-KR" altLang="en-US"/>
+          </a:p>
+        </p:txBody>
+      </p:sp>
     </p:spTree>
     <p:extLst>
       <p:ext uri="{BB962C8B-B14F-4D97-AF65-F5344CB8AC3E}">
-        <p14:creationId xmlns:p14="http://schemas.microsoft.com/office/powerpoint/2010/main" val="2219965898"/>
+        <p14:creationId xmlns:p14="http://schemas.microsoft.com/office/powerpoint/2010/main" val="2372645737"/>
+      </p:ext>
+    </p:extLst>
+  </p:cSld>
+  <p:clrMapOvr>
+    <a:masterClrMapping/>
+  </p:clrMapOvr>
+</p:sld>
+</file>
+
+<file path=ppt/slides/slide15.xml><?xml version="1.0" encoding="utf-8"?>
+<p:sld xmlns:a="http://schemas.openxmlformats.org/drawingml/2006/main" xmlns:r="http://schemas.openxmlformats.org/officeDocument/2006/relationships" xmlns:p="http://schemas.openxmlformats.org/presentationml/2006/main">
+  <p:cSld>
+    <p:spTree>
+      <p:nvGrpSpPr>
+        <p:cNvPr id="1" name="">
+          <a:extLst>
+            <a:ext uri="{FF2B5EF4-FFF2-40B4-BE49-F238E27FC236}">
+              <a16:creationId xmlns:a16="http://schemas.microsoft.com/office/drawing/2014/main" id="{075EB5E1-1A28-06EA-E56A-44148D9A3F05}"/>
+            </a:ext>
+          </a:extLst>
+        </p:cNvPr>
+        <p:cNvGrpSpPr/>
+        <p:nvPr/>
+      </p:nvGrpSpPr>
+      <p:grpSpPr>
+        <a:xfrm>
+          <a:off x="0" y="0"/>
+          <a:ext cx="0" cy="0"/>
+          <a:chOff x="0" y="0"/>
+          <a:chExt cx="0" cy="0"/>
+        </a:xfrm>
+      </p:grpSpPr>
+      <p:sp>
+        <p:nvSpPr>
+          <p:cNvPr id="2" name="제목 1">
+            <a:extLst>
+              <a:ext uri="{FF2B5EF4-FFF2-40B4-BE49-F238E27FC236}">
+                <a16:creationId xmlns:a16="http://schemas.microsoft.com/office/drawing/2014/main" id="{C54C330F-AD3E-29AA-A212-C03EE80FCE8B}"/>
+              </a:ext>
+            </a:extLst>
+          </p:cNvPr>
+          <p:cNvSpPr>
+            <a:spLocks noGrp="1"/>
+          </p:cNvSpPr>
+          <p:nvPr>
+            <p:ph type="title"/>
+          </p:nvPr>
+        </p:nvSpPr>
+        <p:spPr>
+          <a:xfrm>
+            <a:off x="228600" y="418459"/>
+            <a:ext cx="4173717" cy="512659"/>
+          </a:xfrm>
+        </p:spPr>
+        <p:txBody>
+          <a:bodyPr>
+            <a:normAutofit fontScale="90000"/>
+          </a:bodyPr>
+          <a:lstStyle/>
+          <a:p>
+            <a:r>
+              <a:rPr lang="ko-KR" altLang="en-US" sz="2800" dirty="0"/>
+              <a:t>음성 테스트</a:t>
+            </a:r>
+            <a:r>
+              <a:rPr lang="en-US" altLang="ko-KR" sz="2800" dirty="0"/>
+              <a:t>(mikeTest.xml)</a:t>
+            </a:r>
+            <a:endParaRPr lang="ko-KR" altLang="en-US" sz="2800" dirty="0"/>
+          </a:p>
+        </p:txBody>
+      </p:sp>
+      <p:sp>
+        <p:nvSpPr>
+          <p:cNvPr id="3" name="직사각형 2">
+            <a:extLst>
+              <a:ext uri="{FF2B5EF4-FFF2-40B4-BE49-F238E27FC236}">
+                <a16:creationId xmlns:a16="http://schemas.microsoft.com/office/drawing/2014/main" id="{359265AF-7949-5BE9-7987-61A41426F18D}"/>
+              </a:ext>
+            </a:extLst>
+          </p:cNvPr>
+          <p:cNvSpPr/>
+          <p:nvPr/>
+        </p:nvSpPr>
+        <p:spPr>
+          <a:xfrm>
+            <a:off x="4204393" y="822738"/>
+            <a:ext cx="4030958" cy="5443759"/>
+          </a:xfrm>
+          <a:prstGeom prst="rect">
+            <a:avLst/>
+          </a:prstGeom>
+          <a:solidFill>
+            <a:schemeClr val="bg2">
+              <a:lumMod val="90000"/>
+            </a:schemeClr>
+          </a:solidFill>
+        </p:spPr>
+        <p:style>
+          <a:lnRef idx="2">
+            <a:schemeClr val="accent1">
+              <a:shade val="15000"/>
+            </a:schemeClr>
+          </a:lnRef>
+          <a:fillRef idx="1">
+            <a:schemeClr val="accent1"/>
+          </a:fillRef>
+          <a:effectRef idx="0">
+            <a:schemeClr val="accent1"/>
+          </a:effectRef>
+          <a:fontRef idx="minor">
+            <a:schemeClr val="lt1"/>
+          </a:fontRef>
+        </p:style>
+        <p:txBody>
+          <a:bodyPr rtlCol="0" anchor="ctr"/>
+          <a:lstStyle/>
+          <a:p>
+            <a:pPr algn="ctr"/>
+            <a:endParaRPr lang="ko-KR" altLang="en-US" dirty="0"/>
+          </a:p>
+        </p:txBody>
+      </p:sp>
+      <p:sp>
+        <p:nvSpPr>
+          <p:cNvPr id="4" name="화살표: 왼쪽 3">
+            <a:extLst>
+              <a:ext uri="{FF2B5EF4-FFF2-40B4-BE49-F238E27FC236}">
+                <a16:creationId xmlns:a16="http://schemas.microsoft.com/office/drawing/2014/main" id="{DF54708F-A7D8-BB1A-1ABD-F31BA98B8A1D}"/>
+              </a:ext>
+            </a:extLst>
+          </p:cNvPr>
+          <p:cNvSpPr/>
+          <p:nvPr/>
+        </p:nvSpPr>
+        <p:spPr>
+          <a:xfrm>
+            <a:off x="4313716" y="931118"/>
+            <a:ext cx="391065" cy="345057"/>
+          </a:xfrm>
+          <a:prstGeom prst="leftArrow">
+            <a:avLst/>
+          </a:prstGeom>
+        </p:spPr>
+        <p:style>
+          <a:lnRef idx="2">
+            <a:schemeClr val="accent1">
+              <a:shade val="15000"/>
+            </a:schemeClr>
+          </a:lnRef>
+          <a:fillRef idx="1">
+            <a:schemeClr val="accent1"/>
+          </a:fillRef>
+          <a:effectRef idx="0">
+            <a:schemeClr val="accent1"/>
+          </a:effectRef>
+          <a:fontRef idx="minor">
+            <a:schemeClr val="lt1"/>
+          </a:fontRef>
+        </p:style>
+        <p:txBody>
+          <a:bodyPr rtlCol="0" anchor="ctr"/>
+          <a:lstStyle/>
+          <a:p>
+            <a:pPr algn="ctr"/>
+            <a:endParaRPr lang="ko-KR" altLang="en-US"/>
+          </a:p>
+        </p:txBody>
+      </p:sp>
+      <p:pic>
+        <p:nvPicPr>
+          <p:cNvPr id="1026" name="Picture 2" descr="마이크 - 무료 전자개 아이콘">
+            <a:extLst>
+              <a:ext uri="{FF2B5EF4-FFF2-40B4-BE49-F238E27FC236}">
+                <a16:creationId xmlns:a16="http://schemas.microsoft.com/office/drawing/2014/main" id="{7E2B514D-7B7E-B61A-928F-D93627F207AC}"/>
+              </a:ext>
+            </a:extLst>
+          </p:cNvPr>
+          <p:cNvPicPr>
+            <a:picLocks noChangeAspect="1" noChangeArrowheads="1"/>
+          </p:cNvPicPr>
+          <p:nvPr/>
+        </p:nvPicPr>
+        <p:blipFill>
+          <a:blip r:embed="rId2">
+            <a:extLst>
+              <a:ext uri="{28A0092B-C50C-407E-A947-70E740481C1C}">
+                <a14:useLocalDpi xmlns:a14="http://schemas.microsoft.com/office/drawing/2010/main" val="0"/>
+              </a:ext>
+            </a:extLst>
+          </a:blip>
+          <a:srcRect/>
+          <a:stretch>
+            <a:fillRect/>
+          </a:stretch>
+        </p:blipFill>
+        <p:spPr bwMode="auto">
+          <a:xfrm>
+            <a:off x="5134040" y="2128692"/>
+            <a:ext cx="2188785" cy="2188785"/>
+          </a:xfrm>
+          <a:prstGeom prst="rect">
+            <a:avLst/>
+          </a:prstGeom>
+          <a:noFill/>
+          <a:extLst>
+            <a:ext uri="{909E8E84-426E-40DD-AFC4-6F175D3DCCD1}">
+              <a14:hiddenFill xmlns:a14="http://schemas.microsoft.com/office/drawing/2010/main">
+                <a:solidFill>
+                  <a:srgbClr val="FFFFFF"/>
+                </a:solidFill>
+              </a14:hiddenFill>
+            </a:ext>
+          </a:extLst>
+        </p:spPr>
+      </p:pic>
+      <p:sp>
+        <p:nvSpPr>
+          <p:cNvPr id="6" name="사각형: 둥근 모서리 5">
+            <a:extLst>
+              <a:ext uri="{FF2B5EF4-FFF2-40B4-BE49-F238E27FC236}">
+                <a16:creationId xmlns:a16="http://schemas.microsoft.com/office/drawing/2014/main" id="{AE018DC0-D650-66B0-1DDC-8073379C5C50}"/>
+              </a:ext>
+            </a:extLst>
+          </p:cNvPr>
+          <p:cNvSpPr/>
+          <p:nvPr/>
+        </p:nvSpPr>
+        <p:spPr>
+          <a:xfrm>
+            <a:off x="4402317" y="4930022"/>
+            <a:ext cx="3624275" cy="1216253"/>
+          </a:xfrm>
+          <a:prstGeom prst="roundRect">
+            <a:avLst/>
+          </a:prstGeom>
+        </p:spPr>
+        <p:style>
+          <a:lnRef idx="2">
+            <a:schemeClr val="accent1">
+              <a:shade val="15000"/>
+            </a:schemeClr>
+          </a:lnRef>
+          <a:fillRef idx="1">
+            <a:schemeClr val="accent1"/>
+          </a:fillRef>
+          <a:effectRef idx="0">
+            <a:schemeClr val="accent1"/>
+          </a:effectRef>
+          <a:fontRef idx="minor">
+            <a:schemeClr val="lt1"/>
+          </a:fontRef>
+        </p:style>
+        <p:txBody>
+          <a:bodyPr rtlCol="0" anchor="ctr"/>
+          <a:lstStyle/>
+          <a:p>
+            <a:pPr algn="ctr"/>
+            <a:endParaRPr lang="ko-KR" altLang="en-US" dirty="0"/>
+          </a:p>
+        </p:txBody>
+      </p:sp>
+      <p:sp>
+        <p:nvSpPr>
+          <p:cNvPr id="5" name="TextBox 4">
+            <a:extLst>
+              <a:ext uri="{FF2B5EF4-FFF2-40B4-BE49-F238E27FC236}">
+                <a16:creationId xmlns:a16="http://schemas.microsoft.com/office/drawing/2014/main" id="{AE2C8920-E491-8AC4-531E-3AC2C681D31F}"/>
+              </a:ext>
+            </a:extLst>
+          </p:cNvPr>
+          <p:cNvSpPr txBox="1"/>
+          <p:nvPr/>
+        </p:nvSpPr>
+        <p:spPr>
+          <a:xfrm>
+            <a:off x="4626687" y="5060293"/>
+            <a:ext cx="2938625" cy="646331"/>
+          </a:xfrm>
+          <a:prstGeom prst="rect">
+            <a:avLst/>
+          </a:prstGeom>
+          <a:noFill/>
+        </p:spPr>
+        <p:txBody>
+          <a:bodyPr wrap="none" rtlCol="0">
+            <a:spAutoFit/>
+          </a:bodyPr>
+          <a:lstStyle/>
+          <a:p>
+            <a:r>
+              <a:rPr lang="ko-KR" altLang="en-US" dirty="0">
+                <a:solidFill>
+                  <a:schemeClr val="bg1"/>
+                </a:solidFill>
+              </a:rPr>
+              <a:t>안녕하세요</a:t>
+            </a:r>
+            <a:r>
+              <a:rPr lang="en-US" altLang="ko-KR" dirty="0">
+                <a:solidFill>
+                  <a:schemeClr val="bg1"/>
+                </a:solidFill>
+              </a:rPr>
+              <a:t>. </a:t>
+            </a:r>
+            <a:r>
+              <a:rPr lang="ko-KR" altLang="en-US" dirty="0" err="1">
+                <a:solidFill>
+                  <a:schemeClr val="bg1"/>
+                </a:solidFill>
+              </a:rPr>
+              <a:t>면접자</a:t>
+            </a:r>
+            <a:r>
+              <a:rPr lang="ko-KR" altLang="en-US" dirty="0">
+                <a:solidFill>
+                  <a:schemeClr val="bg1"/>
+                </a:solidFill>
+              </a:rPr>
+              <a:t> 홍길동</a:t>
+            </a:r>
+            <a:endParaRPr lang="en-US" altLang="ko-KR" dirty="0">
+              <a:solidFill>
+                <a:schemeClr val="bg1"/>
+              </a:solidFill>
+            </a:endParaRPr>
+          </a:p>
+          <a:p>
+            <a:r>
+              <a:rPr lang="ko-KR" altLang="en-US" dirty="0">
+                <a:solidFill>
+                  <a:schemeClr val="bg1"/>
+                </a:solidFill>
+              </a:rPr>
+              <a:t>입니다</a:t>
+            </a:r>
+          </a:p>
+        </p:txBody>
+      </p:sp>
+    </p:spTree>
+    <p:extLst>
+      <p:ext uri="{BB962C8B-B14F-4D97-AF65-F5344CB8AC3E}">
+        <p14:creationId xmlns:p14="http://schemas.microsoft.com/office/powerpoint/2010/main" val="1421479070"/>
+      </p:ext>
+    </p:extLst>
+  </p:cSld>
+  <p:clrMapOvr>
+    <a:masterClrMapping/>
+  </p:clrMapOvr>
+</p:sld>
+</file>
+
+<file path=ppt/slides/slide16.xml><?xml version="1.0" encoding="utf-8"?>
+<p:sld xmlns:a="http://schemas.openxmlformats.org/drawingml/2006/main" xmlns:r="http://schemas.openxmlformats.org/officeDocument/2006/relationships" xmlns:p="http://schemas.openxmlformats.org/presentationml/2006/main">
+  <p:cSld>
+    <p:spTree>
+      <p:nvGrpSpPr>
+        <p:cNvPr id="1" name="">
+          <a:extLst>
+            <a:ext uri="{FF2B5EF4-FFF2-40B4-BE49-F238E27FC236}">
+              <a16:creationId xmlns:a16="http://schemas.microsoft.com/office/drawing/2014/main" id="{369B992D-A2A9-7A5B-5AD9-979EB749AEC9}"/>
+            </a:ext>
+          </a:extLst>
+        </p:cNvPr>
+        <p:cNvGrpSpPr/>
+        <p:nvPr/>
+      </p:nvGrpSpPr>
+      <p:grpSpPr>
+        <a:xfrm>
+          <a:off x="0" y="0"/>
+          <a:ext cx="0" cy="0"/>
+          <a:chOff x="0" y="0"/>
+          <a:chExt cx="0" cy="0"/>
+        </a:xfrm>
+      </p:grpSpPr>
+      <p:sp>
+        <p:nvSpPr>
+          <p:cNvPr id="2" name="제목 1">
+            <a:extLst>
+              <a:ext uri="{FF2B5EF4-FFF2-40B4-BE49-F238E27FC236}">
+                <a16:creationId xmlns:a16="http://schemas.microsoft.com/office/drawing/2014/main" id="{8881D819-A9BA-F476-6E66-0E3A5BB65082}"/>
+              </a:ext>
+            </a:extLst>
+          </p:cNvPr>
+          <p:cNvSpPr>
+            <a:spLocks noGrp="1"/>
+          </p:cNvSpPr>
+          <p:nvPr>
+            <p:ph type="title"/>
+          </p:nvPr>
+        </p:nvSpPr>
+        <p:spPr>
+          <a:xfrm>
+            <a:off x="228601" y="418459"/>
+            <a:ext cx="3736496" cy="512659"/>
+          </a:xfrm>
+        </p:spPr>
+        <p:txBody>
+          <a:bodyPr>
+            <a:normAutofit/>
+          </a:bodyPr>
+          <a:lstStyle/>
+          <a:p>
+            <a:r>
+              <a:rPr lang="ko-KR" altLang="en-US" sz="2800" dirty="0"/>
+              <a:t>설정</a:t>
+            </a:r>
+            <a:r>
+              <a:rPr lang="en-US" altLang="ko-KR" sz="2800" dirty="0"/>
+              <a:t>(option.xml)</a:t>
+            </a:r>
+            <a:endParaRPr lang="ko-KR" altLang="en-US" sz="2800" dirty="0"/>
+          </a:p>
+        </p:txBody>
+      </p:sp>
+      <p:sp>
+        <p:nvSpPr>
+          <p:cNvPr id="3" name="직사각형 2">
+            <a:extLst>
+              <a:ext uri="{FF2B5EF4-FFF2-40B4-BE49-F238E27FC236}">
+                <a16:creationId xmlns:a16="http://schemas.microsoft.com/office/drawing/2014/main" id="{3B07AF4A-33A5-BB0A-A725-9D8694D5ABBE}"/>
+              </a:ext>
+            </a:extLst>
+          </p:cNvPr>
+          <p:cNvSpPr/>
+          <p:nvPr/>
+        </p:nvSpPr>
+        <p:spPr>
+          <a:xfrm>
+            <a:off x="4204393" y="822738"/>
+            <a:ext cx="4030958" cy="5443759"/>
+          </a:xfrm>
+          <a:prstGeom prst="rect">
+            <a:avLst/>
+          </a:prstGeom>
+          <a:solidFill>
+            <a:schemeClr val="bg2">
+              <a:lumMod val="90000"/>
+            </a:schemeClr>
+          </a:solidFill>
+        </p:spPr>
+        <p:style>
+          <a:lnRef idx="2">
+            <a:schemeClr val="accent1">
+              <a:shade val="15000"/>
+            </a:schemeClr>
+          </a:lnRef>
+          <a:fillRef idx="1">
+            <a:schemeClr val="accent1"/>
+          </a:fillRef>
+          <a:effectRef idx="0">
+            <a:schemeClr val="accent1"/>
+          </a:effectRef>
+          <a:fontRef idx="minor">
+            <a:schemeClr val="lt1"/>
+          </a:fontRef>
+        </p:style>
+        <p:txBody>
+          <a:bodyPr rtlCol="0" anchor="ctr"/>
+          <a:lstStyle/>
+          <a:p>
+            <a:pPr algn="ctr"/>
+            <a:endParaRPr lang="ko-KR" altLang="en-US"/>
+          </a:p>
+        </p:txBody>
+      </p:sp>
+      <p:sp>
+        <p:nvSpPr>
+          <p:cNvPr id="4" name="화살표: 왼쪽 3">
+            <a:extLst>
+              <a:ext uri="{FF2B5EF4-FFF2-40B4-BE49-F238E27FC236}">
+                <a16:creationId xmlns:a16="http://schemas.microsoft.com/office/drawing/2014/main" id="{54B7E68B-FA45-A305-9BF3-CE74224AECC0}"/>
+              </a:ext>
+            </a:extLst>
+          </p:cNvPr>
+          <p:cNvSpPr/>
+          <p:nvPr/>
+        </p:nvSpPr>
+        <p:spPr>
+          <a:xfrm>
+            <a:off x="4313716" y="931118"/>
+            <a:ext cx="391065" cy="345057"/>
+          </a:xfrm>
+          <a:prstGeom prst="leftArrow">
+            <a:avLst/>
+          </a:prstGeom>
+        </p:spPr>
+        <p:style>
+          <a:lnRef idx="2">
+            <a:schemeClr val="accent1">
+              <a:shade val="15000"/>
+            </a:schemeClr>
+          </a:lnRef>
+          <a:fillRef idx="1">
+            <a:schemeClr val="accent1"/>
+          </a:fillRef>
+          <a:effectRef idx="0">
+            <a:schemeClr val="accent1"/>
+          </a:effectRef>
+          <a:fontRef idx="minor">
+            <a:schemeClr val="lt1"/>
+          </a:fontRef>
+        </p:style>
+        <p:txBody>
+          <a:bodyPr rtlCol="0" anchor="ctr"/>
+          <a:lstStyle/>
+          <a:p>
+            <a:pPr algn="ctr"/>
+            <a:endParaRPr lang="ko-KR" altLang="en-US"/>
+          </a:p>
+        </p:txBody>
+      </p:sp>
+      <p:sp>
+        <p:nvSpPr>
+          <p:cNvPr id="5" name="TextBox 4">
+            <a:extLst>
+              <a:ext uri="{FF2B5EF4-FFF2-40B4-BE49-F238E27FC236}">
+                <a16:creationId xmlns:a16="http://schemas.microsoft.com/office/drawing/2014/main" id="{47E2CB58-DDE0-8FA2-C536-C9B21CC835B1}"/>
+              </a:ext>
+            </a:extLst>
+          </p:cNvPr>
+          <p:cNvSpPr txBox="1"/>
+          <p:nvPr/>
+        </p:nvSpPr>
+        <p:spPr>
+          <a:xfrm>
+            <a:off x="4419297" y="1496961"/>
+            <a:ext cx="646331" cy="369332"/>
+          </a:xfrm>
+          <a:prstGeom prst="rect">
+            <a:avLst/>
+          </a:prstGeom>
+          <a:noFill/>
+        </p:spPr>
+        <p:txBody>
+          <a:bodyPr wrap="none" rtlCol="0">
+            <a:spAutoFit/>
+          </a:bodyPr>
+          <a:lstStyle/>
+          <a:p>
+            <a:r>
+              <a:rPr lang="ko-KR" altLang="en-US" dirty="0"/>
+              <a:t>소리</a:t>
+            </a:r>
+            <a:endParaRPr lang="en-US" altLang="ko-KR" dirty="0"/>
+          </a:p>
+        </p:txBody>
+      </p:sp>
+      <p:sp>
+        <p:nvSpPr>
+          <p:cNvPr id="6" name="TextBox 5">
+            <a:extLst>
+              <a:ext uri="{FF2B5EF4-FFF2-40B4-BE49-F238E27FC236}">
+                <a16:creationId xmlns:a16="http://schemas.microsoft.com/office/drawing/2014/main" id="{7BA303E2-409E-F1D1-B5AE-9C06355C9EB8}"/>
+              </a:ext>
+            </a:extLst>
+          </p:cNvPr>
+          <p:cNvSpPr txBox="1"/>
+          <p:nvPr/>
+        </p:nvSpPr>
+        <p:spPr>
+          <a:xfrm>
+            <a:off x="5823734" y="1008668"/>
+            <a:ext cx="800219" cy="461665"/>
+          </a:xfrm>
+          <a:prstGeom prst="rect">
+            <a:avLst/>
+          </a:prstGeom>
+          <a:noFill/>
+        </p:spPr>
+        <p:txBody>
+          <a:bodyPr wrap="none" rtlCol="0">
+            <a:spAutoFit/>
+          </a:bodyPr>
+          <a:lstStyle/>
+          <a:p>
+            <a:r>
+              <a:rPr lang="ko-KR" altLang="en-US" sz="2400" b="1">
+                <a:solidFill>
+                  <a:schemeClr val="bg1"/>
+                </a:solidFill>
+              </a:rPr>
+              <a:t>설정</a:t>
+            </a:r>
+          </a:p>
+        </p:txBody>
+      </p:sp>
+      <p:sp>
+        <p:nvSpPr>
+          <p:cNvPr id="8" name="TextBox 7">
+            <a:extLst>
+              <a:ext uri="{FF2B5EF4-FFF2-40B4-BE49-F238E27FC236}">
+                <a16:creationId xmlns:a16="http://schemas.microsoft.com/office/drawing/2014/main" id="{67C1DDCF-C7D2-F9EB-7F95-D8E44C842396}"/>
+              </a:ext>
+            </a:extLst>
+          </p:cNvPr>
+          <p:cNvSpPr txBox="1"/>
+          <p:nvPr/>
+        </p:nvSpPr>
+        <p:spPr>
+          <a:xfrm>
+            <a:off x="4419297" y="2087079"/>
+            <a:ext cx="646331" cy="369332"/>
+          </a:xfrm>
+          <a:prstGeom prst="rect">
+            <a:avLst/>
+          </a:prstGeom>
+          <a:noFill/>
+        </p:spPr>
+        <p:txBody>
+          <a:bodyPr wrap="none" rtlCol="0">
+            <a:spAutoFit/>
+          </a:bodyPr>
+          <a:lstStyle/>
+          <a:p>
+            <a:r>
+              <a:rPr lang="ko-KR" altLang="en-US" dirty="0"/>
+              <a:t>알림</a:t>
+            </a:r>
+            <a:endParaRPr lang="en-US" altLang="ko-KR" dirty="0"/>
+          </a:p>
+        </p:txBody>
+      </p:sp>
+      <p:sp>
+        <p:nvSpPr>
+          <p:cNvPr id="14" name="TextBox 13">
+            <a:extLst>
+              <a:ext uri="{FF2B5EF4-FFF2-40B4-BE49-F238E27FC236}">
+                <a16:creationId xmlns:a16="http://schemas.microsoft.com/office/drawing/2014/main" id="{C3E01446-9EEE-A5BA-408C-A668B256F6D2}"/>
+              </a:ext>
+            </a:extLst>
+          </p:cNvPr>
+          <p:cNvSpPr txBox="1"/>
+          <p:nvPr/>
+        </p:nvSpPr>
+        <p:spPr>
+          <a:xfrm>
+            <a:off x="4428724" y="2677197"/>
+            <a:ext cx="2113079" cy="369332"/>
+          </a:xfrm>
+          <a:prstGeom prst="rect">
+            <a:avLst/>
+          </a:prstGeom>
+          <a:noFill/>
+        </p:spPr>
+        <p:txBody>
+          <a:bodyPr wrap="none" rtlCol="0">
+            <a:spAutoFit/>
+          </a:bodyPr>
+          <a:lstStyle/>
+          <a:p>
+            <a:r>
+              <a:rPr lang="ko-KR" altLang="en-US" dirty="0"/>
+              <a:t>개인정보 처리방침</a:t>
+            </a:r>
+            <a:endParaRPr lang="en-US" altLang="ko-KR" dirty="0"/>
+          </a:p>
+        </p:txBody>
+      </p:sp>
+      <p:sp>
+        <p:nvSpPr>
+          <p:cNvPr id="15" name="사각형: 둥근 모서리 14">
+            <a:extLst>
+              <a:ext uri="{FF2B5EF4-FFF2-40B4-BE49-F238E27FC236}">
+                <a16:creationId xmlns:a16="http://schemas.microsoft.com/office/drawing/2014/main" id="{3E08675D-86ED-13F1-B6C2-0F39BAF76F3A}"/>
+              </a:ext>
+            </a:extLst>
+          </p:cNvPr>
+          <p:cNvSpPr/>
+          <p:nvPr/>
+        </p:nvSpPr>
+        <p:spPr>
+          <a:xfrm>
+            <a:off x="5184742" y="1612289"/>
+            <a:ext cx="2742269" cy="150523"/>
+          </a:xfrm>
+          <a:prstGeom prst="roundRect">
+            <a:avLst/>
+          </a:prstGeom>
+        </p:spPr>
+        <p:style>
+          <a:lnRef idx="2">
+            <a:schemeClr val="accent1">
+              <a:shade val="15000"/>
+            </a:schemeClr>
+          </a:lnRef>
+          <a:fillRef idx="1">
+            <a:schemeClr val="accent1"/>
+          </a:fillRef>
+          <a:effectRef idx="0">
+            <a:schemeClr val="accent1"/>
+          </a:effectRef>
+          <a:fontRef idx="minor">
+            <a:schemeClr val="lt1"/>
+          </a:fontRef>
+        </p:style>
+        <p:txBody>
+          <a:bodyPr rtlCol="0" anchor="ctr"/>
+          <a:lstStyle/>
+          <a:p>
+            <a:endParaRPr lang="ko-KR" altLang="en-US" sz="1400" dirty="0"/>
+          </a:p>
+        </p:txBody>
+      </p:sp>
+      <p:sp>
+        <p:nvSpPr>
+          <p:cNvPr id="16" name="직사각형 15">
+            <a:extLst>
+              <a:ext uri="{FF2B5EF4-FFF2-40B4-BE49-F238E27FC236}">
+                <a16:creationId xmlns:a16="http://schemas.microsoft.com/office/drawing/2014/main" id="{6EAF8371-A635-9B09-6C71-F9CF0E5A9244}"/>
+              </a:ext>
+            </a:extLst>
+          </p:cNvPr>
+          <p:cNvSpPr/>
+          <p:nvPr/>
+        </p:nvSpPr>
+        <p:spPr>
+          <a:xfrm>
+            <a:off x="6325386" y="1496961"/>
+            <a:ext cx="141402" cy="369332"/>
+          </a:xfrm>
+          <a:prstGeom prst="rect">
+            <a:avLst/>
+          </a:prstGeom>
+        </p:spPr>
+        <p:style>
+          <a:lnRef idx="2">
+            <a:schemeClr val="accent6"/>
+          </a:lnRef>
+          <a:fillRef idx="1">
+            <a:schemeClr val="lt1"/>
+          </a:fillRef>
+          <a:effectRef idx="0">
+            <a:schemeClr val="accent6"/>
+          </a:effectRef>
+          <a:fontRef idx="minor">
+            <a:schemeClr val="dk1"/>
+          </a:fontRef>
+        </p:style>
+        <p:txBody>
+          <a:bodyPr rtlCol="0" anchor="ctr"/>
+          <a:lstStyle/>
+          <a:p>
+            <a:pPr algn="ctr"/>
+            <a:endParaRPr lang="ko-KR" altLang="en-US"/>
+          </a:p>
+        </p:txBody>
+      </p:sp>
+      <p:sp>
+        <p:nvSpPr>
+          <p:cNvPr id="19" name="TextBox 18">
+            <a:extLst>
+              <a:ext uri="{FF2B5EF4-FFF2-40B4-BE49-F238E27FC236}">
+                <a16:creationId xmlns:a16="http://schemas.microsoft.com/office/drawing/2014/main" id="{394544DD-3039-D00A-5A7A-4B6DB00DA4E7}"/>
+              </a:ext>
+            </a:extLst>
+          </p:cNvPr>
+          <p:cNvSpPr txBox="1"/>
+          <p:nvPr/>
+        </p:nvSpPr>
+        <p:spPr>
+          <a:xfrm>
+            <a:off x="4419297" y="3769411"/>
+            <a:ext cx="877163" cy="369332"/>
+          </a:xfrm>
+          <a:prstGeom prst="rect">
+            <a:avLst/>
+          </a:prstGeom>
+          <a:noFill/>
+        </p:spPr>
+        <p:txBody>
+          <a:bodyPr wrap="none" rtlCol="0">
+            <a:spAutoFit/>
+          </a:bodyPr>
+          <a:lstStyle/>
+          <a:p>
+            <a:r>
+              <a:rPr lang="ko-KR" altLang="en-US" dirty="0"/>
+              <a:t>저작권</a:t>
+            </a:r>
+            <a:endParaRPr lang="en-US" altLang="ko-KR" dirty="0"/>
+          </a:p>
+        </p:txBody>
+      </p:sp>
+      <p:sp>
+        <p:nvSpPr>
+          <p:cNvPr id="20" name="TextBox 19">
+            <a:extLst>
+              <a:ext uri="{FF2B5EF4-FFF2-40B4-BE49-F238E27FC236}">
+                <a16:creationId xmlns:a16="http://schemas.microsoft.com/office/drawing/2014/main" id="{6473A5D7-7B26-AD67-C591-26BBA63AB705}"/>
+              </a:ext>
+            </a:extLst>
+          </p:cNvPr>
+          <p:cNvSpPr txBox="1"/>
+          <p:nvPr/>
+        </p:nvSpPr>
+        <p:spPr>
+          <a:xfrm>
+            <a:off x="4419297" y="3217338"/>
+            <a:ext cx="1107996" cy="369332"/>
+          </a:xfrm>
+          <a:prstGeom prst="rect">
+            <a:avLst/>
+          </a:prstGeom>
+          <a:noFill/>
+        </p:spPr>
+        <p:txBody>
+          <a:bodyPr wrap="none" rtlCol="0">
+            <a:spAutoFit/>
+          </a:bodyPr>
+          <a:lstStyle/>
+          <a:p>
+            <a:r>
+              <a:rPr lang="ko-KR" altLang="en-US" dirty="0"/>
+              <a:t>이용방침</a:t>
+            </a:r>
+            <a:endParaRPr lang="en-US" altLang="ko-KR" dirty="0"/>
+          </a:p>
+        </p:txBody>
+      </p:sp>
+      <p:sp>
+        <p:nvSpPr>
+          <p:cNvPr id="23" name="직사각형 22">
+            <a:extLst>
+              <a:ext uri="{FF2B5EF4-FFF2-40B4-BE49-F238E27FC236}">
+                <a16:creationId xmlns:a16="http://schemas.microsoft.com/office/drawing/2014/main" id="{8DA11968-039C-D2B7-0545-800E046895FC}"/>
+              </a:ext>
+            </a:extLst>
+          </p:cNvPr>
+          <p:cNvSpPr/>
+          <p:nvPr/>
+        </p:nvSpPr>
+        <p:spPr>
+          <a:xfrm>
+            <a:off x="7513163" y="2168165"/>
+            <a:ext cx="301658" cy="288246"/>
+          </a:xfrm>
+          <a:prstGeom prst="rect">
+            <a:avLst/>
+          </a:prstGeom>
+        </p:spPr>
+        <p:style>
+          <a:lnRef idx="2">
+            <a:schemeClr val="accent1">
+              <a:shade val="15000"/>
+            </a:schemeClr>
+          </a:lnRef>
+          <a:fillRef idx="1">
+            <a:schemeClr val="accent1"/>
+          </a:fillRef>
+          <a:effectRef idx="0">
+            <a:schemeClr val="accent1"/>
+          </a:effectRef>
+          <a:fontRef idx="minor">
+            <a:schemeClr val="lt1"/>
+          </a:fontRef>
+        </p:style>
+        <p:txBody>
+          <a:bodyPr rtlCol="0" anchor="ctr"/>
+          <a:lstStyle/>
+          <a:p>
+            <a:pPr algn="ctr"/>
+            <a:endParaRPr lang="ko-KR" altLang="en-US"/>
+          </a:p>
+        </p:txBody>
+      </p:sp>
+      <p:sp>
+        <p:nvSpPr>
+          <p:cNvPr id="24" name="화살표: 갈매기형 수장 23">
+            <a:extLst>
+              <a:ext uri="{FF2B5EF4-FFF2-40B4-BE49-F238E27FC236}">
+                <a16:creationId xmlns:a16="http://schemas.microsoft.com/office/drawing/2014/main" id="{2023B242-285E-EBCC-5B4C-75766FC8A60D}"/>
+              </a:ext>
+            </a:extLst>
+          </p:cNvPr>
+          <p:cNvSpPr/>
+          <p:nvPr/>
+        </p:nvSpPr>
+        <p:spPr>
+          <a:xfrm>
+            <a:off x="7758259" y="2752693"/>
+            <a:ext cx="113123" cy="218142"/>
+          </a:xfrm>
+          <a:prstGeom prst="chevron">
+            <a:avLst/>
+          </a:prstGeom>
+        </p:spPr>
+        <p:style>
+          <a:lnRef idx="2">
+            <a:schemeClr val="accent1">
+              <a:shade val="15000"/>
+            </a:schemeClr>
+          </a:lnRef>
+          <a:fillRef idx="1">
+            <a:schemeClr val="accent1"/>
+          </a:fillRef>
+          <a:effectRef idx="0">
+            <a:schemeClr val="accent1"/>
+          </a:effectRef>
+          <a:fontRef idx="minor">
+            <a:schemeClr val="lt1"/>
+          </a:fontRef>
+        </p:style>
+        <p:txBody>
+          <a:bodyPr rtlCol="0" anchor="ctr"/>
+          <a:lstStyle/>
+          <a:p>
+            <a:pPr algn="ctr"/>
+            <a:endParaRPr lang="ko-KR" altLang="en-US">
+              <a:solidFill>
+                <a:schemeClr val="tx1"/>
+              </a:solidFill>
+            </a:endParaRPr>
+          </a:p>
+        </p:txBody>
+      </p:sp>
+      <p:sp>
+        <p:nvSpPr>
+          <p:cNvPr id="25" name="화살표: 갈매기형 수장 24">
+            <a:extLst>
+              <a:ext uri="{FF2B5EF4-FFF2-40B4-BE49-F238E27FC236}">
+                <a16:creationId xmlns:a16="http://schemas.microsoft.com/office/drawing/2014/main" id="{7126F141-C254-105F-334C-E6D39BCCEFAD}"/>
+              </a:ext>
+            </a:extLst>
+          </p:cNvPr>
+          <p:cNvSpPr/>
+          <p:nvPr/>
+        </p:nvSpPr>
+        <p:spPr>
+          <a:xfrm>
+            <a:off x="7732854" y="3365688"/>
+            <a:ext cx="113123" cy="218142"/>
+          </a:xfrm>
+          <a:prstGeom prst="chevron">
+            <a:avLst/>
+          </a:prstGeom>
+        </p:spPr>
+        <p:style>
+          <a:lnRef idx="2">
+            <a:schemeClr val="accent1">
+              <a:shade val="15000"/>
+            </a:schemeClr>
+          </a:lnRef>
+          <a:fillRef idx="1">
+            <a:schemeClr val="accent1"/>
+          </a:fillRef>
+          <a:effectRef idx="0">
+            <a:schemeClr val="accent1"/>
+          </a:effectRef>
+          <a:fontRef idx="minor">
+            <a:schemeClr val="lt1"/>
+          </a:fontRef>
+        </p:style>
+        <p:txBody>
+          <a:bodyPr rtlCol="0" anchor="ctr"/>
+          <a:lstStyle/>
+          <a:p>
+            <a:pPr algn="ctr"/>
+            <a:endParaRPr lang="ko-KR" altLang="en-US">
+              <a:solidFill>
+                <a:schemeClr val="tx1"/>
+              </a:solidFill>
+            </a:endParaRPr>
+          </a:p>
+        </p:txBody>
+      </p:sp>
+      <p:sp>
+        <p:nvSpPr>
+          <p:cNvPr id="26" name="화살표: 갈매기형 수장 25">
+            <a:extLst>
+              <a:ext uri="{FF2B5EF4-FFF2-40B4-BE49-F238E27FC236}">
+                <a16:creationId xmlns:a16="http://schemas.microsoft.com/office/drawing/2014/main" id="{F964F485-BCE6-9EA0-B86F-35761E55C09E}"/>
+              </a:ext>
+            </a:extLst>
+          </p:cNvPr>
+          <p:cNvSpPr/>
+          <p:nvPr/>
+        </p:nvSpPr>
+        <p:spPr>
+          <a:xfrm>
+            <a:off x="7726302" y="3920601"/>
+            <a:ext cx="113123" cy="218142"/>
+          </a:xfrm>
+          <a:prstGeom prst="chevron">
+            <a:avLst/>
+          </a:prstGeom>
+        </p:spPr>
+        <p:style>
+          <a:lnRef idx="2">
+            <a:schemeClr val="accent1">
+              <a:shade val="15000"/>
+            </a:schemeClr>
+          </a:lnRef>
+          <a:fillRef idx="1">
+            <a:schemeClr val="accent1"/>
+          </a:fillRef>
+          <a:effectRef idx="0">
+            <a:schemeClr val="accent1"/>
+          </a:effectRef>
+          <a:fontRef idx="minor">
+            <a:schemeClr val="lt1"/>
+          </a:fontRef>
+        </p:style>
+        <p:txBody>
+          <a:bodyPr rtlCol="0" anchor="ctr"/>
+          <a:lstStyle/>
+          <a:p>
+            <a:pPr algn="ctr"/>
+            <a:endParaRPr lang="ko-KR" altLang="en-US">
+              <a:solidFill>
+                <a:schemeClr val="tx1"/>
+              </a:solidFill>
+            </a:endParaRPr>
+          </a:p>
+        </p:txBody>
+      </p:sp>
+      <p:sp>
+        <p:nvSpPr>
+          <p:cNvPr id="27" name="제목 1">
+            <a:extLst>
+              <a:ext uri="{FF2B5EF4-FFF2-40B4-BE49-F238E27FC236}">
+                <a16:creationId xmlns:a16="http://schemas.microsoft.com/office/drawing/2014/main" id="{2C79CEFF-E33B-2226-D771-3DCAE920BC70}"/>
+              </a:ext>
+            </a:extLst>
+          </p:cNvPr>
+          <p:cNvSpPr txBox="1">
+            <a:spLocks/>
+          </p:cNvSpPr>
+          <p:nvPr/>
+        </p:nvSpPr>
+        <p:spPr>
+          <a:xfrm>
+            <a:off x="7437603" y="2098600"/>
+            <a:ext cx="452778" cy="398910"/>
+          </a:xfrm>
+          <a:prstGeom prst="rect">
+            <a:avLst/>
+          </a:prstGeom>
+        </p:spPr>
+        <p:txBody>
+          <a:bodyPr vert="horz" lIns="91440" tIns="45720" rIns="91440" bIns="45720" rtlCol="0" anchor="ctr">
+            <a:noAutofit/>
+          </a:bodyPr>
+          <a:lstStyle>
+            <a:lvl1pPr algn="l" defTabSz="914400" rtl="0" eaLnBrk="1" latinLnBrk="1" hangingPunct="1">
+              <a:lnSpc>
+                <a:spcPct val="90000"/>
+              </a:lnSpc>
+              <a:spcBef>
+                <a:spcPct val="0"/>
+              </a:spcBef>
+              <a:buNone/>
+              <a:defRPr sz="4400" kern="1200">
+                <a:solidFill>
+                  <a:schemeClr val="tx1"/>
+                </a:solidFill>
+                <a:latin typeface="+mj-lt"/>
+                <a:ea typeface="+mj-ea"/>
+                <a:cs typeface="+mj-cs"/>
+              </a:defRPr>
+            </a:lvl1pPr>
+          </a:lstStyle>
+          <a:p>
+            <a:r>
+              <a:rPr lang="ko-KR" altLang="en-US" sz="2800" b="0" i="0" dirty="0">
+                <a:solidFill>
+                  <a:schemeClr val="accent6">
+                    <a:lumMod val="60000"/>
+                    <a:lumOff val="40000"/>
+                  </a:schemeClr>
+                </a:solidFill>
+                <a:effectLst/>
+                <a:latin typeface="AppleSDGothicNeo"/>
+              </a:rPr>
+              <a:t>✔</a:t>
+            </a:r>
+            <a:endParaRPr lang="ko-KR" altLang="en-US" sz="2800" dirty="0">
+              <a:solidFill>
+                <a:schemeClr val="accent6">
+                  <a:lumMod val="60000"/>
+                  <a:lumOff val="40000"/>
+                </a:schemeClr>
+              </a:solidFill>
+            </a:endParaRPr>
+          </a:p>
+        </p:txBody>
+      </p:sp>
+    </p:spTree>
+    <p:extLst>
+      <p:ext uri="{BB962C8B-B14F-4D97-AF65-F5344CB8AC3E}">
+        <p14:creationId xmlns:p14="http://schemas.microsoft.com/office/powerpoint/2010/main" val="3435618562"/>
       </p:ext>
     </p:extLst>
   </p:cSld>
@@ -31062,7 +34700,7 @@
         <p:cNvPr id="1" name="">
           <a:extLst>
             <a:ext uri="{FF2B5EF4-FFF2-40B4-BE49-F238E27FC236}">
-              <a16:creationId xmlns:a16="http://schemas.microsoft.com/office/drawing/2014/main" id="{C0919A6F-A1BF-21DD-4070-59E3F21AC4CB}"/>
+              <a16:creationId xmlns:a16="http://schemas.microsoft.com/office/drawing/2014/main" id="{24BAF560-C2C7-2169-F878-6074B0799301}"/>
             </a:ext>
           </a:extLst>
         </p:cNvPr>
@@ -31082,7 +34720,7 @@
           <p:cNvPr id="2" name="제목 1">
             <a:extLst>
               <a:ext uri="{FF2B5EF4-FFF2-40B4-BE49-F238E27FC236}">
-                <a16:creationId xmlns:a16="http://schemas.microsoft.com/office/drawing/2014/main" id="{19ADE1F0-3B72-DC50-CB7D-9344EA82D560}"/>
+                <a16:creationId xmlns:a16="http://schemas.microsoft.com/office/drawing/2014/main" id="{872A487B-9E16-7629-00D1-C1B882F5DB19}"/>
               </a:ext>
             </a:extLst>
           </p:cNvPr>
@@ -31095,25 +34733,25 @@
         </p:nvSpPr>
         <p:spPr>
           <a:xfrm>
-            <a:off x="504646" y="159957"/>
-            <a:ext cx="10515600" cy="1325563"/>
+            <a:off x="228600" y="418459"/>
+            <a:ext cx="3696037" cy="512659"/>
           </a:xfrm>
         </p:spPr>
         <p:txBody>
           <a:bodyPr>
-            <a:normAutofit/>
+            <a:normAutofit fontScale="90000"/>
           </a:bodyPr>
           <a:lstStyle/>
           <a:p>
             <a:r>
-              <a:rPr lang="ko-KR" altLang="en-US" sz="3600" dirty="0"/>
-              <a:t>히스토리</a:t>
+              <a:rPr lang="ko-KR" altLang="en-US" sz="2800" dirty="0"/>
+              <a:t>마이페이지</a:t>
             </a:r>
             <a:r>
-              <a:rPr lang="en-US" altLang="ko-KR" sz="3600" dirty="0"/>
-              <a:t>(history.xml)</a:t>
+              <a:rPr lang="en-US" altLang="ko-KR" sz="2800" dirty="0"/>
+              <a:t>(mypage.xml)</a:t>
             </a:r>
-            <a:endParaRPr lang="ko-KR" altLang="en-US" sz="3600" dirty="0"/>
+            <a:endParaRPr lang="ko-KR" altLang="en-US" sz="2800" dirty="0"/>
           </a:p>
         </p:txBody>
       </p:sp>
@@ -31122,7 +34760,7 @@
           <p:cNvPr id="3" name="직사각형 2">
             <a:extLst>
               <a:ext uri="{FF2B5EF4-FFF2-40B4-BE49-F238E27FC236}">
-                <a16:creationId xmlns:a16="http://schemas.microsoft.com/office/drawing/2014/main" id="{6A8B86C1-49FF-B568-A454-7EEBE7848EF2}"/>
+                <a16:creationId xmlns:a16="http://schemas.microsoft.com/office/drawing/2014/main" id="{A3C6F8C4-0D6D-51E0-269F-89E87AF83E5B}"/>
               </a:ext>
             </a:extLst>
           </p:cNvPr>
@@ -31131,8 +34769,8 @@
         </p:nvSpPr>
         <p:spPr>
           <a:xfrm>
-            <a:off x="2292054" y="1127764"/>
-            <a:ext cx="4030958" cy="5570279"/>
+            <a:off x="4204393" y="822738"/>
+            <a:ext cx="4030958" cy="5443759"/>
           </a:xfrm>
           <a:prstGeom prst="rect">
             <a:avLst/>
@@ -31170,10 +34808,10 @@
       </p:sp>
       <p:sp>
         <p:nvSpPr>
-          <p:cNvPr id="4" name="말풍선: 모서리가 둥근 사각형 3">
+          <p:cNvPr id="7" name="사각형: 둥근 모서리 6">
             <a:extLst>
               <a:ext uri="{FF2B5EF4-FFF2-40B4-BE49-F238E27FC236}">
-                <a16:creationId xmlns:a16="http://schemas.microsoft.com/office/drawing/2014/main" id="{F8DEB451-94EA-E205-6A64-634C13E79F68}"/>
+                <a16:creationId xmlns:a16="http://schemas.microsoft.com/office/drawing/2014/main" id="{A97283A5-B3EF-821F-FDCE-BD5944CF55AE}"/>
               </a:ext>
             </a:extLst>
           </p:cNvPr>
@@ -31182,21 +34820,12 @@
         </p:nvSpPr>
         <p:spPr>
           <a:xfrm>
-            <a:off x="2602523" y="1913206"/>
-            <a:ext cx="2405575" cy="1083212"/>
+            <a:off x="4413841" y="2582376"/>
+            <a:ext cx="891396" cy="529086"/>
           </a:xfrm>
-          <a:prstGeom prst="wedgeRoundRectCallout">
-            <a:avLst>
-              <a:gd name="adj1" fmla="val -20833"/>
-              <a:gd name="adj2" fmla="val -59534"/>
-              <a:gd name="adj3" fmla="val 16667"/>
-            </a:avLst>
+          <a:prstGeom prst="roundRect">
+            <a:avLst/>
           </a:prstGeom>
-          <a:solidFill>
-            <a:schemeClr val="bg1">
-              <a:lumMod val="95000"/>
-            </a:schemeClr>
-          </a:solidFill>
         </p:spPr>
         <p:style>
           <a:lnRef idx="2">
@@ -31220,22 +34849,18 @@
           <a:p>
             <a:pPr algn="ctr"/>
             <a:r>
-              <a:rPr lang="ko-KR" altLang="en-US" dirty="0">
-                <a:solidFill>
-                  <a:schemeClr val="tx1"/>
-                </a:solidFill>
-              </a:rPr>
-              <a:t>질문내용</a:t>
+              <a:rPr lang="ko-KR" altLang="en-US" sz="1200" dirty="0"/>
+              <a:t>이메일</a:t>
             </a:r>
           </a:p>
         </p:txBody>
       </p:sp>
       <p:sp>
         <p:nvSpPr>
-          <p:cNvPr id="5" name="말풍선: 모서리가 둥근 사각형 4">
+          <p:cNvPr id="8" name="사각형: 둥근 모서리 7">
             <a:extLst>
               <a:ext uri="{FF2B5EF4-FFF2-40B4-BE49-F238E27FC236}">
-                <a16:creationId xmlns:a16="http://schemas.microsoft.com/office/drawing/2014/main" id="{96E5CECC-0A4C-E76F-68B1-431A6E99C548}"/>
+                <a16:creationId xmlns:a16="http://schemas.microsoft.com/office/drawing/2014/main" id="{F4FB583D-6038-C82E-C427-27A40FC2A099}"/>
               </a:ext>
             </a:extLst>
           </p:cNvPr>
@@ -31244,21 +34869,12 @@
         </p:nvSpPr>
         <p:spPr>
           <a:xfrm>
-            <a:off x="3696052" y="3078331"/>
-            <a:ext cx="1996811" cy="443382"/>
+            <a:off x="4413841" y="1830085"/>
+            <a:ext cx="891396" cy="529086"/>
           </a:xfrm>
-          <a:prstGeom prst="wedgeRoundRectCallout">
-            <a:avLst>
-              <a:gd name="adj1" fmla="val 55913"/>
-              <a:gd name="adj2" fmla="val -21460"/>
-              <a:gd name="adj3" fmla="val 16667"/>
-            </a:avLst>
+          <a:prstGeom prst="roundRect">
+            <a:avLst/>
           </a:prstGeom>
-          <a:solidFill>
-            <a:schemeClr val="bg1">
-              <a:lumMod val="95000"/>
-            </a:schemeClr>
-          </a:solidFill>
         </p:spPr>
         <p:style>
           <a:lnRef idx="2">
@@ -31282,69 +34898,180 @@
           <a:p>
             <a:pPr algn="ctr"/>
             <a:r>
-              <a:rPr lang="ko-KR" altLang="en-US" dirty="0">
-                <a:solidFill>
-                  <a:schemeClr val="tx1"/>
-                </a:solidFill>
-              </a:rPr>
-              <a:t>대답</a:t>
+              <a:rPr lang="ko-KR" altLang="en-US" sz="1200" dirty="0"/>
+              <a:t>이름</a:t>
             </a:r>
           </a:p>
         </p:txBody>
       </p:sp>
-      <p:pic>
-        <p:nvPicPr>
-          <p:cNvPr id="6" name="Picture 12" descr="사용자 아이콘 PNG, 일러스트, PSD 및 클립 아트에 대한 무료 다운로드 | Pngtree">
+      <p:sp>
+        <p:nvSpPr>
+          <p:cNvPr id="14" name="제목 1">
             <a:extLst>
               <a:ext uri="{FF2B5EF4-FFF2-40B4-BE49-F238E27FC236}">
-                <a16:creationId xmlns:a16="http://schemas.microsoft.com/office/drawing/2014/main" id="{6982E264-DFF6-7490-D483-A2088798267F}"/>
+                <a16:creationId xmlns:a16="http://schemas.microsoft.com/office/drawing/2014/main" id="{E92945E2-8280-47B0-61C1-DF4F2CCDFD38}"/>
               </a:ext>
             </a:extLst>
           </p:cNvPr>
-          <p:cNvPicPr>
-            <a:picLocks noChangeAspect="1" noChangeArrowheads="1"/>
-          </p:cNvPicPr>
+          <p:cNvSpPr txBox="1">
+            <a:spLocks/>
+          </p:cNvSpPr>
           <p:nvPr/>
-        </p:nvPicPr>
-        <p:blipFill>
-          <a:blip r:embed="rId2">
+        </p:nvSpPr>
+        <p:spPr>
+          <a:xfrm>
+            <a:off x="5825697" y="1943905"/>
+            <a:ext cx="1889194" cy="415266"/>
+          </a:xfrm>
+          <a:prstGeom prst="rect">
+            <a:avLst/>
+          </a:prstGeom>
+        </p:spPr>
+        <p:txBody>
+          <a:bodyPr vert="horz" lIns="91440" tIns="45720" rIns="91440" bIns="45720" rtlCol="0" anchor="ctr">
+            <a:normAutofit fontScale="62500" lnSpcReduction="20000"/>
+          </a:bodyPr>
+          <a:lstStyle>
+            <a:lvl1pPr algn="l" defTabSz="914400" rtl="0" eaLnBrk="1" latinLnBrk="1" hangingPunct="1">
+              <a:lnSpc>
+                <a:spcPct val="90000"/>
+              </a:lnSpc>
+              <a:spcBef>
+                <a:spcPct val="0"/>
+              </a:spcBef>
+              <a:buNone/>
+              <a:defRPr sz="4400" kern="1200">
+                <a:solidFill>
+                  <a:schemeClr val="tx1"/>
+                </a:solidFill>
+                <a:latin typeface="+mj-lt"/>
+                <a:ea typeface="+mj-ea"/>
+                <a:cs typeface="+mj-cs"/>
+              </a:defRPr>
+            </a:lvl1pPr>
+          </a:lstStyle>
+          <a:p>
+            <a:r>
+              <a:rPr lang="ko-KR" altLang="en-US" dirty="0"/>
+              <a:t>이름</a:t>
+            </a:r>
+          </a:p>
+        </p:txBody>
+      </p:sp>
+      <p:sp>
+        <p:nvSpPr>
+          <p:cNvPr id="9" name="제목 1">
             <a:extLst>
-              <a:ext uri="{28A0092B-C50C-407E-A947-70E740481C1C}">
-                <a14:useLocalDpi xmlns:a14="http://schemas.microsoft.com/office/drawing/2010/main" val="0"/>
+              <a:ext uri="{FF2B5EF4-FFF2-40B4-BE49-F238E27FC236}">
+                <a16:creationId xmlns:a16="http://schemas.microsoft.com/office/drawing/2014/main" id="{B36746AF-42C3-95D7-9F1F-A89975F7A66F}"/>
               </a:ext>
             </a:extLst>
-          </a:blip>
-          <a:srcRect/>
-          <a:stretch>
-            <a:fillRect/>
-          </a:stretch>
-        </p:blipFill>
-        <p:spPr bwMode="auto">
+          </p:cNvPr>
+          <p:cNvSpPr txBox="1">
+            <a:spLocks/>
+          </p:cNvSpPr>
+          <p:nvPr/>
+        </p:nvSpPr>
+        <p:spPr>
           <a:xfrm>
-            <a:off x="5868988" y="3034529"/>
-            <a:ext cx="454024" cy="454024"/>
+            <a:off x="5825697" y="2696196"/>
+            <a:ext cx="1889194" cy="415266"/>
           </a:xfrm>
-          <a:prstGeom prst="ellipse">
+          <a:prstGeom prst="rect">
             <a:avLst/>
           </a:prstGeom>
-          <a:noFill/>
-          <a:extLst>
-            <a:ext uri="{909E8E84-426E-40DD-AFC4-6F175D3DCCD1}">
-              <a14:hiddenFill xmlns:a14="http://schemas.microsoft.com/office/drawing/2010/main">
+        </p:spPr>
+        <p:txBody>
+          <a:bodyPr vert="horz" lIns="91440" tIns="45720" rIns="91440" bIns="45720" rtlCol="0" anchor="ctr">
+            <a:normAutofit fontScale="62500" lnSpcReduction="20000"/>
+          </a:bodyPr>
+          <a:lstStyle>
+            <a:lvl1pPr algn="l" defTabSz="914400" rtl="0" eaLnBrk="1" latinLnBrk="1" hangingPunct="1">
+              <a:lnSpc>
+                <a:spcPct val="90000"/>
+              </a:lnSpc>
+              <a:spcBef>
+                <a:spcPct val="0"/>
+              </a:spcBef>
+              <a:buNone/>
+              <a:defRPr sz="4400" kern="1200">
                 <a:solidFill>
-                  <a:srgbClr val="FFFFFF"/>
+                  <a:schemeClr val="tx1"/>
                 </a:solidFill>
-              </a14:hiddenFill>
-            </a:ext>
-          </a:extLst>
-        </p:spPr>
-      </p:pic>
+                <a:latin typeface="+mj-lt"/>
+                <a:ea typeface="+mj-ea"/>
+                <a:cs typeface="+mj-cs"/>
+              </a:defRPr>
+            </a:lvl1pPr>
+          </a:lstStyle>
+          <a:p>
+            <a:r>
+              <a:rPr lang="ko-KR" altLang="en-US" dirty="0"/>
+              <a:t>이메일</a:t>
+            </a:r>
+          </a:p>
+        </p:txBody>
+      </p:sp>
       <p:sp>
         <p:nvSpPr>
-          <p:cNvPr id="7" name="말풍선: 모서리가 둥근 사각형 6">
+          <p:cNvPr id="10" name="제목 1">
             <a:extLst>
               <a:ext uri="{FF2B5EF4-FFF2-40B4-BE49-F238E27FC236}">
-                <a16:creationId xmlns:a16="http://schemas.microsoft.com/office/drawing/2014/main" id="{5C8097D1-CF56-477D-BB53-52DE11D17DC4}"/>
+                <a16:creationId xmlns:a16="http://schemas.microsoft.com/office/drawing/2014/main" id="{71FEB0CE-4681-4730-C0A5-4DE1986BABC2}"/>
+              </a:ext>
+            </a:extLst>
+          </p:cNvPr>
+          <p:cNvSpPr txBox="1">
+            <a:spLocks/>
+          </p:cNvSpPr>
+          <p:nvPr/>
+        </p:nvSpPr>
+        <p:spPr>
+          <a:xfrm>
+            <a:off x="5825697" y="3429000"/>
+            <a:ext cx="1889194" cy="415266"/>
+          </a:xfrm>
+          <a:prstGeom prst="rect">
+            <a:avLst/>
+          </a:prstGeom>
+        </p:spPr>
+        <p:txBody>
+          <a:bodyPr vert="horz" lIns="91440" tIns="45720" rIns="91440" bIns="45720" rtlCol="0" anchor="ctr">
+            <a:normAutofit fontScale="62500" lnSpcReduction="20000"/>
+          </a:bodyPr>
+          <a:lstStyle>
+            <a:lvl1pPr algn="l" defTabSz="914400" rtl="0" eaLnBrk="1" latinLnBrk="1" hangingPunct="1">
+              <a:lnSpc>
+                <a:spcPct val="90000"/>
+              </a:lnSpc>
+              <a:spcBef>
+                <a:spcPct val="0"/>
+              </a:spcBef>
+              <a:buNone/>
+              <a:defRPr sz="4400" kern="1200">
+                <a:solidFill>
+                  <a:schemeClr val="tx1"/>
+                </a:solidFill>
+                <a:latin typeface="+mj-lt"/>
+                <a:ea typeface="+mj-ea"/>
+                <a:cs typeface="+mj-cs"/>
+              </a:defRPr>
+            </a:lvl1pPr>
+          </a:lstStyle>
+          <a:p>
+            <a:r>
+              <a:rPr lang="ko-KR" altLang="en-US" dirty="0"/>
+              <a:t>전화번호</a:t>
+            </a:r>
+          </a:p>
+        </p:txBody>
+      </p:sp>
+      <p:sp>
+        <p:nvSpPr>
+          <p:cNvPr id="22" name="사각형: 둥근 모서리 21">
+            <a:extLst>
+              <a:ext uri="{FF2B5EF4-FFF2-40B4-BE49-F238E27FC236}">
+                <a16:creationId xmlns:a16="http://schemas.microsoft.com/office/drawing/2014/main" id="{13A51523-36DF-474F-2077-437108E76015}"/>
               </a:ext>
             </a:extLst>
           </p:cNvPr>
@@ -31353,21 +35080,12 @@
         </p:nvSpPr>
         <p:spPr>
           <a:xfrm>
-            <a:off x="2602523" y="3698415"/>
-            <a:ext cx="2405575" cy="888545"/>
+            <a:off x="4413841" y="3372090"/>
+            <a:ext cx="891396" cy="529086"/>
           </a:xfrm>
-          <a:prstGeom prst="wedgeRoundRectCallout">
-            <a:avLst>
-              <a:gd name="adj1" fmla="val -20833"/>
-              <a:gd name="adj2" fmla="val -59534"/>
-              <a:gd name="adj3" fmla="val 16667"/>
-            </a:avLst>
+          <a:prstGeom prst="roundRect">
+            <a:avLst/>
           </a:prstGeom>
-          <a:solidFill>
-            <a:schemeClr val="bg1">
-              <a:lumMod val="95000"/>
-            </a:schemeClr>
-          </a:solidFill>
         </p:spPr>
         <p:style>
           <a:lnRef idx="2">
@@ -31391,22 +35109,18 @@
           <a:p>
             <a:pPr algn="ctr"/>
             <a:r>
-              <a:rPr lang="ko-KR" altLang="en-US" dirty="0">
-                <a:solidFill>
-                  <a:schemeClr val="tx1"/>
-                </a:solidFill>
-              </a:rPr>
-              <a:t>피드백</a:t>
+              <a:rPr lang="ko-KR" altLang="en-US" sz="1200" dirty="0"/>
+              <a:t>전화번호</a:t>
             </a:r>
           </a:p>
         </p:txBody>
       </p:sp>
       <p:sp>
         <p:nvSpPr>
-          <p:cNvPr id="9" name="말풍선: 모서리가 둥근 사각형 8">
+          <p:cNvPr id="23" name="사각형: 둥근 모서리 22">
             <a:extLst>
               <a:ext uri="{FF2B5EF4-FFF2-40B4-BE49-F238E27FC236}">
-                <a16:creationId xmlns:a16="http://schemas.microsoft.com/office/drawing/2014/main" id="{3ED9C10B-67AB-21A6-F38C-3D94B59CCD4A}"/>
+                <a16:creationId xmlns:a16="http://schemas.microsoft.com/office/drawing/2014/main" id="{26B170D7-B0ED-912E-6394-BF79702372CD}"/>
               </a:ext>
             </a:extLst>
           </p:cNvPr>
@@ -31415,21 +35129,12 @@
         </p:nvSpPr>
         <p:spPr>
           <a:xfrm>
-            <a:off x="2602523" y="5114524"/>
-            <a:ext cx="2405575" cy="796812"/>
+            <a:off x="5061204" y="4799122"/>
+            <a:ext cx="891396" cy="529086"/>
           </a:xfrm>
-          <a:prstGeom prst="wedgeRoundRectCallout">
-            <a:avLst>
-              <a:gd name="adj1" fmla="val -20833"/>
-              <a:gd name="adj2" fmla="val -59534"/>
-              <a:gd name="adj3" fmla="val 16667"/>
-            </a:avLst>
+          <a:prstGeom prst="roundRect">
+            <a:avLst/>
           </a:prstGeom>
-          <a:solidFill>
-            <a:schemeClr val="bg1">
-              <a:lumMod val="95000"/>
-            </a:schemeClr>
-          </a:solidFill>
         </p:spPr>
         <p:style>
           <a:lnRef idx="2">
@@ -31453,22 +35158,19 @@
           <a:p>
             <a:pPr algn="ctr"/>
             <a:r>
-              <a:rPr lang="ko-KR" altLang="en-US" dirty="0">
-                <a:solidFill>
-                  <a:schemeClr val="tx1"/>
-                </a:solidFill>
-              </a:rPr>
-              <a:t>질문내용</a:t>
+              <a:rPr lang="ko-KR" altLang="en-US" sz="1200"/>
+              <a:t>수정하기</a:t>
             </a:r>
+            <a:endParaRPr lang="ko-KR" altLang="en-US" sz="1200" dirty="0"/>
           </a:p>
         </p:txBody>
       </p:sp>
       <p:sp>
         <p:nvSpPr>
-          <p:cNvPr id="12" name="화살표: 왼쪽 11">
+          <p:cNvPr id="24" name="사각형: 둥근 모서리 23">
             <a:extLst>
               <a:ext uri="{FF2B5EF4-FFF2-40B4-BE49-F238E27FC236}">
-                <a16:creationId xmlns:a16="http://schemas.microsoft.com/office/drawing/2014/main" id="{9E2760EB-8E6B-7080-CFC9-49E0582D7C39}"/>
+                <a16:creationId xmlns:a16="http://schemas.microsoft.com/office/drawing/2014/main" id="{A4C83E38-CC83-E43E-ADC2-2B72787ECE3A}"/>
               </a:ext>
             </a:extLst>
           </p:cNvPr>
@@ -31477,7 +35179,56 @@
         </p:nvSpPr>
         <p:spPr>
           <a:xfrm>
-            <a:off x="2424160" y="1312991"/>
+            <a:off x="6324596" y="4790838"/>
+            <a:ext cx="891396" cy="529086"/>
+          </a:xfrm>
+          <a:prstGeom prst="roundRect">
+            <a:avLst/>
+          </a:prstGeom>
+        </p:spPr>
+        <p:style>
+          <a:lnRef idx="2">
+            <a:schemeClr val="accent1">
+              <a:shade val="15000"/>
+            </a:schemeClr>
+          </a:lnRef>
+          <a:fillRef idx="1">
+            <a:schemeClr val="accent1"/>
+          </a:fillRef>
+          <a:effectRef idx="0">
+            <a:schemeClr val="accent1"/>
+          </a:effectRef>
+          <a:fontRef idx="minor">
+            <a:schemeClr val="lt1"/>
+          </a:fontRef>
+        </p:style>
+        <p:txBody>
+          <a:bodyPr rtlCol="0" anchor="ctr"/>
+          <a:lstStyle/>
+          <a:p>
+            <a:pPr algn="ctr"/>
+            <a:r>
+              <a:rPr lang="ko-KR" altLang="en-US" sz="1200" dirty="0"/>
+              <a:t>히스토리</a:t>
+            </a:r>
+          </a:p>
+        </p:txBody>
+      </p:sp>
+      <p:sp>
+        <p:nvSpPr>
+          <p:cNvPr id="4" name="화살표: 왼쪽 3">
+            <a:extLst>
+              <a:ext uri="{FF2B5EF4-FFF2-40B4-BE49-F238E27FC236}">
+                <a16:creationId xmlns:a16="http://schemas.microsoft.com/office/drawing/2014/main" id="{555854E6-EB00-0A51-5159-3190567691A3}"/>
+              </a:ext>
+            </a:extLst>
+          </p:cNvPr>
+          <p:cNvSpPr/>
+          <p:nvPr/>
+        </p:nvSpPr>
+        <p:spPr>
+          <a:xfrm>
+            <a:off x="4300094" y="931118"/>
             <a:ext cx="391065" cy="345057"/>
           </a:xfrm>
           <a:prstGeom prst="leftArrow">
@@ -31509,257 +35260,10 @@
           </a:p>
         </p:txBody>
       </p:sp>
-      <p:sp>
-        <p:nvSpPr>
-          <p:cNvPr id="13" name="사각형: 둥근 모서리 12">
-            <a:extLst>
-              <a:ext uri="{FF2B5EF4-FFF2-40B4-BE49-F238E27FC236}">
-                <a16:creationId xmlns:a16="http://schemas.microsoft.com/office/drawing/2014/main" id="{FE13B810-0250-44D2-C3A1-6D6B37C35F92}"/>
-              </a:ext>
-            </a:extLst>
-          </p:cNvPr>
-          <p:cNvSpPr/>
-          <p:nvPr/>
-        </p:nvSpPr>
-        <p:spPr>
-          <a:xfrm>
-            <a:off x="3059153" y="6233091"/>
-            <a:ext cx="2560320" cy="423852"/>
-          </a:xfrm>
-          <a:prstGeom prst="roundRect">
-            <a:avLst/>
-          </a:prstGeom>
-        </p:spPr>
-        <p:style>
-          <a:lnRef idx="2">
-            <a:schemeClr val="accent1">
-              <a:shade val="15000"/>
-            </a:schemeClr>
-          </a:lnRef>
-          <a:fillRef idx="1">
-            <a:schemeClr val="accent1"/>
-          </a:fillRef>
-          <a:effectRef idx="0">
-            <a:schemeClr val="accent1"/>
-          </a:effectRef>
-          <a:fontRef idx="minor">
-            <a:schemeClr val="lt1"/>
-          </a:fontRef>
-        </p:style>
-        <p:txBody>
-          <a:bodyPr rtlCol="0" anchor="ctr"/>
-          <a:lstStyle/>
-          <a:p>
-            <a:pPr algn="ctr"/>
-            <a:r>
-              <a:rPr lang="ko-KR" altLang="en-US"/>
-              <a:t>오래된 질문 삭제</a:t>
-            </a:r>
-          </a:p>
-        </p:txBody>
-      </p:sp>
-      <p:sp>
-        <p:nvSpPr>
-          <p:cNvPr id="14" name="제목 1">
-            <a:extLst>
-              <a:ext uri="{FF2B5EF4-FFF2-40B4-BE49-F238E27FC236}">
-                <a16:creationId xmlns:a16="http://schemas.microsoft.com/office/drawing/2014/main" id="{EBEBDAE2-CC78-2746-3984-F103AFEE7731}"/>
-              </a:ext>
-            </a:extLst>
-          </p:cNvPr>
-          <p:cNvSpPr txBox="1">
-            <a:spLocks/>
-          </p:cNvSpPr>
-          <p:nvPr/>
-        </p:nvSpPr>
-        <p:spPr>
-          <a:xfrm>
-            <a:off x="3392450" y="5934287"/>
-            <a:ext cx="2392013" cy="382483"/>
-          </a:xfrm>
-          <a:prstGeom prst="rect">
-            <a:avLst/>
-          </a:prstGeom>
-        </p:spPr>
-        <p:txBody>
-          <a:bodyPr vert="horz" lIns="91440" tIns="45720" rIns="91440" bIns="45720" rtlCol="0" anchor="ctr">
-            <a:noAutofit/>
-          </a:bodyPr>
-          <a:lstStyle>
-            <a:lvl1pPr algn="l" defTabSz="914400" rtl="0" eaLnBrk="1" latinLnBrk="1" hangingPunct="1">
-              <a:lnSpc>
-                <a:spcPct val="90000"/>
-              </a:lnSpc>
-              <a:spcBef>
-                <a:spcPct val="0"/>
-              </a:spcBef>
-              <a:buNone/>
-              <a:defRPr sz="4400" kern="1200">
-                <a:solidFill>
-                  <a:schemeClr val="tx1"/>
-                </a:solidFill>
-                <a:latin typeface="+mj-lt"/>
-                <a:ea typeface="+mj-ea"/>
-                <a:cs typeface="+mj-cs"/>
-              </a:defRPr>
-            </a:lvl1pPr>
-          </a:lstStyle>
-          <a:p>
-            <a:r>
-              <a:rPr lang="ko-KR" altLang="en-US" sz="1400" dirty="0"/>
-              <a:t>사용가능 질문 </a:t>
-            </a:r>
-            <a:r>
-              <a:rPr lang="en-US" altLang="ko-KR" sz="1400" dirty="0"/>
-              <a:t>17/30</a:t>
-            </a:r>
-            <a:endParaRPr lang="ko-KR" altLang="en-US" sz="1400" dirty="0"/>
-          </a:p>
-        </p:txBody>
-      </p:sp>
-      <p:sp>
-        <p:nvSpPr>
-          <p:cNvPr id="15" name="제목 1">
-            <a:extLst>
-              <a:ext uri="{FF2B5EF4-FFF2-40B4-BE49-F238E27FC236}">
-                <a16:creationId xmlns:a16="http://schemas.microsoft.com/office/drawing/2014/main" id="{7E2BC4A5-0847-7606-650D-60314214ED22}"/>
-              </a:ext>
-            </a:extLst>
-          </p:cNvPr>
-          <p:cNvSpPr txBox="1">
-            <a:spLocks/>
-          </p:cNvSpPr>
-          <p:nvPr/>
-        </p:nvSpPr>
-        <p:spPr>
-          <a:xfrm>
-            <a:off x="3853595" y="4580765"/>
-            <a:ext cx="910237" cy="382483"/>
-          </a:xfrm>
-          <a:prstGeom prst="rect">
-            <a:avLst/>
-          </a:prstGeom>
-        </p:spPr>
-        <p:txBody>
-          <a:bodyPr vert="horz" lIns="91440" tIns="45720" rIns="91440" bIns="45720" rtlCol="0" anchor="ctr">
-            <a:noAutofit/>
-          </a:bodyPr>
-          <a:lstStyle>
-            <a:lvl1pPr algn="l" defTabSz="914400" rtl="0" eaLnBrk="1" latinLnBrk="1" hangingPunct="1">
-              <a:lnSpc>
-                <a:spcPct val="90000"/>
-              </a:lnSpc>
-              <a:spcBef>
-                <a:spcPct val="0"/>
-              </a:spcBef>
-              <a:buNone/>
-              <a:defRPr sz="4400" kern="1200">
-                <a:solidFill>
-                  <a:schemeClr val="tx1"/>
-                </a:solidFill>
-                <a:latin typeface="+mj-lt"/>
-                <a:ea typeface="+mj-ea"/>
-                <a:cs typeface="+mj-cs"/>
-              </a:defRPr>
-            </a:lvl1pPr>
-          </a:lstStyle>
-          <a:p>
-            <a:r>
-              <a:rPr lang="ko-KR" altLang="en-US" sz="1400" dirty="0" err="1">
-                <a:solidFill>
-                  <a:srgbClr val="FF0000"/>
-                </a:solidFill>
-              </a:rPr>
-              <a:t>잘문삭제</a:t>
-            </a:r>
-            <a:endParaRPr lang="ko-KR" altLang="en-US" sz="1400" dirty="0">
-              <a:solidFill>
-                <a:srgbClr val="FF0000"/>
-              </a:solidFill>
-            </a:endParaRPr>
-          </a:p>
-        </p:txBody>
-      </p:sp>
-      <p:cxnSp>
-        <p:nvCxnSpPr>
-          <p:cNvPr id="16" name="직선 연결선 15">
-            <a:extLst>
-              <a:ext uri="{FF2B5EF4-FFF2-40B4-BE49-F238E27FC236}">
-                <a16:creationId xmlns:a16="http://schemas.microsoft.com/office/drawing/2014/main" id="{EA716D64-61B2-75A1-FBE7-89F99B407D04}"/>
-              </a:ext>
-            </a:extLst>
-          </p:cNvPr>
-          <p:cNvCxnSpPr>
-            <a:cxnSpLocks/>
-          </p:cNvCxnSpPr>
-          <p:nvPr/>
-        </p:nvCxnSpPr>
-        <p:spPr>
-          <a:xfrm>
-            <a:off x="2292054" y="4768948"/>
-            <a:ext cx="1561541" cy="0"/>
-          </a:xfrm>
-          <a:prstGeom prst="line">
-            <a:avLst/>
-          </a:prstGeom>
-        </p:spPr>
-        <p:style>
-          <a:lnRef idx="2">
-            <a:schemeClr val="accent1"/>
-          </a:lnRef>
-          <a:fillRef idx="0">
-            <a:schemeClr val="accent1"/>
-          </a:fillRef>
-          <a:effectRef idx="1">
-            <a:schemeClr val="accent1"/>
-          </a:effectRef>
-          <a:fontRef idx="minor">
-            <a:schemeClr val="tx1"/>
-          </a:fontRef>
-        </p:style>
-      </p:cxnSp>
-      <p:cxnSp>
-        <p:nvCxnSpPr>
-          <p:cNvPr id="17" name="직선 연결선 16">
-            <a:extLst>
-              <a:ext uri="{FF2B5EF4-FFF2-40B4-BE49-F238E27FC236}">
-                <a16:creationId xmlns:a16="http://schemas.microsoft.com/office/drawing/2014/main" id="{AD5C1F78-E2CD-CD73-560A-B925530D9A76}"/>
-              </a:ext>
-            </a:extLst>
-          </p:cNvPr>
-          <p:cNvCxnSpPr>
-            <a:cxnSpLocks/>
-          </p:cNvCxnSpPr>
-          <p:nvPr/>
-        </p:nvCxnSpPr>
-        <p:spPr>
-          <a:xfrm>
-            <a:off x="4763832" y="4768948"/>
-            <a:ext cx="1559180" cy="0"/>
-          </a:xfrm>
-          <a:prstGeom prst="line">
-            <a:avLst/>
-          </a:prstGeom>
-        </p:spPr>
-        <p:style>
-          <a:lnRef idx="2">
-            <a:schemeClr val="accent1"/>
-          </a:lnRef>
-          <a:fillRef idx="0">
-            <a:schemeClr val="accent1"/>
-          </a:fillRef>
-          <a:effectRef idx="1">
-            <a:schemeClr val="accent1"/>
-          </a:effectRef>
-          <a:fontRef idx="minor">
-            <a:schemeClr val="tx1"/>
-          </a:fontRef>
-        </p:style>
-      </p:cxnSp>
     </p:spTree>
     <p:extLst>
       <p:ext uri="{BB962C8B-B14F-4D97-AF65-F5344CB8AC3E}">
-        <p14:creationId xmlns:p14="http://schemas.microsoft.com/office/powerpoint/2010/main" val="883805256"/>
+        <p14:creationId xmlns:p14="http://schemas.microsoft.com/office/powerpoint/2010/main" val="3203314519"/>
       </p:ext>
     </p:extLst>
   </p:cSld>
